--- a/presentation.pptx
+++ b/presentation.pptx
@@ -4,6 +4,9 @@
   <p:sldMasterIdLst>
     <p:sldMasterId id="2147483696" r:id="rId1"/>
   </p:sldMasterIdLst>
+  <p:notesMasterIdLst>
+    <p:notesMasterId r:id="rId30"/>
+  </p:notesMasterIdLst>
   <p:sldIdLst>
     <p:sldId id="256" r:id="rId2"/>
     <p:sldId id="261" r:id="rId3"/>
@@ -26,9 +29,13 @@
     <p:sldId id="275" r:id="rId20"/>
     <p:sldId id="276" r:id="rId21"/>
     <p:sldId id="277" r:id="rId22"/>
-    <p:sldId id="278" r:id="rId23"/>
-    <p:sldId id="279" r:id="rId24"/>
-    <p:sldId id="260" r:id="rId25"/>
+    <p:sldId id="280" r:id="rId23"/>
+    <p:sldId id="281" r:id="rId24"/>
+    <p:sldId id="282" r:id="rId25"/>
+    <p:sldId id="283" r:id="rId26"/>
+    <p:sldId id="278" r:id="rId27"/>
+    <p:sldId id="279" r:id="rId28"/>
+    <p:sldId id="260" r:id="rId29"/>
   </p:sldIdLst>
   <p:sldSz cx="9144000" cy="6858000" type="screen4x3"/>
   <p:notesSz cx="6858000" cy="9144000"/>
@@ -593,12 +600,12 @@
         <c:gapWidth val="150"/>
         <c:gapDepth val="0"/>
         <c:shape val="box"/>
-        <c:axId val="170442240"/>
-        <c:axId val="134440640"/>
+        <c:axId val="151322624"/>
+        <c:axId val="141165696"/>
         <c:axId val="0"/>
       </c:bar3DChart>
       <c:catAx>
-        <c:axId val="170442240"/>
+        <c:axId val="151322624"/>
         <c:scaling>
           <c:orientation val="minMax"/>
         </c:scaling>
@@ -633,7 +640,7 @@
             <a:endParaRPr lang="bg-BG"/>
           </a:p>
         </c:txPr>
-        <c:crossAx val="134440640"/>
+        <c:crossAx val="141165696"/>
         <c:crosses val="autoZero"/>
         <c:auto val="1"/>
         <c:lblAlgn val="ctr"/>
@@ -641,7 +648,7 @@
         <c:noMultiLvlLbl val="0"/>
       </c:catAx>
       <c:valAx>
-        <c:axId val="134440640"/>
+        <c:axId val="141165696"/>
         <c:scaling>
           <c:orientation val="minMax"/>
         </c:scaling>
@@ -686,7 +693,7 @@
             <a:endParaRPr lang="bg-BG"/>
           </a:p>
         </c:txPr>
-        <c:crossAx val="170442240"/>
+        <c:crossAx val="151322624"/>
         <c:crosses val="autoZero"/>
         <c:crossBetween val="between"/>
       </c:valAx>
@@ -697,10 +704,10 @@
         <c:manualLayout>
           <c:xMode val="edge"/>
           <c:yMode val="edge"/>
-          <c:x val="0.76190476190476186"/>
-          <c:y val="0.18681318681318682"/>
-          <c:w val="0.20533536986806414"/>
-          <c:h val="0.47823925623754859"/>
+          <c:x val="0.75170068027210879"/>
+          <c:y val="7.9972710251609444E-2"/>
+          <c:w val="0.23254619958219508"/>
+          <c:h val="0.78312529174895484"/>
         </c:manualLayout>
       </c:layout>
       <c:overlay val="0"/>
@@ -718,7 +725,7 @@
         <a:lstStyle/>
         <a:p>
           <a:pPr>
-            <a:defRPr sz="735" b="1" i="0" u="none" strike="noStrike" baseline="0">
+            <a:defRPr sz="1200" b="1" i="0" u="none" strike="noStrike" baseline="0">
               <a:solidFill>
                 <a:srgbClr val="000000"/>
               </a:solidFill>
@@ -764,6 +771,440 @@
 </c:chartSpace>
 </file>
 
+<file path=ppt/notesMasters/notesMaster1.xml><?xml version="1.0" encoding="utf-8"?>
+<p:notesMaster xmlns:a="http://schemas.openxmlformats.org/drawingml/2006/main" xmlns:r="http://schemas.openxmlformats.org/officeDocument/2006/relationships" xmlns:p="http://schemas.openxmlformats.org/presentationml/2006/main">
+  <p:cSld>
+    <p:bg>
+      <p:bgRef idx="1001">
+        <a:schemeClr val="bg1"/>
+      </p:bgRef>
+    </p:bg>
+    <p:spTree>
+      <p:nvGrpSpPr>
+        <p:cNvPr id="1" name=""/>
+        <p:cNvGrpSpPr/>
+        <p:nvPr/>
+      </p:nvGrpSpPr>
+      <p:grpSpPr>
+        <a:xfrm>
+          <a:off x="0" y="0"/>
+          <a:ext cx="0" cy="0"/>
+          <a:chOff x="0" y="0"/>
+          <a:chExt cx="0" cy="0"/>
+        </a:xfrm>
+      </p:grpSpPr>
+      <p:sp>
+        <p:nvSpPr>
+          <p:cNvPr id="2" name="Контейнер за горния колонтитул 1"/>
+          <p:cNvSpPr>
+            <a:spLocks noGrp="1"/>
+          </p:cNvSpPr>
+          <p:nvPr>
+            <p:ph type="hdr" sz="quarter"/>
+          </p:nvPr>
+        </p:nvSpPr>
+        <p:spPr>
+          <a:xfrm>
+            <a:off x="0" y="0"/>
+            <a:ext cx="2971800" cy="457200"/>
+          </a:xfrm>
+          <a:prstGeom prst="rect">
+            <a:avLst/>
+          </a:prstGeom>
+        </p:spPr>
+        <p:txBody>
+          <a:bodyPr vert="horz" lIns="91440" tIns="45720" rIns="91440" bIns="45720" rtlCol="0"/>
+          <a:lstStyle>
+            <a:lvl1pPr algn="l">
+              <a:defRPr sz="1200"/>
+            </a:lvl1pPr>
+          </a:lstStyle>
+          <a:p>
+            <a:endParaRPr lang="bg-BG"/>
+          </a:p>
+        </p:txBody>
+      </p:sp>
+      <p:sp>
+        <p:nvSpPr>
+          <p:cNvPr id="3" name="Контейнер за дата 2"/>
+          <p:cNvSpPr>
+            <a:spLocks noGrp="1"/>
+          </p:cNvSpPr>
+          <p:nvPr>
+            <p:ph type="dt" idx="1"/>
+          </p:nvPr>
+        </p:nvSpPr>
+        <p:spPr>
+          <a:xfrm>
+            <a:off x="3884613" y="0"/>
+            <a:ext cx="2971800" cy="457200"/>
+          </a:xfrm>
+          <a:prstGeom prst="rect">
+            <a:avLst/>
+          </a:prstGeom>
+        </p:spPr>
+        <p:txBody>
+          <a:bodyPr vert="horz" lIns="91440" tIns="45720" rIns="91440" bIns="45720" rtlCol="0"/>
+          <a:lstStyle>
+            <a:lvl1pPr algn="r">
+              <a:defRPr sz="1200"/>
+            </a:lvl1pPr>
+          </a:lstStyle>
+          <a:p>
+            <a:fld id="{741FE110-2F42-4BC2-9BAA-1D17D54D53AA}" type="datetimeFigureOut">
+              <a:rPr lang="bg-BG" smtClean="0"/>
+              <a:t>10.2.2022 г.</a:t>
+            </a:fld>
+            <a:endParaRPr lang="bg-BG"/>
+          </a:p>
+        </p:txBody>
+      </p:sp>
+      <p:sp>
+        <p:nvSpPr>
+          <p:cNvPr id="4" name="Контейнер за изображение на слайда 3"/>
+          <p:cNvSpPr>
+            <a:spLocks noGrp="1" noRot="1" noChangeAspect="1"/>
+          </p:cNvSpPr>
+          <p:nvPr>
+            <p:ph type="sldImg" idx="2"/>
+          </p:nvPr>
+        </p:nvSpPr>
+        <p:spPr>
+          <a:xfrm>
+            <a:off x="1143000" y="685800"/>
+            <a:ext cx="4572000" cy="3429000"/>
+          </a:xfrm>
+          <a:prstGeom prst="rect">
+            <a:avLst/>
+          </a:prstGeom>
+          <a:noFill/>
+          <a:ln w="12700">
+            <a:solidFill>
+              <a:prstClr val="black"/>
+            </a:solidFill>
+          </a:ln>
+        </p:spPr>
+        <p:txBody>
+          <a:bodyPr vert="horz" lIns="91440" tIns="45720" rIns="91440" bIns="45720" rtlCol="0" anchor="ctr"/>
+          <a:lstStyle/>
+          <a:p>
+            <a:endParaRPr lang="bg-BG"/>
+          </a:p>
+        </p:txBody>
+      </p:sp>
+      <p:sp>
+        <p:nvSpPr>
+          <p:cNvPr id="5" name="Контейнер за бележки 4"/>
+          <p:cNvSpPr>
+            <a:spLocks noGrp="1"/>
+          </p:cNvSpPr>
+          <p:nvPr>
+            <p:ph type="body" sz="quarter" idx="3"/>
+          </p:nvPr>
+        </p:nvSpPr>
+        <p:spPr>
+          <a:xfrm>
+            <a:off x="685800" y="4343400"/>
+            <a:ext cx="5486400" cy="4114800"/>
+          </a:xfrm>
+          <a:prstGeom prst="rect">
+            <a:avLst/>
+          </a:prstGeom>
+        </p:spPr>
+        <p:txBody>
+          <a:bodyPr vert="horz" lIns="91440" tIns="45720" rIns="91440" bIns="45720" rtlCol="0"/>
+          <a:lstStyle/>
+          <a:p>
+            <a:pPr lvl="0"/>
+            <a:r>
+              <a:rPr lang="bg-BG" smtClean="0"/>
+              <a:t>Щракнете, за да редактирате стиловете на текста в образеца</a:t>
+            </a:r>
+          </a:p>
+          <a:p>
+            <a:pPr lvl="1"/>
+            <a:r>
+              <a:rPr lang="bg-BG" smtClean="0"/>
+              <a:t>Второ ниво</a:t>
+            </a:r>
+          </a:p>
+          <a:p>
+            <a:pPr lvl="2"/>
+            <a:r>
+              <a:rPr lang="bg-BG" smtClean="0"/>
+              <a:t>Трето ниво</a:t>
+            </a:r>
+          </a:p>
+          <a:p>
+            <a:pPr lvl="3"/>
+            <a:r>
+              <a:rPr lang="bg-BG" smtClean="0"/>
+              <a:t>Четвърто ниво</a:t>
+            </a:r>
+          </a:p>
+          <a:p>
+            <a:pPr lvl="4"/>
+            <a:r>
+              <a:rPr lang="bg-BG" smtClean="0"/>
+              <a:t>Пето ниво</a:t>
+            </a:r>
+            <a:endParaRPr lang="bg-BG"/>
+          </a:p>
+        </p:txBody>
+      </p:sp>
+      <p:sp>
+        <p:nvSpPr>
+          <p:cNvPr id="6" name="Контейнер за долния колонтитул 5"/>
+          <p:cNvSpPr>
+            <a:spLocks noGrp="1"/>
+          </p:cNvSpPr>
+          <p:nvPr>
+            <p:ph type="ftr" sz="quarter" idx="4"/>
+          </p:nvPr>
+        </p:nvSpPr>
+        <p:spPr>
+          <a:xfrm>
+            <a:off x="0" y="8685213"/>
+            <a:ext cx="2971800" cy="457200"/>
+          </a:xfrm>
+          <a:prstGeom prst="rect">
+            <a:avLst/>
+          </a:prstGeom>
+        </p:spPr>
+        <p:txBody>
+          <a:bodyPr vert="horz" lIns="91440" tIns="45720" rIns="91440" bIns="45720" rtlCol="0" anchor="b"/>
+          <a:lstStyle>
+            <a:lvl1pPr algn="l">
+              <a:defRPr sz="1200"/>
+            </a:lvl1pPr>
+          </a:lstStyle>
+          <a:p>
+            <a:endParaRPr lang="bg-BG"/>
+          </a:p>
+        </p:txBody>
+      </p:sp>
+      <p:sp>
+        <p:nvSpPr>
+          <p:cNvPr id="7" name="Контейнер за номер на слайда 6"/>
+          <p:cNvSpPr>
+            <a:spLocks noGrp="1"/>
+          </p:cNvSpPr>
+          <p:nvPr>
+            <p:ph type="sldNum" sz="quarter" idx="5"/>
+          </p:nvPr>
+        </p:nvSpPr>
+        <p:spPr>
+          <a:xfrm>
+            <a:off x="3884613" y="8685213"/>
+            <a:ext cx="2971800" cy="457200"/>
+          </a:xfrm>
+          <a:prstGeom prst="rect">
+            <a:avLst/>
+          </a:prstGeom>
+        </p:spPr>
+        <p:txBody>
+          <a:bodyPr vert="horz" lIns="91440" tIns="45720" rIns="91440" bIns="45720" rtlCol="0" anchor="b"/>
+          <a:lstStyle>
+            <a:lvl1pPr algn="r">
+              <a:defRPr sz="1200"/>
+            </a:lvl1pPr>
+          </a:lstStyle>
+          <a:p>
+            <a:fld id="{1D44BA75-14A6-40ED-8495-C5D3E81A4F59}" type="slidenum">
+              <a:rPr lang="bg-BG" smtClean="0"/>
+              <a:t>‹#›</a:t>
+            </a:fld>
+            <a:endParaRPr lang="bg-BG"/>
+          </a:p>
+        </p:txBody>
+      </p:sp>
+    </p:spTree>
+    <p:extLst>
+      <p:ext uri="{BB962C8B-B14F-4D97-AF65-F5344CB8AC3E}">
+        <p14:creationId xmlns:p14="http://schemas.microsoft.com/office/powerpoint/2010/main" val="3597735127"/>
+      </p:ext>
+    </p:extLst>
+  </p:cSld>
+  <p:clrMap bg1="lt1" tx1="dk1" bg2="lt2" tx2="dk2" accent1="accent1" accent2="accent2" accent3="accent3" accent4="accent4" accent5="accent5" accent6="accent6" hlink="hlink" folHlink="folHlink"/>
+  <p:notesStyle>
+    <a:lvl1pPr marL="0" algn="l" defTabSz="914400" rtl="0" eaLnBrk="1" latinLnBrk="0" hangingPunct="1">
+      <a:defRPr sz="1200" kern="1200">
+        <a:solidFill>
+          <a:schemeClr val="tx1"/>
+        </a:solidFill>
+        <a:latin typeface="+mn-lt"/>
+        <a:ea typeface="+mn-ea"/>
+        <a:cs typeface="+mn-cs"/>
+      </a:defRPr>
+    </a:lvl1pPr>
+    <a:lvl2pPr marL="457200" algn="l" defTabSz="914400" rtl="0" eaLnBrk="1" latinLnBrk="0" hangingPunct="1">
+      <a:defRPr sz="1200" kern="1200">
+        <a:solidFill>
+          <a:schemeClr val="tx1"/>
+        </a:solidFill>
+        <a:latin typeface="+mn-lt"/>
+        <a:ea typeface="+mn-ea"/>
+        <a:cs typeface="+mn-cs"/>
+      </a:defRPr>
+    </a:lvl2pPr>
+    <a:lvl3pPr marL="914400" algn="l" defTabSz="914400" rtl="0" eaLnBrk="1" latinLnBrk="0" hangingPunct="1">
+      <a:defRPr sz="1200" kern="1200">
+        <a:solidFill>
+          <a:schemeClr val="tx1"/>
+        </a:solidFill>
+        <a:latin typeface="+mn-lt"/>
+        <a:ea typeface="+mn-ea"/>
+        <a:cs typeface="+mn-cs"/>
+      </a:defRPr>
+    </a:lvl3pPr>
+    <a:lvl4pPr marL="1371600" algn="l" defTabSz="914400" rtl="0" eaLnBrk="1" latinLnBrk="0" hangingPunct="1">
+      <a:defRPr sz="1200" kern="1200">
+        <a:solidFill>
+          <a:schemeClr val="tx1"/>
+        </a:solidFill>
+        <a:latin typeface="+mn-lt"/>
+        <a:ea typeface="+mn-ea"/>
+        <a:cs typeface="+mn-cs"/>
+      </a:defRPr>
+    </a:lvl4pPr>
+    <a:lvl5pPr marL="1828800" algn="l" defTabSz="914400" rtl="0" eaLnBrk="1" latinLnBrk="0" hangingPunct="1">
+      <a:defRPr sz="1200" kern="1200">
+        <a:solidFill>
+          <a:schemeClr val="tx1"/>
+        </a:solidFill>
+        <a:latin typeface="+mn-lt"/>
+        <a:ea typeface="+mn-ea"/>
+        <a:cs typeface="+mn-cs"/>
+      </a:defRPr>
+    </a:lvl5pPr>
+    <a:lvl6pPr marL="2286000" algn="l" defTabSz="914400" rtl="0" eaLnBrk="1" latinLnBrk="0" hangingPunct="1">
+      <a:defRPr sz="1200" kern="1200">
+        <a:solidFill>
+          <a:schemeClr val="tx1"/>
+        </a:solidFill>
+        <a:latin typeface="+mn-lt"/>
+        <a:ea typeface="+mn-ea"/>
+        <a:cs typeface="+mn-cs"/>
+      </a:defRPr>
+    </a:lvl6pPr>
+    <a:lvl7pPr marL="2743200" algn="l" defTabSz="914400" rtl="0" eaLnBrk="1" latinLnBrk="0" hangingPunct="1">
+      <a:defRPr sz="1200" kern="1200">
+        <a:solidFill>
+          <a:schemeClr val="tx1"/>
+        </a:solidFill>
+        <a:latin typeface="+mn-lt"/>
+        <a:ea typeface="+mn-ea"/>
+        <a:cs typeface="+mn-cs"/>
+      </a:defRPr>
+    </a:lvl7pPr>
+    <a:lvl8pPr marL="3200400" algn="l" defTabSz="914400" rtl="0" eaLnBrk="1" latinLnBrk="0" hangingPunct="1">
+      <a:defRPr sz="1200" kern="1200">
+        <a:solidFill>
+          <a:schemeClr val="tx1"/>
+        </a:solidFill>
+        <a:latin typeface="+mn-lt"/>
+        <a:ea typeface="+mn-ea"/>
+        <a:cs typeface="+mn-cs"/>
+      </a:defRPr>
+    </a:lvl8pPr>
+    <a:lvl9pPr marL="3657600" algn="l" defTabSz="914400" rtl="0" eaLnBrk="1" latinLnBrk="0" hangingPunct="1">
+      <a:defRPr sz="1200" kern="1200">
+        <a:solidFill>
+          <a:schemeClr val="tx1"/>
+        </a:solidFill>
+        <a:latin typeface="+mn-lt"/>
+        <a:ea typeface="+mn-ea"/>
+        <a:cs typeface="+mn-cs"/>
+      </a:defRPr>
+    </a:lvl9pPr>
+  </p:notesStyle>
+</p:notesMaster>
+</file>
+
+<file path=ppt/notesSlides/notesSlide1.xml><?xml version="1.0" encoding="utf-8"?>
+<p:notes xmlns:a="http://schemas.openxmlformats.org/drawingml/2006/main" xmlns:r="http://schemas.openxmlformats.org/officeDocument/2006/relationships" xmlns:p="http://schemas.openxmlformats.org/presentationml/2006/main">
+  <p:cSld>
+    <p:spTree>
+      <p:nvGrpSpPr>
+        <p:cNvPr id="1" name=""/>
+        <p:cNvGrpSpPr/>
+        <p:nvPr/>
+      </p:nvGrpSpPr>
+      <p:grpSpPr>
+        <a:xfrm>
+          <a:off x="0" y="0"/>
+          <a:ext cx="0" cy="0"/>
+          <a:chOff x="0" y="0"/>
+          <a:chExt cx="0" cy="0"/>
+        </a:xfrm>
+      </p:grpSpPr>
+      <p:sp>
+        <p:nvSpPr>
+          <p:cNvPr id="2" name="Контейнер за изображение на слайда 1"/>
+          <p:cNvSpPr>
+            <a:spLocks noGrp="1" noRot="1" noChangeAspect="1"/>
+          </p:cNvSpPr>
+          <p:nvPr>
+            <p:ph type="sldImg"/>
+          </p:nvPr>
+        </p:nvSpPr>
+        <p:spPr/>
+      </p:sp>
+      <p:sp>
+        <p:nvSpPr>
+          <p:cNvPr id="3" name="Контейнер за бележки 2"/>
+          <p:cNvSpPr>
+            <a:spLocks noGrp="1"/>
+          </p:cNvSpPr>
+          <p:nvPr>
+            <p:ph type="body" idx="1"/>
+          </p:nvPr>
+        </p:nvSpPr>
+        <p:spPr/>
+        <p:txBody>
+          <a:bodyPr/>
+          <a:lstStyle/>
+          <a:p>
+            <a:endParaRPr lang="bg-BG"/>
+          </a:p>
+        </p:txBody>
+      </p:sp>
+      <p:sp>
+        <p:nvSpPr>
+          <p:cNvPr id="4" name="Контейнер за номер на слайда 3"/>
+          <p:cNvSpPr>
+            <a:spLocks noGrp="1"/>
+          </p:cNvSpPr>
+          <p:nvPr>
+            <p:ph type="sldNum" sz="quarter" idx="10"/>
+          </p:nvPr>
+        </p:nvSpPr>
+        <p:spPr/>
+        <p:txBody>
+          <a:bodyPr/>
+          <a:lstStyle/>
+          <a:p>
+            <a:fld id="{1D44BA75-14A6-40ED-8495-C5D3E81A4F59}" type="slidenum">
+              <a:rPr lang="bg-BG" smtClean="0"/>
+              <a:t>22</a:t>
+            </a:fld>
+            <a:endParaRPr lang="bg-BG"/>
+          </a:p>
+        </p:txBody>
+      </p:sp>
+    </p:spTree>
+    <p:extLst>
+      <p:ext uri="{BB962C8B-B14F-4D97-AF65-F5344CB8AC3E}">
+        <p14:creationId xmlns:p14="http://schemas.microsoft.com/office/powerpoint/2010/main" val="3674561103"/>
+      </p:ext>
+    </p:extLst>
+  </p:cSld>
+  <p:clrMapOvr>
+    <a:masterClrMapping/>
+  </p:clrMapOvr>
+</p:notes>
+</file>
+
 <file path=ppt/slideLayouts/slideLayout1.xml><?xml version="1.0" encoding="utf-8"?>
 <p:sldLayout xmlns:a="http://schemas.openxmlformats.org/drawingml/2006/main" xmlns:r="http://schemas.openxmlformats.org/officeDocument/2006/relationships" xmlns:p="http://schemas.openxmlformats.org/presentationml/2006/main" showMasterSp="0" type="title" preserve="1">
   <p:cSld name="Заглавен слайд">
@@ -901,7 +1342,7 @@
           <a:p>
             <a:fld id="{273CC536-4F3D-4E22-A9F1-A3C6D40310AC}" type="datetimeFigureOut">
               <a:rPr lang="bg-BG" smtClean="0"/>
-              <a:t>9.2.2022 г.</a:t>
+              <a:t>10.2.2022 г.</a:t>
             </a:fld>
             <a:endParaRPr lang="bg-BG"/>
           </a:p>
@@ -1770,7 +2211,7 @@
           <a:p>
             <a:fld id="{273CC536-4F3D-4E22-A9F1-A3C6D40310AC}" type="datetimeFigureOut">
               <a:rPr lang="bg-BG" smtClean="0"/>
-              <a:t>9.2.2022 г.</a:t>
+              <a:t>10.2.2022 г.</a:t>
             </a:fld>
             <a:endParaRPr lang="bg-BG"/>
           </a:p>
@@ -1945,7 +2386,7 @@
           <a:p>
             <a:fld id="{273CC536-4F3D-4E22-A9F1-A3C6D40310AC}" type="datetimeFigureOut">
               <a:rPr lang="bg-BG" smtClean="0"/>
-              <a:t>9.2.2022 г.</a:t>
+              <a:t>10.2.2022 г.</a:t>
             </a:fld>
             <a:endParaRPr lang="bg-BG"/>
           </a:p>
@@ -2115,7 +2556,7 @@
           <a:p>
             <a:fld id="{273CC536-4F3D-4E22-A9F1-A3C6D40310AC}" type="datetimeFigureOut">
               <a:rPr lang="bg-BG" smtClean="0"/>
-              <a:t>9.2.2022 г.</a:t>
+              <a:t>10.2.2022 г.</a:t>
             </a:fld>
             <a:endParaRPr lang="bg-BG"/>
           </a:p>
@@ -2325,7 +2766,7 @@
           <a:p>
             <a:fld id="{273CC536-4F3D-4E22-A9F1-A3C6D40310AC}" type="datetimeFigureOut">
               <a:rPr lang="bg-BG" smtClean="0"/>
-              <a:t>9.2.2022 г.</a:t>
+              <a:t>10.2.2022 г.</a:t>
             </a:fld>
             <a:endParaRPr lang="bg-BG"/>
           </a:p>
@@ -3139,7 +3580,7 @@
           <a:p>
             <a:fld id="{273CC536-4F3D-4E22-A9F1-A3C6D40310AC}" type="datetimeFigureOut">
               <a:rPr lang="bg-BG" smtClean="0"/>
-              <a:t>9.2.2022 г.</a:t>
+              <a:t>10.2.2022 г.</a:t>
             </a:fld>
             <a:endParaRPr lang="bg-BG"/>
           </a:p>
@@ -3375,7 +3816,7 @@
           <a:p>
             <a:fld id="{273CC536-4F3D-4E22-A9F1-A3C6D40310AC}" type="datetimeFigureOut">
               <a:rPr lang="bg-BG" smtClean="0"/>
-              <a:t>9.2.2022 г.</a:t>
+              <a:t>10.2.2022 г.</a:t>
             </a:fld>
             <a:endParaRPr lang="bg-BG"/>
           </a:p>
@@ -3698,7 +4139,7 @@
           <a:p>
             <a:fld id="{273CC536-4F3D-4E22-A9F1-A3C6D40310AC}" type="datetimeFigureOut">
               <a:rPr lang="bg-BG" smtClean="0"/>
-              <a:t>9.2.2022 г.</a:t>
+              <a:t>10.2.2022 г.</a:t>
             </a:fld>
             <a:endParaRPr lang="bg-BG"/>
           </a:p>
@@ -3788,7 +4229,7 @@
           <a:p>
             <a:fld id="{273CC536-4F3D-4E22-A9F1-A3C6D40310AC}" type="datetimeFigureOut">
               <a:rPr lang="bg-BG" smtClean="0"/>
-              <a:t>9.2.2022 г.</a:t>
+              <a:t>10.2.2022 г.</a:t>
             </a:fld>
             <a:endParaRPr lang="bg-BG"/>
           </a:p>
@@ -4305,7 +4746,7 @@
           <a:p>
             <a:fld id="{273CC536-4F3D-4E22-A9F1-A3C6D40310AC}" type="datetimeFigureOut">
               <a:rPr lang="bg-BG" smtClean="0"/>
-              <a:t>9.2.2022 г.</a:t>
+              <a:t>10.2.2022 г.</a:t>
             </a:fld>
             <a:endParaRPr lang="bg-BG"/>
           </a:p>
@@ -4816,7 +5257,7 @@
           <a:p>
             <a:fld id="{273CC536-4F3D-4E22-A9F1-A3C6D40310AC}" type="datetimeFigureOut">
               <a:rPr lang="bg-BG" smtClean="0"/>
-              <a:t>9.2.2022 г.</a:t>
+              <a:t>10.2.2022 г.</a:t>
             </a:fld>
             <a:endParaRPr lang="bg-BG"/>
           </a:p>
@@ -5061,7 +5502,7 @@
           <a:p>
             <a:fld id="{273CC536-4F3D-4E22-A9F1-A3C6D40310AC}" type="datetimeFigureOut">
               <a:rPr lang="bg-BG" smtClean="0"/>
-              <a:t>9.2.2022 г.</a:t>
+              <a:t>10.2.2022 г.</a:t>
             </a:fld>
             <a:endParaRPr lang="bg-BG"/>
           </a:p>
@@ -5700,11 +6141,7 @@
             </a:r>
             <a:r>
               <a:rPr lang="ru-RU" smtClean="0"/>
-              <a:t>с </a:t>
-            </a:r>
-            <a:r>
-              <a:rPr lang="ru-RU" smtClean="0"/>
-              <a:t>TextRank</a:t>
+              <a:t>с TextRank</a:t>
             </a:r>
             <a:r>
               <a:rPr lang="en-US" smtClean="0"/>
@@ -5859,19 +6296,11 @@
             </a:r>
             <a:r>
               <a:rPr lang="bg-BG" smtClean="0"/>
-              <a:t> чрез </a:t>
-            </a:r>
-            <a:r>
-              <a:rPr lang="bg-BG" smtClean="0"/>
-              <a:t>библиотеките </a:t>
-            </a:r>
-            <a:r>
-              <a:rPr lang="en-US" smtClean="0"/>
-              <a:t>P</a:t>
-            </a:r>
-            <a:r>
-              <a:rPr lang="en-US" smtClean="0"/>
-              <a:t>yTextRank </a:t>
+              <a:t> чрез библиотеките </a:t>
+            </a:r>
+            <a:r>
+              <a:rPr lang="en-US" smtClean="0"/>
+              <a:t>PyTextRank </a:t>
             </a:r>
             <a:r>
               <a:rPr lang="bg-BG" smtClean="0"/>
@@ -5889,7 +6318,6 @@
               <a:rPr lang="en-US" smtClean="0"/>
               <a:t>LSA)</a:t>
             </a:r>
-            <a:endParaRPr lang="en-US" smtClean="0"/>
           </a:p>
           <a:p>
             <a:endParaRPr lang="en-US"/>
@@ -5897,15 +6325,7 @@
           <a:p>
             <a:r>
               <a:rPr lang="bg-BG" smtClean="0"/>
-              <a:t>документи </a:t>
-            </a:r>
-            <a:r>
-              <a:rPr lang="bg-BG" smtClean="0"/>
-              <a:t>за резюмиране – </a:t>
-            </a:r>
-            <a:r>
-              <a:rPr lang="bg-BG" smtClean="0"/>
-              <a:t>няколко </a:t>
+              <a:t>документи за резюмиране – няколко </a:t>
             </a:r>
             <a:r>
               <a:rPr lang="en-US" smtClean="0"/>
@@ -6268,11 +6688,7 @@
           <a:p>
             <a:r>
               <a:rPr lang="bg-BG"/>
-              <a:t>Обяснение </a:t>
-            </a:r>
-            <a:r>
-              <a:rPr lang="bg-BG"/>
-              <a:t>на </a:t>
+              <a:t>Обяснение на </a:t>
             </a:r>
             <a:r>
               <a:rPr lang="en-US" smtClean="0"/>
@@ -6553,31 +6969,19 @@
             </a:r>
             <a:r>
               <a:rPr lang="ru-RU"/>
-              <a:t>tagging</a:t>
-            </a:r>
-            <a:r>
-              <a:rPr lang="ru-RU"/>
-              <a:t>, </a:t>
+              <a:t>tagging, </a:t>
             </a:r>
             <a:r>
               <a:rPr lang="en-US"/>
-              <a:t>syntactic </a:t>
+              <a:t>syntactic dependency </a:t>
+            </a:r>
+            <a:r>
+              <a:rPr lang="en-US" smtClean="0"/>
+              <a:t>parsing, </a:t>
             </a:r>
             <a:r>
               <a:rPr lang="en-US"/>
-              <a:t>dependency </a:t>
-            </a:r>
-            <a:r>
-              <a:rPr lang="en-US" smtClean="0"/>
-              <a:t>parsing, </a:t>
-            </a:r>
-            <a:r>
-              <a:rPr lang="en-US"/>
-              <a:t>rule-based token </a:t>
-            </a:r>
-            <a:r>
-              <a:rPr lang="en-US"/>
-              <a:t>attribute </a:t>
+              <a:t>rule-based token attribute </a:t>
             </a:r>
             <a:r>
               <a:rPr lang="en-US" smtClean="0"/>
@@ -7066,11 +7470,7 @@
             <a:pPr lvl="2"/>
             <a:r>
               <a:rPr lang="bg-BG"/>
-              <a:t>резюмета </a:t>
-            </a:r>
-            <a:r>
-              <a:rPr lang="bg-BG"/>
-              <a:t>за </a:t>
+              <a:t>резюмета за </a:t>
             </a:r>
             <a:r>
               <a:rPr lang="bg-BG" smtClean="0"/>
@@ -7448,11 +7848,7 @@
             </a:r>
             <a:r>
               <a:rPr lang="bg-BG"/>
-              <a:t> формат, трябва </a:t>
-            </a:r>
-            <a:r>
-              <a:rPr lang="bg-BG"/>
-              <a:t>допълнителна </a:t>
+              <a:t> формат, трябва допълнителна </a:t>
             </a:r>
             <a:r>
               <a:rPr lang="bg-BG" smtClean="0"/>
@@ -8170,40 +8566,241 @@
           <a:p>
             <a:r>
               <a:rPr lang="bg-BG" smtClean="0"/>
-              <a:t>Резултати – </a:t>
-            </a:r>
-            <a:r>
-              <a:rPr lang="en-US" smtClean="0"/>
-              <a:t>ROUGE-L, F1 scores</a:t>
+              <a:t>Примерен текст (</a:t>
+            </a:r>
+            <a:r>
+              <a:rPr lang="en-US" smtClean="0"/>
+              <a:t>ot DUC</a:t>
+            </a:r>
+            <a:r>
+              <a:rPr lang="bg-BG" smtClean="0"/>
+              <a:t> корпуса)</a:t>
             </a:r>
             <a:endParaRPr lang="bg-BG"/>
           </a:p>
         </p:txBody>
       </p:sp>
-      <p:graphicFrame>
-        <p:nvGraphicFramePr>
-          <p:cNvPr id="4" name="Обект 1"/>
-          <p:cNvGraphicFramePr>
-            <a:graphicFrameLocks noGrp="1" noChangeAspect="1"/>
-          </p:cNvGraphicFramePr>
+      <p:sp>
+        <p:nvSpPr>
+          <p:cNvPr id="3" name="Контейнер за съдържание 2"/>
+          <p:cNvSpPr>
+            <a:spLocks noGrp="1"/>
+          </p:cNvSpPr>
           <p:nvPr>
             <p:ph sz="quarter" idx="1"/>
           </p:nvPr>
-        </p:nvGraphicFramePr>
-        <p:xfrm>
-          <a:off x="457200" y="1600200"/>
-          <a:ext cx="7467600" cy="4873625"/>
-        </p:xfrm>
-        <a:graphic>
-          <a:graphicData uri="http://schemas.openxmlformats.org/drawingml/2006/chart">
-            <c:chart xmlns:c="http://schemas.openxmlformats.org/drawingml/2006/chart" xmlns:r="http://schemas.openxmlformats.org/officeDocument/2006/relationships" r:id="rId2"/>
-          </a:graphicData>
-        </a:graphic>
-      </p:graphicFrame>
+        </p:nvSpPr>
+        <p:spPr/>
+        <p:txBody>
+          <a:bodyPr>
+            <a:normAutofit fontScale="47500" lnSpcReduction="20000"/>
+          </a:bodyPr>
+          <a:lstStyle/>
+          <a:p>
+            <a:pPr marL="0" indent="0">
+              <a:buNone/>
+            </a:pPr>
+            <a:r>
+              <a:rPr lang="en-US"/>
+              <a:t>MUNICH, Germany (AP) _ U.S. prosecutors have asked for a 20-day extension </a:t>
+            </a:r>
+          </a:p>
+          <a:p>
+            <a:pPr marL="0" indent="0">
+              <a:buNone/>
+            </a:pPr>
+            <a:r>
+              <a:rPr lang="en-US"/>
+              <a:t>to provide Germany with paperwork necessary to extradite a top lieutenant </a:t>
+            </a:r>
+          </a:p>
+          <a:p>
+            <a:pPr marL="0" indent="0">
+              <a:buNone/>
+            </a:pPr>
+            <a:r>
+              <a:rPr lang="en-US"/>
+              <a:t>of Saudi terrorist suspect Osama bin Laden, officials said Saturday. </a:t>
+            </a:r>
+          </a:p>
+          <a:p>
+            <a:pPr marL="0" indent="0">
+              <a:buNone/>
+            </a:pPr>
+            <a:r>
+              <a:rPr lang="en-US"/>
+              <a:t>Mamdouh Mahmud Salim, 40, of Sudan, has been jailed since his arrest </a:t>
+            </a:r>
+          </a:p>
+          <a:p>
+            <a:pPr marL="0" indent="0">
+              <a:buNone/>
+            </a:pPr>
+            <a:r>
+              <a:rPr lang="en-US"/>
+              <a:t>near Munich on Sept. 16 by Bavarian authorities acting on a U.S. warrant. </a:t>
+            </a:r>
+          </a:p>
+          <a:p>
+            <a:pPr marL="0" indent="0">
+              <a:buNone/>
+            </a:pPr>
+            <a:r>
+              <a:rPr lang="en-US"/>
+              <a:t>Under German law, U.S. officials have 40 days after the arrest to </a:t>
+            </a:r>
+          </a:p>
+          <a:p>
+            <a:pPr marL="0" indent="0">
+              <a:buNone/>
+            </a:pPr>
+            <a:r>
+              <a:rPr lang="en-US"/>
+              <a:t>turn over supporting evidence so a German court can rule on their </a:t>
+            </a:r>
+          </a:p>
+          <a:p>
+            <a:pPr marL="0" indent="0">
+              <a:buNone/>
+            </a:pPr>
+            <a:r>
+              <a:rPr lang="en-US"/>
+              <a:t>extradition request. A Bavarian Justice Ministry spokesman, Gerhard </a:t>
+            </a:r>
+          </a:p>
+          <a:p>
+            <a:pPr marL="0" indent="0">
+              <a:buNone/>
+            </a:pPr>
+            <a:r>
+              <a:rPr lang="en-US"/>
+              <a:t>Zierl, said U.S. authorities a few days ago asked the court hearing </a:t>
+            </a:r>
+          </a:p>
+          <a:p>
+            <a:pPr marL="0" indent="0">
+              <a:buNone/>
+            </a:pPr>
+            <a:r>
+              <a:rPr lang="en-US"/>
+              <a:t>the case for an extra 20 days to provide the necessary material. Quoting </a:t>
+            </a:r>
+          </a:p>
+          <a:p>
+            <a:pPr marL="0" indent="0">
+              <a:buNone/>
+            </a:pPr>
+            <a:r>
+              <a:rPr lang="en-US"/>
+              <a:t>unidentified Bavarian law enforcement sources, Focus newsmagazine </a:t>
+            </a:r>
+          </a:p>
+          <a:p>
+            <a:pPr marL="0" indent="0">
+              <a:buNone/>
+            </a:pPr>
+            <a:r>
+              <a:rPr lang="en-US"/>
+              <a:t>reported Saturday that the evidence turned over so far was not very </a:t>
+            </a:r>
+          </a:p>
+          <a:p>
+            <a:pPr marL="0" indent="0">
+              <a:buNone/>
+            </a:pPr>
+            <a:r>
+              <a:rPr lang="en-US"/>
+              <a:t>strong. The magazine said much of it was based on the testimony of </a:t>
+            </a:r>
+          </a:p>
+          <a:p>
+            <a:pPr marL="0" indent="0">
+              <a:buNone/>
+            </a:pPr>
+            <a:r>
+              <a:rPr lang="en-US"/>
+              <a:t>an FBI informant, a former bin Laden associate, who made only vague </a:t>
+            </a:r>
+          </a:p>
+          <a:p>
+            <a:pPr marL="0" indent="0">
+              <a:buNone/>
+            </a:pPr>
+            <a:r>
+              <a:rPr lang="en-US"/>
+              <a:t>connections between Salim and terrorist activities. Zierl declined </a:t>
+            </a:r>
+          </a:p>
+          <a:p>
+            <a:pPr marL="0" indent="0">
+              <a:buNone/>
+            </a:pPr>
+            <a:r>
+              <a:rPr lang="en-US"/>
+              <a:t>to comment on the report, but said U.S. authorities probably asked </a:t>
+            </a:r>
+          </a:p>
+          <a:p>
+            <a:pPr marL="0" indent="0">
+              <a:buNone/>
+            </a:pPr>
+            <a:r>
+              <a:rPr lang="en-US"/>
+              <a:t>for more time just a precautionary measure. U.S. authorities charge </a:t>
+            </a:r>
+          </a:p>
+          <a:p>
+            <a:pPr marL="0" indent="0">
+              <a:buNone/>
+            </a:pPr>
+            <a:r>
+              <a:rPr lang="en-US"/>
+              <a:t>Salim helped finance, train and arm members of a terrorist organization, </a:t>
+            </a:r>
+          </a:p>
+          <a:p>
+            <a:pPr marL="0" indent="0">
+              <a:buNone/>
+            </a:pPr>
+            <a:r>
+              <a:rPr lang="en-US"/>
+              <a:t>including the alleged bombers of the U.S. embassies in Kenya and Tanzania. </a:t>
+            </a:r>
+          </a:p>
+          <a:p>
+            <a:pPr marL="0" indent="0">
+              <a:buNone/>
+            </a:pPr>
+            <a:r>
+              <a:rPr lang="en-US"/>
+              <a:t>A criminal complaint unsealed Sept. 25 in U.S. District Court in New </a:t>
+            </a:r>
+          </a:p>
+          <a:p>
+            <a:pPr marL="0" indent="0">
+              <a:buNone/>
+            </a:pPr>
+            <a:r>
+              <a:rPr lang="en-US"/>
+              <a:t>York charges him with murder conspiracy and use of weapons of mass </a:t>
+            </a:r>
+          </a:p>
+          <a:p>
+            <a:pPr marL="0" indent="0">
+              <a:buNone/>
+            </a:pPr>
+            <a:r>
+              <a:rPr lang="en-US"/>
+              <a:t>destruction.</a:t>
+            </a:r>
+            <a:endParaRPr lang="bg-BG"/>
+          </a:p>
+        </p:txBody>
+      </p:sp>
     </p:spTree>
     <p:extLst>
       <p:ext uri="{BB962C8B-B14F-4D97-AF65-F5344CB8AC3E}">
-        <p14:creationId xmlns:p14="http://schemas.microsoft.com/office/powerpoint/2010/main" val="2156651418"/>
+        <p14:creationId xmlns:p14="http://schemas.microsoft.com/office/powerpoint/2010/main" val="1859935071"/>
       </p:ext>
     </p:extLst>
   </p:cSld>
@@ -8246,6 +8843,637 @@
           <a:lstStyle/>
           <a:p>
             <a:r>
+              <a:rPr lang="en-US" smtClean="0"/>
+              <a:t>TextRank</a:t>
+            </a:r>
+            <a:r>
+              <a:rPr lang="bg-BG" smtClean="0"/>
+              <a:t> резюме с 3 изречения</a:t>
+            </a:r>
+            <a:endParaRPr lang="bg-BG"/>
+          </a:p>
+        </p:txBody>
+      </p:sp>
+      <p:sp>
+        <p:nvSpPr>
+          <p:cNvPr id="3" name="Контейнер за съдържание 2"/>
+          <p:cNvSpPr>
+            <a:spLocks noGrp="1"/>
+          </p:cNvSpPr>
+          <p:nvPr>
+            <p:ph sz="quarter" idx="1"/>
+          </p:nvPr>
+        </p:nvSpPr>
+        <p:spPr/>
+        <p:txBody>
+          <a:bodyPr>
+            <a:normAutofit lnSpcReduction="10000"/>
+          </a:bodyPr>
+          <a:lstStyle/>
+          <a:p>
+            <a:r>
+              <a:rPr lang="en-US"/>
+              <a:t>U.S. prosecutors have asked for a 20-day </a:t>
+            </a:r>
+            <a:r>
+              <a:rPr lang="en-US"/>
+              <a:t>extension </a:t>
+            </a:r>
+            <a:r>
+              <a:rPr lang="en-US" smtClean="0"/>
+              <a:t>to </a:t>
+            </a:r>
+            <a:r>
+              <a:rPr lang="en-US"/>
+              <a:t>provide Germany with paperwork necessary to extradite a top </a:t>
+            </a:r>
+            <a:r>
+              <a:rPr lang="en-US"/>
+              <a:t>lieutenant </a:t>
+            </a:r>
+            <a:r>
+              <a:rPr lang="en-US" smtClean="0"/>
+              <a:t>of </a:t>
+            </a:r>
+            <a:r>
+              <a:rPr lang="en-US"/>
+              <a:t>Saudi terrorist suspect Osama bin Laden, officials said Saturday.</a:t>
+            </a:r>
+          </a:p>
+          <a:p>
+            <a:r>
+              <a:rPr lang="en-US" smtClean="0"/>
+              <a:t>Under </a:t>
+            </a:r>
+            <a:r>
+              <a:rPr lang="en-US"/>
+              <a:t>German law, U.S. officials have 40 days after the arrest </a:t>
+            </a:r>
+            <a:r>
+              <a:rPr lang="en-US"/>
+              <a:t>to </a:t>
+            </a:r>
+            <a:r>
+              <a:rPr lang="en-US" smtClean="0"/>
+              <a:t>turn </a:t>
+            </a:r>
+            <a:r>
+              <a:rPr lang="en-US"/>
+              <a:t>over supporting evidence so a German court can rule on </a:t>
+            </a:r>
+            <a:r>
+              <a:rPr lang="en-US"/>
+              <a:t>their </a:t>
+            </a:r>
+            <a:r>
+              <a:rPr lang="en-US" smtClean="0"/>
+              <a:t>extradition request</a:t>
+            </a:r>
+            <a:r>
+              <a:rPr lang="bg-BG" smtClean="0"/>
+              <a:t>.</a:t>
+            </a:r>
+          </a:p>
+          <a:p>
+            <a:r>
+              <a:rPr lang="en-US" smtClean="0"/>
+              <a:t>U.S</a:t>
+            </a:r>
+            <a:r>
+              <a:rPr lang="en-US"/>
+              <a:t>. authorities </a:t>
+            </a:r>
+            <a:r>
+              <a:rPr lang="en-US"/>
+              <a:t>charge </a:t>
+            </a:r>
+            <a:r>
+              <a:rPr lang="en-US" smtClean="0"/>
+              <a:t>Salim </a:t>
+            </a:r>
+            <a:r>
+              <a:rPr lang="en-US"/>
+              <a:t>helped finance, train and arm members of a terrorist </a:t>
+            </a:r>
+            <a:r>
+              <a:rPr lang="en-US"/>
+              <a:t>organization</a:t>
+            </a:r>
+            <a:r>
+              <a:rPr lang="en-US" smtClean="0"/>
+              <a:t>,</a:t>
+            </a:r>
+            <a:r>
+              <a:rPr lang="bg-BG" smtClean="0"/>
+              <a:t> </a:t>
+            </a:r>
+            <a:r>
+              <a:rPr lang="en-US" smtClean="0"/>
+              <a:t> including </a:t>
+            </a:r>
+            <a:r>
+              <a:rPr lang="en-US"/>
+              <a:t>the alleged bombers of the U.S. embassies in Kenya and Tanzania.</a:t>
+            </a:r>
+            <a:endParaRPr lang="bg-BG"/>
+          </a:p>
+        </p:txBody>
+      </p:sp>
+    </p:spTree>
+    <p:extLst>
+      <p:ext uri="{BB962C8B-B14F-4D97-AF65-F5344CB8AC3E}">
+        <p14:creationId xmlns:p14="http://schemas.microsoft.com/office/powerpoint/2010/main" val="1101932206"/>
+      </p:ext>
+    </p:extLst>
+  </p:cSld>
+  <p:clrMapOvr>
+    <a:masterClrMapping/>
+  </p:clrMapOvr>
+</p:sld>
+</file>
+
+<file path=ppt/slides/slide24.xml><?xml version="1.0" encoding="utf-8"?>
+<p:sld xmlns:a="http://schemas.openxmlformats.org/drawingml/2006/main" xmlns:r="http://schemas.openxmlformats.org/officeDocument/2006/relationships" xmlns:p="http://schemas.openxmlformats.org/presentationml/2006/main">
+  <p:cSld>
+    <p:spTree>
+      <p:nvGrpSpPr>
+        <p:cNvPr id="1" name=""/>
+        <p:cNvGrpSpPr/>
+        <p:nvPr/>
+      </p:nvGrpSpPr>
+      <p:grpSpPr>
+        <a:xfrm>
+          <a:off x="0" y="0"/>
+          <a:ext cx="0" cy="0"/>
+          <a:chOff x="0" y="0"/>
+          <a:chExt cx="0" cy="0"/>
+        </a:xfrm>
+      </p:grpSpPr>
+      <p:sp>
+        <p:nvSpPr>
+          <p:cNvPr id="2" name="Заглавие 1"/>
+          <p:cNvSpPr>
+            <a:spLocks noGrp="1"/>
+          </p:cNvSpPr>
+          <p:nvPr>
+            <p:ph type="title"/>
+          </p:nvPr>
+        </p:nvSpPr>
+        <p:spPr/>
+        <p:txBody>
+          <a:bodyPr/>
+          <a:lstStyle/>
+          <a:p>
+            <a:r>
+              <a:rPr lang="en-US"/>
+              <a:t>TextRank</a:t>
+            </a:r>
+            <a:r>
+              <a:rPr lang="bg-BG"/>
+              <a:t> резюме </a:t>
+            </a:r>
+            <a:r>
+              <a:rPr lang="bg-BG"/>
+              <a:t>с </a:t>
+            </a:r>
+            <a:r>
+              <a:rPr lang="bg-BG" smtClean="0"/>
+              <a:t>5 </a:t>
+            </a:r>
+            <a:r>
+              <a:rPr lang="bg-BG"/>
+              <a:t>изречения</a:t>
+            </a:r>
+          </a:p>
+        </p:txBody>
+      </p:sp>
+      <p:sp>
+        <p:nvSpPr>
+          <p:cNvPr id="3" name="Контейнер за съдържание 2"/>
+          <p:cNvSpPr>
+            <a:spLocks noGrp="1"/>
+          </p:cNvSpPr>
+          <p:nvPr>
+            <p:ph sz="quarter" idx="1"/>
+          </p:nvPr>
+        </p:nvSpPr>
+        <p:spPr/>
+        <p:txBody>
+          <a:bodyPr>
+            <a:normAutofit fontScale="85000" lnSpcReduction="20000"/>
+          </a:bodyPr>
+          <a:lstStyle/>
+          <a:p>
+            <a:r>
+              <a:rPr lang="en-US"/>
+              <a:t>U.S. prosecutors have asked for a 20-day </a:t>
+            </a:r>
+            <a:r>
+              <a:rPr lang="en-US"/>
+              <a:t>extension </a:t>
+            </a:r>
+            <a:r>
+              <a:rPr lang="en-US" smtClean="0"/>
+              <a:t>to </a:t>
+            </a:r>
+            <a:r>
+              <a:rPr lang="en-US"/>
+              <a:t>provide Germany with paperwork necessary to extradite a top </a:t>
+            </a:r>
+            <a:r>
+              <a:rPr lang="en-US"/>
+              <a:t>lieutenant </a:t>
+            </a:r>
+            <a:r>
+              <a:rPr lang="en-US" smtClean="0"/>
+              <a:t>of </a:t>
+            </a:r>
+            <a:r>
+              <a:rPr lang="en-US"/>
+              <a:t>Saudi terrorist suspect Osama bin Laden, officials said Saturday.</a:t>
+            </a:r>
+          </a:p>
+          <a:p>
+            <a:r>
+              <a:rPr lang="en-US"/>
+              <a:t>Under German law, U.S. officials have 40 days after the arrest </a:t>
+            </a:r>
+            <a:r>
+              <a:rPr lang="en-US"/>
+              <a:t>to </a:t>
+            </a:r>
+            <a:r>
+              <a:rPr lang="en-US" smtClean="0"/>
+              <a:t>turn </a:t>
+            </a:r>
+            <a:r>
+              <a:rPr lang="en-US"/>
+              <a:t>over supporting evidence so a German court can rule on </a:t>
+            </a:r>
+            <a:r>
+              <a:rPr lang="en-US"/>
+              <a:t>their </a:t>
+            </a:r>
+            <a:r>
+              <a:rPr lang="en-US" smtClean="0"/>
+              <a:t>extradition request</a:t>
+            </a:r>
+            <a:r>
+              <a:rPr lang="bg-BG" smtClean="0"/>
+              <a:t>.</a:t>
+            </a:r>
+          </a:p>
+          <a:p>
+            <a:r>
+              <a:rPr lang="en-US" smtClean="0"/>
+              <a:t>U.S</a:t>
+            </a:r>
+            <a:r>
+              <a:rPr lang="en-US"/>
+              <a:t>. authorities </a:t>
+            </a:r>
+            <a:r>
+              <a:rPr lang="en-US"/>
+              <a:t>charge </a:t>
+            </a:r>
+            <a:r>
+              <a:rPr lang="en-US" smtClean="0"/>
+              <a:t>Salim </a:t>
+            </a:r>
+            <a:r>
+              <a:rPr lang="en-US"/>
+              <a:t>helped finance, train and arm members of a terrorist organization</a:t>
+            </a:r>
+            <a:r>
+              <a:rPr lang="en-US"/>
+              <a:t>, </a:t>
+            </a:r>
+            <a:r>
+              <a:rPr lang="en-US" smtClean="0"/>
+              <a:t>including </a:t>
+            </a:r>
+            <a:r>
+              <a:rPr lang="en-US"/>
+              <a:t>the alleged bombers of the U.S. embassies in Kenya and </a:t>
+            </a:r>
+            <a:r>
+              <a:rPr lang="en-US"/>
+              <a:t>Tanzania</a:t>
+            </a:r>
+            <a:r>
+              <a:rPr lang="en-US" smtClean="0"/>
+              <a:t>.</a:t>
+            </a:r>
+            <a:endParaRPr lang="bg-BG" smtClean="0"/>
+          </a:p>
+          <a:p>
+            <a:r>
+              <a:rPr lang="en-US" smtClean="0"/>
+              <a:t>A </a:t>
+            </a:r>
+            <a:r>
+              <a:rPr lang="en-US"/>
+              <a:t>Bavarian Justice Ministry spokesman</a:t>
+            </a:r>
+            <a:r>
+              <a:rPr lang="en-US"/>
+              <a:t>, </a:t>
+            </a:r>
+            <a:r>
+              <a:rPr lang="en-US" smtClean="0"/>
+              <a:t>Gerhard</a:t>
+            </a:r>
+            <a:r>
+              <a:rPr lang="bg-BG" smtClean="0"/>
+              <a:t> </a:t>
+            </a:r>
+            <a:r>
+              <a:rPr lang="en-US" smtClean="0"/>
+              <a:t>Zierl</a:t>
+            </a:r>
+            <a:r>
+              <a:rPr lang="en-US"/>
+              <a:t>, said U.S. authorities a few days ago asked the court </a:t>
+            </a:r>
+            <a:r>
+              <a:rPr lang="en-US"/>
+              <a:t>hearing </a:t>
+            </a:r>
+            <a:r>
+              <a:rPr lang="en-US" smtClean="0"/>
+              <a:t>the </a:t>
+            </a:r>
+            <a:r>
+              <a:rPr lang="en-US"/>
+              <a:t>case for an extra 20 days to provide the necessary </a:t>
+            </a:r>
+            <a:r>
+              <a:rPr lang="en-US"/>
+              <a:t>material</a:t>
+            </a:r>
+            <a:r>
+              <a:rPr lang="en-US" smtClean="0"/>
+              <a:t>.</a:t>
+            </a:r>
+            <a:endParaRPr lang="bg-BG" smtClean="0"/>
+          </a:p>
+          <a:p>
+            <a:r>
+              <a:rPr lang="en-US" smtClean="0"/>
+              <a:t>Zierl </a:t>
+            </a:r>
+            <a:r>
+              <a:rPr lang="en-US"/>
+              <a:t>declined </a:t>
+            </a:r>
+            <a:r>
+              <a:rPr lang="en-US" smtClean="0"/>
+              <a:t>to </a:t>
+            </a:r>
+            <a:r>
+              <a:rPr lang="en-US"/>
+              <a:t>comment on the report, but said U.S. authorities probably </a:t>
+            </a:r>
+            <a:r>
+              <a:rPr lang="en-US"/>
+              <a:t>asked </a:t>
+            </a:r>
+            <a:r>
+              <a:rPr lang="en-US" smtClean="0"/>
+              <a:t>for </a:t>
+            </a:r>
+            <a:r>
+              <a:rPr lang="en-US"/>
+              <a:t>more time just a precautionary measure.</a:t>
+            </a:r>
+            <a:endParaRPr lang="bg-BG"/>
+          </a:p>
+        </p:txBody>
+      </p:sp>
+    </p:spTree>
+    <p:extLst>
+      <p:ext uri="{BB962C8B-B14F-4D97-AF65-F5344CB8AC3E}">
+        <p14:creationId xmlns:p14="http://schemas.microsoft.com/office/powerpoint/2010/main" val="3026885347"/>
+      </p:ext>
+    </p:extLst>
+  </p:cSld>
+  <p:clrMapOvr>
+    <a:masterClrMapping/>
+  </p:clrMapOvr>
+</p:sld>
+</file>
+
+<file path=ppt/slides/slide25.xml><?xml version="1.0" encoding="utf-8"?>
+<p:sld xmlns:a="http://schemas.openxmlformats.org/drawingml/2006/main" xmlns:r="http://schemas.openxmlformats.org/officeDocument/2006/relationships" xmlns:p="http://schemas.openxmlformats.org/presentationml/2006/main">
+  <p:cSld>
+    <p:spTree>
+      <p:nvGrpSpPr>
+        <p:cNvPr id="1" name=""/>
+        <p:cNvGrpSpPr/>
+        <p:nvPr/>
+      </p:nvGrpSpPr>
+      <p:grpSpPr>
+        <a:xfrm>
+          <a:off x="0" y="0"/>
+          <a:ext cx="0" cy="0"/>
+          <a:chOff x="0" y="0"/>
+          <a:chExt cx="0" cy="0"/>
+        </a:xfrm>
+      </p:grpSpPr>
+      <p:sp>
+        <p:nvSpPr>
+          <p:cNvPr id="2" name="Заглавие 1"/>
+          <p:cNvSpPr>
+            <a:spLocks noGrp="1"/>
+          </p:cNvSpPr>
+          <p:nvPr>
+            <p:ph type="title"/>
+          </p:nvPr>
+        </p:nvSpPr>
+        <p:spPr/>
+        <p:txBody>
+          <a:bodyPr/>
+          <a:lstStyle/>
+          <a:p>
+            <a:r>
+              <a:rPr lang="en-US" smtClean="0"/>
+              <a:t>LSA</a:t>
+            </a:r>
+            <a:r>
+              <a:rPr lang="bg-BG" smtClean="0"/>
+              <a:t> резюме с 3 изречения</a:t>
+            </a:r>
+            <a:endParaRPr lang="bg-BG"/>
+          </a:p>
+        </p:txBody>
+      </p:sp>
+      <p:sp>
+        <p:nvSpPr>
+          <p:cNvPr id="3" name="Контейнер за съдържание 2"/>
+          <p:cNvSpPr>
+            <a:spLocks noGrp="1"/>
+          </p:cNvSpPr>
+          <p:nvPr>
+            <p:ph sz="quarter" idx="1"/>
+          </p:nvPr>
+        </p:nvSpPr>
+        <p:spPr/>
+        <p:txBody>
+          <a:bodyPr>
+            <a:normAutofit lnSpcReduction="10000"/>
+          </a:bodyPr>
+          <a:lstStyle/>
+          <a:p>
+            <a:r>
+              <a:rPr lang="en-US"/>
+              <a:t>Quoting unidentified Bavarian law enforcement sources, Focus newsmagazine reported Saturday that the evidence turned over so far was not very strong.</a:t>
+            </a:r>
+          </a:p>
+          <a:p>
+            <a:r>
+              <a:rPr lang="en-US"/>
+              <a:t>The magazine said much of it was based on the testimony of an FBI informant, a former bin Laden associate, who made only vague connections between Salim and terrorist activities.</a:t>
+            </a:r>
+          </a:p>
+          <a:p>
+            <a:r>
+              <a:rPr lang="en-US"/>
+              <a:t>U.S. authorities charge Salim helped finance, train and arm members of a terrorist organization, including the alleged bombers of the U.S. embassies in Kenya and Tanzania.</a:t>
+            </a:r>
+          </a:p>
+          <a:p>
+            <a:endParaRPr lang="bg-BG"/>
+          </a:p>
+        </p:txBody>
+      </p:sp>
+    </p:spTree>
+    <p:extLst>
+      <p:ext uri="{BB962C8B-B14F-4D97-AF65-F5344CB8AC3E}">
+        <p14:creationId xmlns:p14="http://schemas.microsoft.com/office/powerpoint/2010/main" val="4224062553"/>
+      </p:ext>
+    </p:extLst>
+  </p:cSld>
+  <p:clrMapOvr>
+    <a:masterClrMapping/>
+  </p:clrMapOvr>
+</p:sld>
+</file>
+
+<file path=ppt/slides/slide26.xml><?xml version="1.0" encoding="utf-8"?>
+<p:sld xmlns:a="http://schemas.openxmlformats.org/drawingml/2006/main" xmlns:r="http://schemas.openxmlformats.org/officeDocument/2006/relationships" xmlns:p="http://schemas.openxmlformats.org/presentationml/2006/main">
+  <p:cSld>
+    <p:spTree>
+      <p:nvGrpSpPr>
+        <p:cNvPr id="1" name=""/>
+        <p:cNvGrpSpPr/>
+        <p:nvPr/>
+      </p:nvGrpSpPr>
+      <p:grpSpPr>
+        <a:xfrm>
+          <a:off x="0" y="0"/>
+          <a:ext cx="0" cy="0"/>
+          <a:chOff x="0" y="0"/>
+          <a:chExt cx="0" cy="0"/>
+        </a:xfrm>
+      </p:grpSpPr>
+      <p:sp>
+        <p:nvSpPr>
+          <p:cNvPr id="2" name="Заглавие 1"/>
+          <p:cNvSpPr>
+            <a:spLocks noGrp="1"/>
+          </p:cNvSpPr>
+          <p:nvPr>
+            <p:ph type="title"/>
+          </p:nvPr>
+        </p:nvSpPr>
+        <p:spPr/>
+        <p:txBody>
+          <a:bodyPr/>
+          <a:lstStyle/>
+          <a:p>
+            <a:r>
+              <a:rPr lang="bg-BG" smtClean="0"/>
+              <a:t>Резултати – </a:t>
+            </a:r>
+            <a:r>
+              <a:rPr lang="en-US" smtClean="0"/>
+              <a:t>ROUGE-L, F1 scores</a:t>
+            </a:r>
+            <a:endParaRPr lang="bg-BG"/>
+          </a:p>
+        </p:txBody>
+      </p:sp>
+      <p:graphicFrame>
+        <p:nvGraphicFramePr>
+          <p:cNvPr id="4" name="Обект 1"/>
+          <p:cNvGraphicFramePr>
+            <a:graphicFrameLocks noGrp="1" noChangeAspect="1"/>
+          </p:cNvGraphicFramePr>
+          <p:nvPr>
+            <p:ph sz="quarter" idx="1"/>
+            <p:extLst>
+              <p:ext uri="{D42A27DB-BD31-4B8C-83A1-F6EECF244321}">
+                <p14:modId xmlns:p14="http://schemas.microsoft.com/office/powerpoint/2010/main" val="2650131502"/>
+              </p:ext>
+            </p:extLst>
+          </p:nvPr>
+        </p:nvGraphicFramePr>
+        <p:xfrm>
+          <a:off x="457200" y="1600200"/>
+          <a:ext cx="7467600" cy="4873625"/>
+        </p:xfrm>
+        <a:graphic>
+          <a:graphicData uri="http://schemas.openxmlformats.org/drawingml/2006/chart">
+            <c:chart xmlns:c="http://schemas.openxmlformats.org/drawingml/2006/chart" xmlns:r="http://schemas.openxmlformats.org/officeDocument/2006/relationships" r:id="rId2"/>
+          </a:graphicData>
+        </a:graphic>
+      </p:graphicFrame>
+    </p:spTree>
+    <p:extLst>
+      <p:ext uri="{BB962C8B-B14F-4D97-AF65-F5344CB8AC3E}">
+        <p14:creationId xmlns:p14="http://schemas.microsoft.com/office/powerpoint/2010/main" val="2156651418"/>
+      </p:ext>
+    </p:extLst>
+  </p:cSld>
+  <p:clrMapOvr>
+    <a:masterClrMapping/>
+  </p:clrMapOvr>
+</p:sld>
+</file>
+
+<file path=ppt/slides/slide27.xml><?xml version="1.0" encoding="utf-8"?>
+<p:sld xmlns:a="http://schemas.openxmlformats.org/drawingml/2006/main" xmlns:r="http://schemas.openxmlformats.org/officeDocument/2006/relationships" xmlns:p="http://schemas.openxmlformats.org/presentationml/2006/main">
+  <p:cSld>
+    <p:spTree>
+      <p:nvGrpSpPr>
+        <p:cNvPr id="1" name=""/>
+        <p:cNvGrpSpPr/>
+        <p:nvPr/>
+      </p:nvGrpSpPr>
+      <p:grpSpPr>
+        <a:xfrm>
+          <a:off x="0" y="0"/>
+          <a:ext cx="0" cy="0"/>
+          <a:chOff x="0" y="0"/>
+          <a:chExt cx="0" cy="0"/>
+        </a:xfrm>
+      </p:grpSpPr>
+      <p:sp>
+        <p:nvSpPr>
+          <p:cNvPr id="2" name="Заглавие 1"/>
+          <p:cNvSpPr>
+            <a:spLocks noGrp="1"/>
+          </p:cNvSpPr>
+          <p:nvPr>
+            <p:ph type="title"/>
+          </p:nvPr>
+        </p:nvSpPr>
+        <p:spPr/>
+        <p:txBody>
+          <a:bodyPr/>
+          <a:lstStyle/>
+          <a:p>
+            <a:r>
               <a:rPr lang="bg-BG" smtClean="0"/>
               <a:t>Бъдещо развитие</a:t>
             </a:r>
@@ -8276,8 +9504,28 @@
           <a:p>
             <a:r>
               <a:rPr lang="bg-BG" smtClean="0"/>
-              <a:t>подобряване на текущите</a:t>
-            </a:r>
+              <a:t>подобряване на </a:t>
+            </a:r>
+            <a:r>
+              <a:rPr lang="bg-BG" smtClean="0"/>
+              <a:t>текущите</a:t>
+            </a:r>
+          </a:p>
+          <a:p>
+            <a:pPr lvl="1"/>
+            <a:r>
+              <a:rPr lang="bg-BG" smtClean="0"/>
+              <a:t>различен </a:t>
+            </a:r>
+            <a:r>
+              <a:rPr lang="en-US" smtClean="0"/>
+              <a:t>pre-processing</a:t>
+            </a:r>
+            <a:r>
+              <a:rPr lang="bg-BG" smtClean="0"/>
+              <a:t> на данните?</a:t>
+            </a:r>
+            <a:endParaRPr lang="bg-BG" smtClean="0"/>
           </a:p>
           <a:p>
             <a:r>
@@ -8301,7 +9549,7 @@
 </p:sld>
 </file>
 
-<file path=ppt/slides/slide24.xml><?xml version="1.0" encoding="utf-8"?>
+<file path=ppt/slides/slide28.xml><?xml version="1.0" encoding="utf-8"?>
 <p:sld xmlns:a="http://schemas.openxmlformats.org/drawingml/2006/main" xmlns:r="http://schemas.openxmlformats.org/officeDocument/2006/relationships" xmlns:p="http://schemas.openxmlformats.org/presentationml/2006/main">
   <p:cSld>
     <p:spTree>
@@ -8959,7 +10207,6 @@
               <a:rPr lang="bg-BG"/>
               <a:t>Възможни подходи</a:t>
             </a:r>
-            <a:endParaRPr lang="bg-BG"/>
           </a:p>
         </p:txBody>
       </p:sp>
@@ -9709,4 +10956,289 @@
   <a:objectDefaults/>
   <a:extraClrSchemeLst/>
 </a:theme>
+</file>
+
+<file path=ppt/theme/theme2.xml><?xml version="1.0" encoding="utf-8"?>
+<a:theme xmlns:a="http://schemas.openxmlformats.org/drawingml/2006/main" name="Office тема">
+  <a:themeElements>
+    <a:clrScheme name="Оffice">
+      <a:dk1>
+        <a:sysClr val="windowText" lastClr="000000"/>
+      </a:dk1>
+      <a:lt1>
+        <a:sysClr val="window" lastClr="FFFFFF"/>
+      </a:lt1>
+      <a:dk2>
+        <a:srgbClr val="1F497D"/>
+      </a:dk2>
+      <a:lt2>
+        <a:srgbClr val="EEECE1"/>
+      </a:lt2>
+      <a:accent1>
+        <a:srgbClr val="4F81BD"/>
+      </a:accent1>
+      <a:accent2>
+        <a:srgbClr val="C0504D"/>
+      </a:accent2>
+      <a:accent3>
+        <a:srgbClr val="9BBB59"/>
+      </a:accent3>
+      <a:accent4>
+        <a:srgbClr val="8064A2"/>
+      </a:accent4>
+      <a:accent5>
+        <a:srgbClr val="4BACC6"/>
+      </a:accent5>
+      <a:accent6>
+        <a:srgbClr val="F79646"/>
+      </a:accent6>
+      <a:hlink>
+        <a:srgbClr val="0000FF"/>
+      </a:hlink>
+      <a:folHlink>
+        <a:srgbClr val="800080"/>
+      </a:folHlink>
+    </a:clrScheme>
+    <a:fontScheme name="Оffice">
+      <a:majorFont>
+        <a:latin typeface="Calibri"/>
+        <a:ea typeface=""/>
+        <a:cs typeface=""/>
+        <a:font script="Jpan" typeface="ＭＳ Ｐゴシック"/>
+        <a:font script="Hang" typeface="맑은 고딕"/>
+        <a:font script="Hans" typeface="宋体"/>
+        <a:font script="Hant" typeface="新細明體"/>
+        <a:font script="Arab" typeface="Times New Roman"/>
+        <a:font script="Hebr" typeface="Times New Roman"/>
+        <a:font script="Thai" typeface="Angsana New"/>
+        <a:font script="Ethi" typeface="Nyala"/>
+        <a:font script="Beng" typeface="Vrinda"/>
+        <a:font script="Gujr" typeface="Shruti"/>
+        <a:font script="Khmr" typeface="MoolBoran"/>
+        <a:font script="Knda" typeface="Tunga"/>
+        <a:font script="Guru" typeface="Raavi"/>
+        <a:font script="Cans" typeface="Euphemia"/>
+        <a:font script="Cher" typeface="Plantagenet Cherokee"/>
+        <a:font script="Yiii" typeface="Microsoft Yi Baiti"/>
+        <a:font script="Tibt" typeface="Microsoft Himalaya"/>
+        <a:font script="Thaa" typeface="MV Boli"/>
+        <a:font script="Deva" typeface="Mangal"/>
+        <a:font script="Telu" typeface="Gautami"/>
+        <a:font script="Taml" typeface="Latha"/>
+        <a:font script="Syrc" typeface="Estrangelo Edessa"/>
+        <a:font script="Orya" typeface="Kalinga"/>
+        <a:font script="Mlym" typeface="Kartika"/>
+        <a:font script="Laoo" typeface="DokChampa"/>
+        <a:font script="Sinh" typeface="Iskoola Pota"/>
+        <a:font script="Mong" typeface="Mongolian Baiti"/>
+        <a:font script="Viet" typeface="Times New Roman"/>
+        <a:font script="Uigh" typeface="Microsoft Uighur"/>
+        <a:font script="Geor" typeface="Sylfaen"/>
+      </a:majorFont>
+      <a:minorFont>
+        <a:latin typeface="Calibri"/>
+        <a:ea typeface=""/>
+        <a:cs typeface=""/>
+        <a:font script="Jpan" typeface="ＭＳ Ｐゴシック"/>
+        <a:font script="Hang" typeface="맑은 고딕"/>
+        <a:font script="Hans" typeface="宋体"/>
+        <a:font script="Hant" typeface="新細明體"/>
+        <a:font script="Arab" typeface="Arial"/>
+        <a:font script="Hebr" typeface="Arial"/>
+        <a:font script="Thai" typeface="Cordia New"/>
+        <a:font script="Ethi" typeface="Nyala"/>
+        <a:font script="Beng" typeface="Vrinda"/>
+        <a:font script="Gujr" typeface="Shruti"/>
+        <a:font script="Khmr" typeface="DaunPenh"/>
+        <a:font script="Knda" typeface="Tunga"/>
+        <a:font script="Guru" typeface="Raavi"/>
+        <a:font script="Cans" typeface="Euphemia"/>
+        <a:font script="Cher" typeface="Plantagenet Cherokee"/>
+        <a:font script="Yiii" typeface="Microsoft Yi Baiti"/>
+        <a:font script="Tibt" typeface="Microsoft Himalaya"/>
+        <a:font script="Thaa" typeface="MV Boli"/>
+        <a:font script="Deva" typeface="Mangal"/>
+        <a:font script="Telu" typeface="Gautami"/>
+        <a:font script="Taml" typeface="Latha"/>
+        <a:font script="Syrc" typeface="Estrangelo Edessa"/>
+        <a:font script="Orya" typeface="Kalinga"/>
+        <a:font script="Mlym" typeface="Kartika"/>
+        <a:font script="Laoo" typeface="DokChampa"/>
+        <a:font script="Sinh" typeface="Iskoola Pota"/>
+        <a:font script="Mong" typeface="Mongolian Baiti"/>
+        <a:font script="Viet" typeface="Arial"/>
+        <a:font script="Uigh" typeface="Microsoft Uighur"/>
+        <a:font script="Geor" typeface="Sylfaen"/>
+      </a:minorFont>
+    </a:fontScheme>
+    <a:fmtScheme name="Оffice">
+      <a:fillStyleLst>
+        <a:solidFill>
+          <a:schemeClr val="phClr"/>
+        </a:solidFill>
+        <a:gradFill rotWithShape="1">
+          <a:gsLst>
+            <a:gs pos="0">
+              <a:schemeClr val="phClr">
+                <a:tint val="50000"/>
+                <a:satMod val="300000"/>
+              </a:schemeClr>
+            </a:gs>
+            <a:gs pos="35000">
+              <a:schemeClr val="phClr">
+                <a:tint val="37000"/>
+                <a:satMod val="300000"/>
+              </a:schemeClr>
+            </a:gs>
+            <a:gs pos="100000">
+              <a:schemeClr val="phClr">
+                <a:tint val="15000"/>
+                <a:satMod val="350000"/>
+              </a:schemeClr>
+            </a:gs>
+          </a:gsLst>
+          <a:lin ang="16200000" scaled="1"/>
+        </a:gradFill>
+        <a:gradFill rotWithShape="1">
+          <a:gsLst>
+            <a:gs pos="0">
+              <a:schemeClr val="phClr">
+                <a:shade val="51000"/>
+                <a:satMod val="130000"/>
+              </a:schemeClr>
+            </a:gs>
+            <a:gs pos="80000">
+              <a:schemeClr val="phClr">
+                <a:shade val="93000"/>
+                <a:satMod val="130000"/>
+              </a:schemeClr>
+            </a:gs>
+            <a:gs pos="100000">
+              <a:schemeClr val="phClr">
+                <a:shade val="94000"/>
+                <a:satMod val="135000"/>
+              </a:schemeClr>
+            </a:gs>
+          </a:gsLst>
+          <a:lin ang="16200000" scaled="0"/>
+        </a:gradFill>
+      </a:fillStyleLst>
+      <a:lnStyleLst>
+        <a:ln w="9525" cap="flat" cmpd="sng" algn="ctr">
+          <a:solidFill>
+            <a:schemeClr val="phClr">
+              <a:shade val="95000"/>
+              <a:satMod val="105000"/>
+            </a:schemeClr>
+          </a:solidFill>
+          <a:prstDash val="solid"/>
+        </a:ln>
+        <a:ln w="25400" cap="flat" cmpd="sng" algn="ctr">
+          <a:solidFill>
+            <a:schemeClr val="phClr"/>
+          </a:solidFill>
+          <a:prstDash val="solid"/>
+        </a:ln>
+        <a:ln w="38100" cap="flat" cmpd="sng" algn="ctr">
+          <a:solidFill>
+            <a:schemeClr val="phClr"/>
+          </a:solidFill>
+          <a:prstDash val="solid"/>
+        </a:ln>
+      </a:lnStyleLst>
+      <a:effectStyleLst>
+        <a:effectStyle>
+          <a:effectLst>
+            <a:outerShdw blurRad="40000" dist="20000" dir="5400000" rotWithShape="0">
+              <a:srgbClr val="000000">
+                <a:alpha val="38000"/>
+              </a:srgbClr>
+            </a:outerShdw>
+          </a:effectLst>
+        </a:effectStyle>
+        <a:effectStyle>
+          <a:effectLst>
+            <a:outerShdw blurRad="40000" dist="23000" dir="5400000" rotWithShape="0">
+              <a:srgbClr val="000000">
+                <a:alpha val="35000"/>
+              </a:srgbClr>
+            </a:outerShdw>
+          </a:effectLst>
+        </a:effectStyle>
+        <a:effectStyle>
+          <a:effectLst>
+            <a:outerShdw blurRad="40000" dist="23000" dir="5400000" rotWithShape="0">
+              <a:srgbClr val="000000">
+                <a:alpha val="35000"/>
+              </a:srgbClr>
+            </a:outerShdw>
+          </a:effectLst>
+          <a:scene3d>
+            <a:camera prst="orthographicFront">
+              <a:rot lat="0" lon="0" rev="0"/>
+            </a:camera>
+            <a:lightRig rig="threePt" dir="t">
+              <a:rot lat="0" lon="0" rev="1200000"/>
+            </a:lightRig>
+          </a:scene3d>
+          <a:sp3d>
+            <a:bevelT w="63500" h="25400"/>
+          </a:sp3d>
+        </a:effectStyle>
+      </a:effectStyleLst>
+      <a:bgFillStyleLst>
+        <a:solidFill>
+          <a:schemeClr val="phClr"/>
+        </a:solidFill>
+        <a:gradFill rotWithShape="1">
+          <a:gsLst>
+            <a:gs pos="0">
+              <a:schemeClr val="phClr">
+                <a:tint val="40000"/>
+                <a:satMod val="350000"/>
+              </a:schemeClr>
+            </a:gs>
+            <a:gs pos="40000">
+              <a:schemeClr val="phClr">
+                <a:tint val="45000"/>
+                <a:shade val="99000"/>
+                <a:satMod val="350000"/>
+              </a:schemeClr>
+            </a:gs>
+            <a:gs pos="100000">
+              <a:schemeClr val="phClr">
+                <a:shade val="20000"/>
+                <a:satMod val="255000"/>
+              </a:schemeClr>
+            </a:gs>
+          </a:gsLst>
+          <a:path path="circle">
+            <a:fillToRect l="50000" t="-80000" r="50000" b="180000"/>
+          </a:path>
+        </a:gradFill>
+        <a:gradFill rotWithShape="1">
+          <a:gsLst>
+            <a:gs pos="0">
+              <a:schemeClr val="phClr">
+                <a:tint val="80000"/>
+                <a:satMod val="300000"/>
+              </a:schemeClr>
+            </a:gs>
+            <a:gs pos="100000">
+              <a:schemeClr val="phClr">
+                <a:shade val="30000"/>
+                <a:satMod val="200000"/>
+              </a:schemeClr>
+            </a:gs>
+          </a:gsLst>
+          <a:path path="circle">
+            <a:fillToRect l="50000" t="50000" r="50000" b="50000"/>
+          </a:path>
+        </a:gradFill>
+      </a:bgFillStyleLst>
+    </a:fmtScheme>
+  </a:themeElements>
+  <a:objectDefaults/>
+  <a:extraClrSchemeLst/>
+</a:theme>
 </file>
--- a/presentation.pptx
+++ b/presentation.pptx
@@ -5,37 +5,21 @@
     <p:sldMasterId id="2147483696" r:id="rId1"/>
   </p:sldMasterIdLst>
   <p:notesMasterIdLst>
-    <p:notesMasterId r:id="rId30"/>
+    <p:notesMasterId r:id="rId14"/>
   </p:notesMasterIdLst>
   <p:sldIdLst>
     <p:sldId id="256" r:id="rId2"/>
     <p:sldId id="261" r:id="rId3"/>
-    <p:sldId id="257" r:id="rId4"/>
-    <p:sldId id="262" r:id="rId5"/>
-    <p:sldId id="258" r:id="rId6"/>
-    <p:sldId id="263" r:id="rId7"/>
-    <p:sldId id="264" r:id="rId8"/>
-    <p:sldId id="265" r:id="rId9"/>
-    <p:sldId id="266" r:id="rId10"/>
-    <p:sldId id="259" r:id="rId11"/>
-    <p:sldId id="267" r:id="rId12"/>
-    <p:sldId id="268" r:id="rId13"/>
-    <p:sldId id="269" r:id="rId14"/>
-    <p:sldId id="270" r:id="rId15"/>
-    <p:sldId id="271" r:id="rId16"/>
-    <p:sldId id="272" r:id="rId17"/>
-    <p:sldId id="273" r:id="rId18"/>
-    <p:sldId id="274" r:id="rId19"/>
-    <p:sldId id="275" r:id="rId20"/>
-    <p:sldId id="276" r:id="rId21"/>
-    <p:sldId id="277" r:id="rId22"/>
-    <p:sldId id="280" r:id="rId23"/>
-    <p:sldId id="281" r:id="rId24"/>
-    <p:sldId id="282" r:id="rId25"/>
-    <p:sldId id="283" r:id="rId26"/>
-    <p:sldId id="278" r:id="rId27"/>
-    <p:sldId id="279" r:id="rId28"/>
-    <p:sldId id="260" r:id="rId29"/>
+    <p:sldId id="267" r:id="rId4"/>
+    <p:sldId id="268" r:id="rId5"/>
+    <p:sldId id="259" r:id="rId6"/>
+    <p:sldId id="273" r:id="rId7"/>
+    <p:sldId id="277" r:id="rId8"/>
+    <p:sldId id="276" r:id="rId9"/>
+    <p:sldId id="269" r:id="rId10"/>
+    <p:sldId id="270" r:id="rId11"/>
+    <p:sldId id="280" r:id="rId12"/>
+    <p:sldId id="278" r:id="rId13"/>
   </p:sldIdLst>
   <p:sldSz cx="9144000" cy="6858000" type="screen4x3"/>
   <p:notesSz cx="6858000" cy="9144000"/>
@@ -600,12 +584,12 @@
         <c:gapWidth val="150"/>
         <c:gapDepth val="0"/>
         <c:shape val="box"/>
-        <c:axId val="151322624"/>
-        <c:axId val="141165696"/>
+        <c:axId val="192592896"/>
+        <c:axId val="191326464"/>
         <c:axId val="0"/>
       </c:bar3DChart>
       <c:catAx>
-        <c:axId val="151322624"/>
+        <c:axId val="192592896"/>
         <c:scaling>
           <c:orientation val="minMax"/>
         </c:scaling>
@@ -640,7 +624,7 @@
             <a:endParaRPr lang="bg-BG"/>
           </a:p>
         </c:txPr>
-        <c:crossAx val="141165696"/>
+        <c:crossAx val="191326464"/>
         <c:crosses val="autoZero"/>
         <c:auto val="1"/>
         <c:lblAlgn val="ctr"/>
@@ -648,7 +632,7 @@
         <c:noMultiLvlLbl val="0"/>
       </c:catAx>
       <c:valAx>
-        <c:axId val="141165696"/>
+        <c:axId val="191326464"/>
         <c:scaling>
           <c:orientation val="minMax"/>
         </c:scaling>
@@ -693,7 +677,7 @@
             <a:endParaRPr lang="bg-BG"/>
           </a:p>
         </c:txPr>
-        <c:crossAx val="151322624"/>
+        <c:crossAx val="192592896"/>
         <c:crosses val="autoZero"/>
         <c:crossBetween val="between"/>
       </c:valAx>
@@ -853,7 +837,7 @@
           <a:p>
             <a:fld id="{741FE110-2F42-4BC2-9BAA-1D17D54D53AA}" type="datetimeFigureOut">
               <a:rPr lang="bg-BG" smtClean="0"/>
-              <a:t>10.2.2022 г.</a:t>
+              <a:t>17.2.2022 г.</a:t>
             </a:fld>
             <a:endParaRPr lang="bg-BG"/>
           </a:p>
@@ -1186,7 +1170,7 @@
           <a:p>
             <a:fld id="{1D44BA75-14A6-40ED-8495-C5D3E81A4F59}" type="slidenum">
               <a:rPr lang="bg-BG" smtClean="0"/>
-              <a:t>22</a:t>
+              <a:t>11</a:t>
             </a:fld>
             <a:endParaRPr lang="bg-BG"/>
           </a:p>
@@ -1342,7 +1326,7 @@
           <a:p>
             <a:fld id="{273CC536-4F3D-4E22-A9F1-A3C6D40310AC}" type="datetimeFigureOut">
               <a:rPr lang="bg-BG" smtClean="0"/>
-              <a:t>10.2.2022 г.</a:t>
+              <a:t>17.2.2022 г.</a:t>
             </a:fld>
             <a:endParaRPr lang="bg-BG"/>
           </a:p>
@@ -2211,7 +2195,7 @@
           <a:p>
             <a:fld id="{273CC536-4F3D-4E22-A9F1-A3C6D40310AC}" type="datetimeFigureOut">
               <a:rPr lang="bg-BG" smtClean="0"/>
-              <a:t>10.2.2022 г.</a:t>
+              <a:t>17.2.2022 г.</a:t>
             </a:fld>
             <a:endParaRPr lang="bg-BG"/>
           </a:p>
@@ -2386,7 +2370,7 @@
           <a:p>
             <a:fld id="{273CC536-4F3D-4E22-A9F1-A3C6D40310AC}" type="datetimeFigureOut">
               <a:rPr lang="bg-BG" smtClean="0"/>
-              <a:t>10.2.2022 г.</a:t>
+              <a:t>17.2.2022 г.</a:t>
             </a:fld>
             <a:endParaRPr lang="bg-BG"/>
           </a:p>
@@ -2556,7 +2540,7 @@
           <a:p>
             <a:fld id="{273CC536-4F3D-4E22-A9F1-A3C6D40310AC}" type="datetimeFigureOut">
               <a:rPr lang="bg-BG" smtClean="0"/>
-              <a:t>10.2.2022 г.</a:t>
+              <a:t>17.2.2022 г.</a:t>
             </a:fld>
             <a:endParaRPr lang="bg-BG"/>
           </a:p>
@@ -2766,7 +2750,7 @@
           <a:p>
             <a:fld id="{273CC536-4F3D-4E22-A9F1-A3C6D40310AC}" type="datetimeFigureOut">
               <a:rPr lang="bg-BG" smtClean="0"/>
-              <a:t>10.2.2022 г.</a:t>
+              <a:t>17.2.2022 г.</a:t>
             </a:fld>
             <a:endParaRPr lang="bg-BG"/>
           </a:p>
@@ -3580,7 +3564,7 @@
           <a:p>
             <a:fld id="{273CC536-4F3D-4E22-A9F1-A3C6D40310AC}" type="datetimeFigureOut">
               <a:rPr lang="bg-BG" smtClean="0"/>
-              <a:t>10.2.2022 г.</a:t>
+              <a:t>17.2.2022 г.</a:t>
             </a:fld>
             <a:endParaRPr lang="bg-BG"/>
           </a:p>
@@ -3816,7 +3800,7 @@
           <a:p>
             <a:fld id="{273CC536-4F3D-4E22-A9F1-A3C6D40310AC}" type="datetimeFigureOut">
               <a:rPr lang="bg-BG" smtClean="0"/>
-              <a:t>10.2.2022 г.</a:t>
+              <a:t>17.2.2022 г.</a:t>
             </a:fld>
             <a:endParaRPr lang="bg-BG"/>
           </a:p>
@@ -4139,7 +4123,7 @@
           <a:p>
             <a:fld id="{273CC536-4F3D-4E22-A9F1-A3C6D40310AC}" type="datetimeFigureOut">
               <a:rPr lang="bg-BG" smtClean="0"/>
-              <a:t>10.2.2022 г.</a:t>
+              <a:t>17.2.2022 г.</a:t>
             </a:fld>
             <a:endParaRPr lang="bg-BG"/>
           </a:p>
@@ -4229,7 +4213,7 @@
           <a:p>
             <a:fld id="{273CC536-4F3D-4E22-A9F1-A3C6D40310AC}" type="datetimeFigureOut">
               <a:rPr lang="bg-BG" smtClean="0"/>
-              <a:t>10.2.2022 г.</a:t>
+              <a:t>17.2.2022 г.</a:t>
             </a:fld>
             <a:endParaRPr lang="bg-BG"/>
           </a:p>
@@ -4746,7 +4730,7 @@
           <a:p>
             <a:fld id="{273CC536-4F3D-4E22-A9F1-A3C6D40310AC}" type="datetimeFigureOut">
               <a:rPr lang="bg-BG" smtClean="0"/>
-              <a:t>10.2.2022 г.</a:t>
+              <a:t>17.2.2022 г.</a:t>
             </a:fld>
             <a:endParaRPr lang="bg-BG"/>
           </a:p>
@@ -5257,7 +5241,7 @@
           <a:p>
             <a:fld id="{273CC536-4F3D-4E22-A9F1-A3C6D40310AC}" type="datetimeFigureOut">
               <a:rPr lang="bg-BG" smtClean="0"/>
-              <a:t>10.2.2022 г.</a:t>
+              <a:t>17.2.2022 г.</a:t>
             </a:fld>
             <a:endParaRPr lang="bg-BG"/>
           </a:p>
@@ -5502,7 +5486,7 @@
           <a:p>
             <a:fld id="{273CC536-4F3D-4E22-A9F1-A3C6D40310AC}" type="datetimeFigureOut">
               <a:rPr lang="bg-BG" smtClean="0"/>
-              <a:t>10.2.2022 г.</a:t>
+              <a:t>17.2.2022 г.</a:t>
             </a:fld>
             <a:endParaRPr lang="bg-BG"/>
           </a:p>
@@ -6239,16 +6223,16 @@
           <a:lstStyle/>
           <a:p>
             <a:r>
-              <a:rPr lang="bg-BG" smtClean="0"/>
-              <a:t>Избран подход</a:t>
-            </a:r>
-            <a:r>
-              <a:rPr lang="en-US" smtClean="0"/>
+              <a:rPr lang="bg-BG"/>
+              <a:t>Реализация -</a:t>
+            </a:r>
+            <a:r>
+              <a:rPr lang="en-US"/>
               <a:t> </a:t>
             </a:r>
             <a:r>
               <a:rPr lang="bg-BG" smtClean="0"/>
-              <a:t>и реализация</a:t>
+              <a:t>алгоритми</a:t>
             </a:r>
             <a:endParaRPr lang="bg-BG"/>
           </a:p>
@@ -6267,184 +6251,196 @@
         <p:spPr/>
         <p:txBody>
           <a:bodyPr>
-            <a:normAutofit fontScale="85000" lnSpcReduction="20000"/>
+            <a:normAutofit fontScale="92500"/>
           </a:bodyPr>
           <a:lstStyle/>
           <a:p>
+            <a:pPr lvl="1"/>
+            <a:r>
+              <a:rPr lang="bg-BG" smtClean="0"/>
+              <a:t>създава се </a:t>
+            </a:r>
             <a:r>
               <a:rPr lang="en-US" smtClean="0"/>
-              <a:t>TextRank </a:t>
-            </a:r>
-            <a:r>
-              <a:rPr lang="bg-BG" smtClean="0"/>
-              <a:t>и </a:t>
+              <a:t>spaCy Language </a:t>
+            </a:r>
+            <a:r>
+              <a:rPr lang="bg-BG" smtClean="0"/>
+              <a:t>обект</a:t>
+            </a:r>
+          </a:p>
+          <a:p>
+            <a:pPr lvl="2"/>
+            <a:r>
+              <a:rPr lang="bg-BG" smtClean="0"/>
+              <a:t>зарежда се езиковия модел (в този случай – за английски)</a:t>
+            </a:r>
+          </a:p>
+          <a:p>
+            <a:pPr lvl="2"/>
+            <a:r>
+              <a:rPr lang="bg-BG" smtClean="0"/>
+              <a:t>към него се добавя алгоритъм от</a:t>
             </a:r>
             <a:r>
               <a:rPr lang="en-US" smtClean="0"/>
-              <a:t>LSA</a:t>
+              <a:t> PyTextRank</a:t>
             </a:r>
             <a:endParaRPr lang="bg-BG" smtClean="0"/>
           </a:p>
           <a:p>
-            <a:r>
-              <a:rPr lang="bg-BG" smtClean="0"/>
-              <a:t>на </a:t>
-            </a:r>
+            <a:pPr lvl="3"/>
+            <a:r>
+              <a:rPr lang="bg-BG" smtClean="0"/>
+              <a:t>прилага се към текст</a:t>
+            </a:r>
+          </a:p>
+          <a:p>
+            <a:pPr lvl="3"/>
+            <a:r>
+              <a:rPr lang="bg-BG" smtClean="0"/>
+              <a:t>извличат се първите </a:t>
+            </a:r>
+            <a:r>
+              <a:rPr lang="en-US" i="1" smtClean="0"/>
+              <a:t>n</a:t>
+            </a:r>
+            <a:r>
+              <a:rPr lang="bg-BG" smtClean="0"/>
+              <a:t> (входен параметър ) най-важни изречения</a:t>
+            </a:r>
+          </a:p>
+          <a:p>
+            <a:pPr lvl="3"/>
+            <a:r>
+              <a:rPr lang="bg-BG" smtClean="0"/>
+              <a:t>конкатенират </a:t>
+            </a:r>
+            <a:r>
+              <a:rPr lang="bg-BG" smtClean="0"/>
+              <a:t>се =&gt; </a:t>
+            </a:r>
+            <a:r>
+              <a:rPr lang="bg-BG" smtClean="0"/>
+              <a:t>резюме</a:t>
+            </a:r>
+          </a:p>
+          <a:p>
             <a:r>
               <a:rPr lang="en-US" smtClean="0"/>
-              <a:t>Python,</a:t>
-            </a:r>
-            <a:r>
-              <a:rPr lang="bg-BG" smtClean="0"/>
-              <a:t> чрез библиотеките </a:t>
-            </a:r>
-            <a:r>
-              <a:rPr lang="en-US" smtClean="0"/>
-              <a:t>PyTextRank </a:t>
-            </a:r>
-            <a:r>
-              <a:rPr lang="bg-BG" smtClean="0"/>
-              <a:t>и</a:t>
-            </a:r>
-            <a:r>
-              <a:rPr lang="en-US" smtClean="0"/>
-              <a:t> sumy (</a:t>
-            </a:r>
-            <a:r>
-              <a:rPr lang="bg-BG" smtClean="0"/>
-              <a:t>за </a:t>
-            </a:r>
-            <a:r>
-              <a:rPr lang="en-US" smtClean="0"/>
-              <a:t>LSA)</a:t>
-            </a:r>
-          </a:p>
-          <a:p>
-            <a:endParaRPr lang="en-US"/>
-          </a:p>
-          <a:p>
-            <a:r>
-              <a:rPr lang="bg-BG" smtClean="0"/>
-              <a:t>документи за резюмиране – няколко </a:t>
-            </a:r>
-            <a:r>
-              <a:rPr lang="en-US" smtClean="0"/>
-              <a:t>dataset</a:t>
-            </a:r>
-            <a:r>
-              <a:rPr lang="bg-BG" smtClean="0"/>
+              <a:t>LSA - </a:t>
+            </a:r>
+            <a:r>
+              <a:rPr lang="bg-BG" smtClean="0"/>
+              <a:t>библиотека </a:t>
+            </a:r>
+            <a:r>
+              <a:rPr lang="en-US"/>
+              <a:t>sumy</a:t>
+            </a:r>
+            <a:endParaRPr lang="bg-BG"/>
+          </a:p>
+          <a:p>
+            <a:pPr lvl="1"/>
+            <a:r>
+              <a:rPr lang="en-US"/>
+              <a:t>Stemmer</a:t>
+            </a:r>
+            <a:r>
+              <a:rPr lang="bg-BG"/>
+              <a:t> обект</a:t>
+            </a:r>
+          </a:p>
+          <a:p>
+            <a:pPr lvl="1"/>
+            <a:r>
+              <a:rPr lang="en-US"/>
+              <a:t>Summarizer</a:t>
+            </a:r>
+            <a:r>
+              <a:rPr lang="bg-BG"/>
+              <a:t> обект, който изпозлва </a:t>
+            </a:r>
+            <a:r>
+              <a:rPr lang="en-US"/>
+              <a:t>Stemmer</a:t>
+            </a:r>
+            <a:r>
+              <a:rPr lang="bg-BG"/>
               <a:t>-а</a:t>
             </a:r>
           </a:p>
           <a:p>
-            <a:pPr lvl="1"/>
-            <a:r>
-              <a:rPr lang="en-US" smtClean="0"/>
-              <a:t>DUC 2004</a:t>
-            </a:r>
-            <a:r>
-              <a:rPr lang="bg-BG" smtClean="0"/>
-              <a:t>, </a:t>
-            </a:r>
-            <a:r>
-              <a:rPr lang="en-US" smtClean="0"/>
-              <a:t>tasks 1&amp;2 - </a:t>
-            </a:r>
-            <a:r>
-              <a:rPr lang="bg-BG" smtClean="0"/>
-              <a:t>новини</a:t>
-            </a:r>
-            <a:endParaRPr lang="en-US" smtClean="0"/>
-          </a:p>
-          <a:p>
-            <a:pPr lvl="1"/>
-            <a:r>
-              <a:rPr lang="en-US" smtClean="0"/>
-              <a:t>WikiHow-Dataset</a:t>
-            </a:r>
-            <a:r>
-              <a:rPr lang="bg-BG" smtClean="0"/>
-              <a:t> – статии от </a:t>
-            </a:r>
-            <a:r>
-              <a:rPr lang="en-US" smtClean="0"/>
-              <a:t>WikiHow</a:t>
-            </a:r>
-            <a:endParaRPr lang="en-US"/>
-          </a:p>
-          <a:p>
-            <a:pPr lvl="1"/>
-            <a:r>
-              <a:rPr lang="en-US" smtClean="0"/>
-              <a:t>Multi-News dataset</a:t>
-            </a:r>
-            <a:r>
-              <a:rPr lang="bg-BG" smtClean="0"/>
-              <a:t> – новини</a:t>
+            <a:pPr lvl="2"/>
+            <a:r>
+              <a:rPr lang="bg-BG"/>
+              <a:t>за всеки текст – </a:t>
+            </a:r>
+            <a:r>
+              <a:rPr lang="en-US"/>
+              <a:t>PlaintextParser</a:t>
             </a:r>
             <a:endParaRPr lang="bg-BG"/>
           </a:p>
           <a:p>
-            <a:r>
-              <a:rPr lang="bg-BG" smtClean="0"/>
-              <a:t>и трите съдържат както документи, така и резюмета за тях</a:t>
-            </a:r>
-          </a:p>
-          <a:p>
-            <a:r>
-              <a:rPr lang="bg-BG" smtClean="0"/>
-              <a:t>доста големи са, така че са подбрани само техни подмножества – 50 документа от</a:t>
-            </a:r>
-            <a:r>
-              <a:rPr lang="en-US" smtClean="0"/>
-              <a:t> DUC,</a:t>
-            </a:r>
-            <a:r>
-              <a:rPr lang="bg-BG" smtClean="0"/>
-              <a:t> 364 от</a:t>
-            </a:r>
-            <a:r>
-              <a:rPr lang="en-US" smtClean="0"/>
-              <a:t> WikiHow</a:t>
-            </a:r>
-            <a:r>
-              <a:rPr lang="bg-BG" smtClean="0"/>
-              <a:t>, 300 от </a:t>
-            </a:r>
-            <a:r>
-              <a:rPr lang="en-US" smtClean="0"/>
-              <a:t>Multi-News</a:t>
-            </a:r>
-            <a:endParaRPr lang="bg-BG" smtClean="0"/>
-          </a:p>
-          <a:p>
+            <a:pPr lvl="2"/>
+            <a:r>
+              <a:rPr lang="bg-BG"/>
+              <a:t>връща парснат </a:t>
+            </a:r>
+            <a:r>
+              <a:rPr lang="en-US"/>
+              <a:t>Document</a:t>
+            </a:r>
             <a:endParaRPr lang="bg-BG"/>
           </a:p>
           <a:p>
-            <a:r>
-              <a:rPr lang="bg-BG" smtClean="0"/>
-              <a:t>оценка чрез </a:t>
-            </a:r>
-            <a:r>
-              <a:rPr lang="en-US" smtClean="0"/>
-              <a:t>ROUGE</a:t>
-            </a:r>
-            <a:r>
-              <a:rPr lang="bg-BG" smtClean="0"/>
-              <a:t> метрики, имплементирани на </a:t>
-            </a:r>
-            <a:r>
-              <a:rPr lang="en-US" smtClean="0"/>
-              <a:t>Python</a:t>
-            </a:r>
-            <a:endParaRPr lang="bg-BG" smtClean="0"/>
+            <a:pPr lvl="2"/>
+            <a:r>
+              <a:rPr lang="bg-BG"/>
+              <a:t>към него се прилага </a:t>
+            </a:r>
+            <a:r>
+              <a:rPr lang="en-US"/>
+              <a:t>Summarizer</a:t>
+            </a:r>
+            <a:endParaRPr lang="bg-BG"/>
+          </a:p>
+          <a:p>
+            <a:pPr lvl="3"/>
+            <a:r>
+              <a:rPr lang="bg-BG"/>
+              <a:t>извличаме първите</a:t>
+            </a:r>
+            <a:r>
+              <a:rPr lang="en-US"/>
+              <a:t> </a:t>
+            </a:r>
+            <a:r>
+              <a:rPr lang="en-US" i="1"/>
+              <a:t>n</a:t>
+            </a:r>
+            <a:r>
+              <a:rPr lang="bg-BG"/>
+              <a:t> най-важни изречения</a:t>
+            </a:r>
+          </a:p>
+          <a:p>
+            <a:pPr lvl="3"/>
+            <a:r>
+              <a:rPr lang="bg-BG"/>
+              <a:t>допълнително форматиране и конкатенация =&gt; резюме</a:t>
+            </a:r>
+          </a:p>
+          <a:p>
+            <a:endParaRPr lang="bg-BG"/>
           </a:p>
         </p:txBody>
       </p:sp>
     </p:spTree>
     <p:extLst>
       <p:ext uri="{BB962C8B-B14F-4D97-AF65-F5344CB8AC3E}">
-        <p14:creationId xmlns:p14="http://schemas.microsoft.com/office/powerpoint/2010/main" val="1592104820"/>
+        <p14:creationId xmlns:p14="http://schemas.microsoft.com/office/powerpoint/2010/main" val="2830099952"/>
       </p:ext>
     </p:extLst>
   </p:cSld>
@@ -6481,18 +6477,39 @@
             <p:ph type="title"/>
           </p:nvPr>
         </p:nvSpPr>
-        <p:spPr/>
+        <p:spPr>
+          <a:xfrm>
+            <a:off x="408112" y="-459432"/>
+            <a:ext cx="7467600" cy="1143000"/>
+          </a:xfrm>
+        </p:spPr>
         <p:txBody>
           <a:bodyPr/>
           <a:lstStyle/>
           <a:p>
             <a:r>
               <a:rPr lang="bg-BG" smtClean="0"/>
-              <a:t>Обяснение на </a:t>
+              <a:t>Пример </a:t>
             </a:r>
             <a:r>
               <a:rPr lang="en-US" smtClean="0"/>
-              <a:t>TextRank</a:t>
+              <a:t>(</a:t>
+            </a:r>
+            <a:r>
+              <a:rPr lang="bg-BG" smtClean="0"/>
+              <a:t>текст </a:t>
+            </a:r>
+            <a:r>
+              <a:rPr lang="en-US" smtClean="0"/>
+              <a:t>5 ot </a:t>
+            </a:r>
+            <a:r>
+              <a:rPr lang="en-US" smtClean="0"/>
+              <a:t>DUC</a:t>
+            </a:r>
+            <a:r>
+              <a:rPr lang="bg-BG" smtClean="0"/>
+              <a:t> корпуса)</a:t>
             </a:r>
             <a:endParaRPr lang="bg-BG"/>
           </a:p>
@@ -6510,2290 +6527,571 @@
         </p:nvSpPr>
         <p:spPr>
           <a:xfrm>
-            <a:off x="457200" y="1600200"/>
-            <a:ext cx="7467600" cy="5257800"/>
+            <a:off x="4211960" y="764704"/>
+            <a:ext cx="2026568" cy="5832648"/>
           </a:xfrm>
         </p:spPr>
         <p:txBody>
           <a:bodyPr>
-            <a:normAutofit/>
+            <a:normAutofit fontScale="55000" lnSpcReduction="20000"/>
           </a:bodyPr>
           <a:lstStyle/>
           <a:p>
-            <a:r>
-              <a:rPr lang="bg-BG" smtClean="0"/>
-              <a:t>базиран на </a:t>
-            </a:r>
+            <a:pPr lvl="1"/>
+            <a:r>
+              <a:rPr lang="en-US" smtClean="0">
+                <a:solidFill>
+                  <a:srgbClr val="C00000"/>
+                </a:solidFill>
+              </a:rPr>
+              <a:t>TextRank</a:t>
+            </a:r>
+          </a:p>
+          <a:p>
             <a:r>
               <a:rPr lang="en-US" smtClean="0"/>
-              <a:t>PageRank</a:t>
-            </a:r>
-            <a:r>
-              <a:rPr lang="bg-BG" smtClean="0"/>
-              <a:t> – алгоритъм за ранкиране на уебстраници</a:t>
-            </a:r>
-          </a:p>
-          <a:p>
-            <a:pPr lvl="1"/>
-            <a:r>
-              <a:rPr lang="bg-BG" smtClean="0"/>
-              <a:t>моделира ги като ориентиран граф</a:t>
-            </a:r>
-          </a:p>
-          <a:p>
-            <a:pPr lvl="2"/>
-            <a:r>
-              <a:rPr lang="bg-BG" smtClean="0"/>
-              <a:t>възли – страници</a:t>
-            </a:r>
-          </a:p>
-          <a:p>
-            <a:pPr lvl="2"/>
-            <a:r>
-              <a:rPr lang="bg-BG" smtClean="0"/>
-              <a:t>ребра – линкове</a:t>
-            </a:r>
-          </a:p>
-          <a:p>
-            <a:pPr lvl="1"/>
-            <a:r>
-              <a:rPr lang="bg-BG" smtClean="0"/>
-              <a:t>ранкиране според брой линкове към страница</a:t>
-            </a:r>
-          </a:p>
-          <a:p>
-            <a:pPr lvl="2"/>
-            <a:r>
-              <a:rPr lang="bg-BG" smtClean="0"/>
-              <a:t>по-важна страница има повече линкове към нея</a:t>
-            </a:r>
-          </a:p>
-          <a:p>
-            <a:r>
-              <a:rPr lang="en-US" smtClean="0"/>
-              <a:t>TextRank </a:t>
-            </a:r>
-            <a:r>
-              <a:rPr lang="bg-BG" smtClean="0"/>
-              <a:t>адаптира идеята за текстове</a:t>
-            </a:r>
-          </a:p>
-          <a:p>
-            <a:pPr lvl="1"/>
-            <a:r>
-              <a:rPr lang="bg-BG" smtClean="0"/>
-              <a:t>две различни графови моделирания</a:t>
-            </a:r>
-          </a:p>
-          <a:p>
-            <a:pPr lvl="2"/>
-            <a:r>
-              <a:rPr lang="bg-BG" smtClean="0"/>
-              <a:t>важното за нас е това за </a:t>
-            </a:r>
-            <a:r>
-              <a:rPr lang="bg-BG" i="1" smtClean="0"/>
-              <a:t>извличане на изречения</a:t>
-            </a:r>
-          </a:p>
-          <a:p>
-            <a:pPr lvl="3"/>
-            <a:r>
-              <a:rPr lang="bg-BG" smtClean="0"/>
-              <a:t>възли – изречения</a:t>
-            </a:r>
-          </a:p>
-          <a:p>
-            <a:pPr lvl="3"/>
-            <a:r>
-              <a:rPr lang="bg-BG" smtClean="0"/>
-              <a:t>ребра – претеглени, сходство на съседни изречения чрез брой общ токени</a:t>
-            </a:r>
-          </a:p>
-          <a:p>
-            <a:pPr lvl="2"/>
-            <a:r>
-              <a:rPr lang="bg-BG" smtClean="0"/>
-              <a:t>ранкираме изреченията и взимаме първите</a:t>
-            </a:r>
-            <a:r>
-              <a:rPr lang="en-US" smtClean="0"/>
+              <a:t>U.S</a:t>
+            </a:r>
+            <a:r>
+              <a:rPr lang="en-US"/>
+              <a:t>. prosecutors have asked for a 20-day extension to provide Germany with paperwork necessary to extradite a top lieutenant of Saudi terrorist suspect Osama bin Laden, officials said Saturday.</a:t>
+            </a:r>
+          </a:p>
+          <a:p>
+            <a:r>
+              <a:rPr lang="en-US"/>
+              <a:t>Under German law, U.S. officials have 40 days after the arrest to turn over supporting evidence so a German court can rule on their extradition request</a:t>
+            </a:r>
+            <a:r>
+              <a:rPr lang="bg-BG"/>
+              <a:t>.</a:t>
+            </a:r>
+          </a:p>
+          <a:p>
+            <a:r>
+              <a:rPr lang="en-US"/>
+              <a:t>U.S. authorities charge Salim helped finance, train and arm members of a terrorist organization,</a:t>
+            </a:r>
+            <a:r>
+              <a:rPr lang="bg-BG"/>
               <a:t> </a:t>
             </a:r>
             <a:r>
-              <a:rPr lang="en-US" i="1" smtClean="0"/>
-              <a:t>n</a:t>
-            </a:r>
-            <a:r>
-              <a:rPr lang="bg-BG" smtClean="0"/>
-              <a:t> най-важни</a:t>
-            </a:r>
-          </a:p>
-          <a:p>
-            <a:pPr lvl="3"/>
-            <a:endParaRPr lang="bg-BG" smtClean="0"/>
-          </a:p>
-          <a:p>
-            <a:pPr marL="731520" lvl="2" indent="0">
-              <a:buNone/>
-            </a:pPr>
+              <a:rPr lang="en-US"/>
+              <a:t> including the alleged bombers of the U.S. embassies in Kenya and Tanzania.</a:t>
+            </a:r>
             <a:endParaRPr lang="bg-BG"/>
           </a:p>
         </p:txBody>
       </p:sp>
-    </p:spTree>
-    <p:extLst>
-      <p:ext uri="{BB962C8B-B14F-4D97-AF65-F5344CB8AC3E}">
-        <p14:creationId xmlns:p14="http://schemas.microsoft.com/office/powerpoint/2010/main" val="4143433192"/>
-      </p:ext>
-    </p:extLst>
-  </p:cSld>
-  <p:clrMapOvr>
-    <a:masterClrMapping/>
-  </p:clrMapOvr>
-</p:sld>
-</file>
-
-<file path=ppt/slides/slide12.xml><?xml version="1.0" encoding="utf-8"?>
-<p:sld xmlns:a="http://schemas.openxmlformats.org/drawingml/2006/main" xmlns:r="http://schemas.openxmlformats.org/officeDocument/2006/relationships" xmlns:p="http://schemas.openxmlformats.org/presentationml/2006/main">
-  <p:cSld>
-    <p:spTree>
-      <p:nvGrpSpPr>
-        <p:cNvPr id="1" name=""/>
-        <p:cNvGrpSpPr/>
-        <p:nvPr/>
-      </p:nvGrpSpPr>
-      <p:grpSpPr>
-        <a:xfrm>
-          <a:off x="0" y="0"/>
-          <a:ext cx="0" cy="0"/>
-          <a:chOff x="0" y="0"/>
-          <a:chExt cx="0" cy="0"/>
-        </a:xfrm>
-      </p:grpSpPr>
-      <p:sp>
-        <p:nvSpPr>
-          <p:cNvPr id="2" name="Заглавие 1"/>
-          <p:cNvSpPr>
-            <a:spLocks noGrp="1"/>
-          </p:cNvSpPr>
-          <p:nvPr>
-            <p:ph type="title"/>
-          </p:nvPr>
-        </p:nvSpPr>
-        <p:spPr/>
-        <p:txBody>
-          <a:bodyPr/>
-          <a:lstStyle/>
-          <a:p>
-            <a:r>
-              <a:rPr lang="bg-BG"/>
-              <a:t>Обяснение на </a:t>
-            </a:r>
-            <a:r>
-              <a:rPr lang="en-US" smtClean="0"/>
-              <a:t>LSA</a:t>
-            </a:r>
-            <a:endParaRPr lang="bg-BG"/>
-          </a:p>
-        </p:txBody>
-      </p:sp>
-      <p:sp>
-        <p:nvSpPr>
-          <p:cNvPr id="3" name="Контейнер за съдържание 2"/>
-          <p:cNvSpPr>
-            <a:spLocks noGrp="1"/>
-          </p:cNvSpPr>
-          <p:nvPr>
-            <p:ph sz="quarter" idx="1"/>
-          </p:nvPr>
+      <p:sp>
+        <p:nvSpPr>
+          <p:cNvPr id="5" name="Контейнер за съдържание 2"/>
+          <p:cNvSpPr txBox="1">
+            <a:spLocks/>
+          </p:cNvSpPr>
+          <p:nvPr/>
         </p:nvSpPr>
         <p:spPr>
           <a:xfrm>
-            <a:off x="457200" y="1600200"/>
-            <a:ext cx="7467600" cy="5257800"/>
+            <a:off x="179512" y="764704"/>
+            <a:ext cx="4032448" cy="5832648"/>
           </a:xfrm>
+          <a:prstGeom prst="rect">
+            <a:avLst/>
+          </a:prstGeom>
         </p:spPr>
         <p:txBody>
-          <a:bodyPr>
-            <a:normAutofit/>
+          <a:bodyPr vert="horz">
+            <a:normAutofit fontScale="55000" lnSpcReduction="20000"/>
           </a:bodyPr>
-          <a:lstStyle/>
-          <a:p>
-            <a:r>
-              <a:rPr lang="en-US" smtClean="0"/>
-              <a:t>Latent Semantic Analysis/Indexing</a:t>
-            </a:r>
-          </a:p>
-          <a:p>
-            <a:r>
-              <a:rPr lang="bg-BG" smtClean="0"/>
-              <a:t>техника за анализиране на връзките между множество документи и термините в тях</a:t>
-            </a:r>
-          </a:p>
-          <a:p>
-            <a:pPr lvl="1"/>
-            <a:r>
-              <a:rPr lang="bg-BG" smtClean="0"/>
-              <a:t>създава се множество от понятия/теми</a:t>
-            </a:r>
-          </a:p>
-          <a:p>
-            <a:pPr lvl="1"/>
-            <a:r>
-              <a:rPr lang="bg-BG" smtClean="0"/>
-              <a:t>как?</a:t>
-            </a:r>
-          </a:p>
-          <a:p>
-            <a:pPr lvl="2"/>
-            <a:r>
-              <a:rPr lang="bg-BG" smtClean="0"/>
-              <a:t>с алгебра и матрици</a:t>
-            </a:r>
-          </a:p>
-          <a:p>
-            <a:pPr lvl="3"/>
-            <a:r>
-              <a:rPr lang="bg-BG" smtClean="0"/>
-              <a:t>М – матрица с брой срещания на всяка дума за всеки документ</a:t>
-            </a:r>
-          </a:p>
-          <a:p>
-            <a:pPr lvl="3"/>
-            <a:r>
-              <a:rPr lang="en-US" i="1" smtClean="0"/>
-              <a:t>singular value decomposition</a:t>
-            </a:r>
-            <a:r>
-              <a:rPr lang="bg-BG" i="1" smtClean="0"/>
-              <a:t> </a:t>
-            </a:r>
-            <a:r>
-              <a:rPr lang="bg-BG" smtClean="0"/>
-              <a:t>– </a:t>
-            </a:r>
-            <a:r>
-              <a:rPr lang="en-US"/>
-              <a:t>M = U</a:t>
-            </a:r>
-            <a:r>
-              <a:rPr lang="el-GR"/>
-              <a:t>Σ</a:t>
-            </a:r>
-            <a:r>
-              <a:rPr lang="en-US" smtClean="0"/>
-              <a:t>V</a:t>
-            </a:r>
-            <a:r>
-              <a:rPr lang="en-US" baseline="30000" smtClean="0"/>
-              <a:t>T</a:t>
-            </a:r>
-            <a:endParaRPr lang="bg-BG"/>
-          </a:p>
-          <a:p>
-            <a:pPr lvl="2"/>
-            <a:r>
-              <a:rPr lang="bg-BG" smtClean="0"/>
-              <a:t>евентуално получаваме </a:t>
-            </a:r>
-            <a:r>
-              <a:rPr lang="en-US" i="1" smtClean="0"/>
-              <a:t>document-topic</a:t>
-            </a:r>
-            <a:r>
-              <a:rPr lang="bg-BG" smtClean="0"/>
-              <a:t> матрица</a:t>
-            </a:r>
-          </a:p>
-          <a:p>
-            <a:pPr lvl="3"/>
-            <a:r>
-              <a:rPr lang="bg-BG" smtClean="0"/>
-              <a:t>за всеки документ доколко принадлежи на всяка тема</a:t>
-            </a:r>
-          </a:p>
-          <a:p>
-            <a:pPr lvl="3"/>
-            <a:r>
-              <a:rPr lang="bg-BG" smtClean="0"/>
-              <a:t>претеглено по относителната важност на темата</a:t>
-            </a:r>
-          </a:p>
-          <a:p>
-            <a:pPr lvl="3"/>
-            <a:r>
-              <a:rPr lang="bg-BG" smtClean="0"/>
-              <a:t>вече не разглеждаме индивидуални думи, а цели теми</a:t>
-            </a:r>
-          </a:p>
-          <a:p>
-            <a:pPr lvl="4"/>
-            <a:r>
-              <a:rPr lang="bg-BG" smtClean="0"/>
-              <a:t>по-компактно представяне</a:t>
-            </a:r>
-            <a:endParaRPr lang="bg-BG"/>
-          </a:p>
-        </p:txBody>
-      </p:sp>
-    </p:spTree>
-    <p:extLst>
-      <p:ext uri="{BB962C8B-B14F-4D97-AF65-F5344CB8AC3E}">
-        <p14:creationId xmlns:p14="http://schemas.microsoft.com/office/powerpoint/2010/main" val="2209267244"/>
-      </p:ext>
-    </p:extLst>
-  </p:cSld>
-  <p:clrMapOvr>
-    <a:masterClrMapping/>
-  </p:clrMapOvr>
-</p:sld>
-</file>
-
-<file path=ppt/slides/slide13.xml><?xml version="1.0" encoding="utf-8"?>
-<p:sld xmlns:a="http://schemas.openxmlformats.org/drawingml/2006/main" xmlns:r="http://schemas.openxmlformats.org/officeDocument/2006/relationships" xmlns:p="http://schemas.openxmlformats.org/presentationml/2006/main">
-  <p:cSld>
-    <p:spTree>
-      <p:nvGrpSpPr>
-        <p:cNvPr id="1" name=""/>
-        <p:cNvGrpSpPr/>
-        <p:nvPr/>
-      </p:nvGrpSpPr>
-      <p:grpSpPr>
-        <a:xfrm>
-          <a:off x="0" y="0"/>
-          <a:ext cx="0" cy="0"/>
-          <a:chOff x="0" y="0"/>
-          <a:chExt cx="0" cy="0"/>
-        </a:xfrm>
-      </p:grpSpPr>
-      <p:sp>
-        <p:nvSpPr>
-          <p:cNvPr id="2" name="Заглавие 1"/>
-          <p:cNvSpPr>
-            <a:spLocks noGrp="1"/>
-          </p:cNvSpPr>
-          <p:nvPr>
-            <p:ph type="title"/>
-          </p:nvPr>
-        </p:nvSpPr>
-        <p:spPr/>
-        <p:txBody>
-          <a:bodyPr/>
-          <a:lstStyle/>
-          <a:p>
-            <a:r>
-              <a:rPr lang="bg-BG" smtClean="0"/>
-              <a:t>Реализация -</a:t>
-            </a:r>
-            <a:r>
-              <a:rPr lang="en-US" smtClean="0"/>
-              <a:t> TextRank</a:t>
-            </a:r>
-            <a:endParaRPr lang="bg-BG"/>
-          </a:p>
-        </p:txBody>
-      </p:sp>
-      <p:sp>
-        <p:nvSpPr>
-          <p:cNvPr id="3" name="Контейнер за съдържание 2"/>
-          <p:cNvSpPr>
-            <a:spLocks noGrp="1"/>
-          </p:cNvSpPr>
-          <p:nvPr>
-            <p:ph sz="quarter" idx="1"/>
-          </p:nvPr>
-        </p:nvSpPr>
-        <p:spPr/>
-        <p:txBody>
-          <a:bodyPr/>
-          <a:lstStyle/>
-          <a:p>
-            <a:r>
-              <a:rPr lang="en-US" smtClean="0"/>
-              <a:t>spaCy – </a:t>
-            </a:r>
-            <a:r>
-              <a:rPr lang="bg-BG" smtClean="0"/>
-              <a:t>библиотека за обработка на естествен език</a:t>
-            </a:r>
-          </a:p>
-          <a:p>
-            <a:pPr lvl="1"/>
-            <a:r>
-              <a:rPr lang="bg-BG" smtClean="0"/>
-              <a:t>реализира обработка чрез </a:t>
-            </a:r>
-            <a:r>
-              <a:rPr lang="en-US" smtClean="0"/>
-              <a:t>pipeline</a:t>
-            </a:r>
-            <a:r>
-              <a:rPr lang="bg-BG" smtClean="0"/>
-              <a:t> от няколко компоненти </a:t>
-            </a:r>
-            <a:r>
-              <a:rPr lang="en-US" smtClean="0"/>
-              <a:t>(pipes)</a:t>
-            </a:r>
-            <a:endParaRPr lang="bg-BG" smtClean="0"/>
-          </a:p>
-          <a:p>
-            <a:pPr lvl="1"/>
-            <a:r>
-              <a:rPr lang="bg-BG" smtClean="0"/>
-              <a:t>в стандартния модел има:</a:t>
-            </a:r>
-          </a:p>
-          <a:p>
-            <a:pPr lvl="2"/>
-            <a:r>
-              <a:rPr lang="en-US" smtClean="0"/>
-              <a:t>token-to-vector </a:t>
-            </a:r>
-            <a:r>
-              <a:rPr lang="en-US"/>
-              <a:t>model</a:t>
-            </a:r>
-            <a:r>
-              <a:rPr lang="ru-RU" smtClean="0"/>
-              <a:t>, </a:t>
-            </a:r>
-            <a:r>
-              <a:rPr lang="en-US" smtClean="0"/>
-              <a:t>POS</a:t>
-            </a:r>
-            <a:r>
-              <a:rPr lang="ru-RU" smtClean="0"/>
-              <a:t> </a:t>
-            </a:r>
-            <a:r>
-              <a:rPr lang="ru-RU"/>
-              <a:t>tagging, </a:t>
-            </a:r>
-            <a:r>
-              <a:rPr lang="en-US"/>
-              <a:t>syntactic dependency </a:t>
-            </a:r>
-            <a:r>
-              <a:rPr lang="en-US" smtClean="0"/>
-              <a:t>parsing, </a:t>
-            </a:r>
-            <a:r>
-              <a:rPr lang="en-US"/>
-              <a:t>rule-based token attribute </a:t>
-            </a:r>
-            <a:r>
-              <a:rPr lang="en-US" smtClean="0"/>
-              <a:t>assignment</a:t>
-            </a:r>
-            <a:r>
-              <a:rPr lang="ru-RU" smtClean="0"/>
-              <a:t>, </a:t>
-            </a:r>
-            <a:r>
-              <a:rPr lang="en-US"/>
-              <a:t>lemmatization</a:t>
-            </a:r>
-            <a:r>
-              <a:rPr lang="ru-RU" smtClean="0"/>
-              <a:t>, </a:t>
-            </a:r>
-            <a:r>
-              <a:rPr lang="ru-RU"/>
-              <a:t>named entity recognition</a:t>
-            </a:r>
-            <a:endParaRPr lang="bg-BG" smtClean="0"/>
-          </a:p>
-          <a:p>
-            <a:pPr lvl="1"/>
-            <a:r>
-              <a:rPr lang="en-US" smtClean="0"/>
-              <a:t>PyTextRank</a:t>
-            </a:r>
-            <a:r>
-              <a:rPr lang="bg-BG" smtClean="0"/>
-              <a:t> всъщност е реализиран като точно такава компонента</a:t>
-            </a:r>
-            <a:r>
-              <a:rPr lang="en-US" smtClean="0"/>
-              <a:t>, </a:t>
-            </a:r>
-            <a:r>
-              <a:rPr lang="bg-BG" smtClean="0"/>
-              <a:t>и се добавя към горните</a:t>
-            </a:r>
-          </a:p>
-          <a:p>
-            <a:r>
-              <a:rPr lang="en-US" smtClean="0"/>
-              <a:t>PyTextRank</a:t>
-            </a:r>
-            <a:r>
-              <a:rPr lang="bg-BG" smtClean="0"/>
-              <a:t> също включва </a:t>
-            </a:r>
-            <a:r>
-              <a:rPr lang="en-US" smtClean="0"/>
-              <a:t>PositionRank</a:t>
-            </a:r>
-            <a:r>
-              <a:rPr lang="bg-BG" smtClean="0"/>
-              <a:t> и</a:t>
-            </a:r>
-            <a:r>
-              <a:rPr lang="en-US" smtClean="0"/>
-              <a:t> BiasedTextRank –</a:t>
-            </a:r>
-            <a:r>
-              <a:rPr lang="bg-BG" smtClean="0"/>
-              <a:t> други алгоритми от фамилията на базираните на графи</a:t>
-            </a:r>
-          </a:p>
-          <a:p>
-            <a:pPr lvl="1"/>
-            <a:endParaRPr lang="bg-BG"/>
-          </a:p>
-        </p:txBody>
-      </p:sp>
-    </p:spTree>
-    <p:extLst>
-      <p:ext uri="{BB962C8B-B14F-4D97-AF65-F5344CB8AC3E}">
-        <p14:creationId xmlns:p14="http://schemas.microsoft.com/office/powerpoint/2010/main" val="3706656489"/>
-      </p:ext>
-    </p:extLst>
-  </p:cSld>
-  <p:clrMapOvr>
-    <a:masterClrMapping/>
-  </p:clrMapOvr>
-</p:sld>
-</file>
-
-<file path=ppt/slides/slide14.xml><?xml version="1.0" encoding="utf-8"?>
-<p:sld xmlns:a="http://schemas.openxmlformats.org/drawingml/2006/main" xmlns:r="http://schemas.openxmlformats.org/officeDocument/2006/relationships" xmlns:p="http://schemas.openxmlformats.org/presentationml/2006/main">
-  <p:cSld>
-    <p:spTree>
-      <p:nvGrpSpPr>
-        <p:cNvPr id="1" name=""/>
-        <p:cNvGrpSpPr/>
-        <p:nvPr/>
-      </p:nvGrpSpPr>
-      <p:grpSpPr>
-        <a:xfrm>
-          <a:off x="0" y="0"/>
-          <a:ext cx="0" cy="0"/>
-          <a:chOff x="0" y="0"/>
-          <a:chExt cx="0" cy="0"/>
-        </a:xfrm>
-      </p:grpSpPr>
-      <p:sp>
-        <p:nvSpPr>
-          <p:cNvPr id="2" name="Заглавие 1"/>
-          <p:cNvSpPr>
-            <a:spLocks noGrp="1"/>
-          </p:cNvSpPr>
-          <p:nvPr>
-            <p:ph type="title"/>
-          </p:nvPr>
-        </p:nvSpPr>
-        <p:spPr/>
-        <p:txBody>
-          <a:bodyPr/>
-          <a:lstStyle/>
-          <a:p>
-            <a:r>
-              <a:rPr lang="bg-BG"/>
-              <a:t>Реализация -</a:t>
-            </a:r>
-            <a:r>
-              <a:rPr lang="en-US"/>
-              <a:t> TextRank</a:t>
-            </a:r>
-            <a:endParaRPr lang="bg-BG"/>
-          </a:p>
-        </p:txBody>
-      </p:sp>
-      <p:sp>
-        <p:nvSpPr>
-          <p:cNvPr id="3" name="Контейнер за съдържание 2"/>
-          <p:cNvSpPr>
-            <a:spLocks noGrp="1"/>
-          </p:cNvSpPr>
-          <p:nvPr>
-            <p:ph sz="quarter" idx="1"/>
-          </p:nvPr>
-        </p:nvSpPr>
-        <p:spPr/>
-        <p:txBody>
-          <a:bodyPr/>
-          <a:lstStyle/>
-          <a:p>
-            <a:r>
-              <a:rPr lang="bg-BG" smtClean="0"/>
-              <a:t>създава се </a:t>
-            </a:r>
-            <a:r>
-              <a:rPr lang="en-US" smtClean="0"/>
-              <a:t>spaCy Language </a:t>
-            </a:r>
-            <a:r>
-              <a:rPr lang="bg-BG" smtClean="0"/>
-              <a:t>обект</a:t>
-            </a:r>
-          </a:p>
-          <a:p>
-            <a:pPr lvl="1"/>
-            <a:r>
-              <a:rPr lang="bg-BG" smtClean="0"/>
-              <a:t>зарежда се езиковия модел (в този случай – за английски)</a:t>
-            </a:r>
-          </a:p>
-          <a:p>
-            <a:pPr lvl="1"/>
-            <a:r>
-              <a:rPr lang="bg-BG" smtClean="0"/>
-              <a:t>към него се добавя алгоритъм от</a:t>
-            </a:r>
-            <a:r>
-              <a:rPr lang="en-US" smtClean="0"/>
-              <a:t> PyTextRank</a:t>
-            </a:r>
-            <a:endParaRPr lang="bg-BG" smtClean="0"/>
-          </a:p>
-          <a:p>
-            <a:pPr lvl="2"/>
-            <a:r>
-              <a:rPr lang="bg-BG" smtClean="0"/>
-              <a:t>прилага се към текст</a:t>
-            </a:r>
-          </a:p>
-          <a:p>
-            <a:pPr lvl="2"/>
-            <a:r>
-              <a:rPr lang="bg-BG" smtClean="0"/>
-              <a:t>извличат се първите </a:t>
-            </a:r>
-            <a:r>
-              <a:rPr lang="en-US" smtClean="0"/>
-              <a:t>n</a:t>
-            </a:r>
-            <a:r>
-              <a:rPr lang="bg-BG" smtClean="0"/>
-              <a:t> (входен параметър ) най-важни изречения</a:t>
-            </a:r>
-          </a:p>
-          <a:p>
-            <a:pPr lvl="2"/>
-            <a:r>
-              <a:rPr lang="bg-BG" smtClean="0"/>
-              <a:t>конкатенират се =&gt; резюме</a:t>
-            </a:r>
-            <a:endParaRPr lang="bg-BG"/>
-          </a:p>
-        </p:txBody>
-      </p:sp>
-    </p:spTree>
-    <p:extLst>
-      <p:ext uri="{BB962C8B-B14F-4D97-AF65-F5344CB8AC3E}">
-        <p14:creationId xmlns:p14="http://schemas.microsoft.com/office/powerpoint/2010/main" val="2830099952"/>
-      </p:ext>
-    </p:extLst>
-  </p:cSld>
-  <p:clrMapOvr>
-    <a:masterClrMapping/>
-  </p:clrMapOvr>
-</p:sld>
-</file>
-
-<file path=ppt/slides/slide15.xml><?xml version="1.0" encoding="utf-8"?>
-<p:sld xmlns:a="http://schemas.openxmlformats.org/drawingml/2006/main" xmlns:r="http://schemas.openxmlformats.org/officeDocument/2006/relationships" xmlns:p="http://schemas.openxmlformats.org/presentationml/2006/main">
-  <p:cSld>
-    <p:spTree>
-      <p:nvGrpSpPr>
-        <p:cNvPr id="1" name=""/>
-        <p:cNvGrpSpPr/>
-        <p:nvPr/>
-      </p:nvGrpSpPr>
-      <p:grpSpPr>
-        <a:xfrm>
-          <a:off x="0" y="0"/>
-          <a:ext cx="0" cy="0"/>
-          <a:chOff x="0" y="0"/>
-          <a:chExt cx="0" cy="0"/>
-        </a:xfrm>
-      </p:grpSpPr>
-      <p:sp>
-        <p:nvSpPr>
-          <p:cNvPr id="2" name="Заглавие 1"/>
-          <p:cNvSpPr>
-            <a:spLocks noGrp="1"/>
-          </p:cNvSpPr>
-          <p:nvPr>
-            <p:ph type="title"/>
-          </p:nvPr>
-        </p:nvSpPr>
-        <p:spPr/>
-        <p:txBody>
-          <a:bodyPr/>
-          <a:lstStyle/>
-          <a:p>
-            <a:r>
-              <a:rPr lang="bg-BG" smtClean="0"/>
-              <a:t>Реализация – </a:t>
-            </a:r>
-            <a:r>
-              <a:rPr lang="en-US" smtClean="0"/>
-              <a:t>LSA</a:t>
-            </a:r>
-            <a:endParaRPr lang="bg-BG"/>
-          </a:p>
-        </p:txBody>
-      </p:sp>
-      <p:sp>
-        <p:nvSpPr>
-          <p:cNvPr id="3" name="Контейнер за съдържание 2"/>
-          <p:cNvSpPr>
-            <a:spLocks noGrp="1"/>
-          </p:cNvSpPr>
-          <p:nvPr>
-            <p:ph sz="quarter" idx="1"/>
-          </p:nvPr>
-        </p:nvSpPr>
-        <p:spPr/>
-        <p:txBody>
-          <a:bodyPr/>
-          <a:lstStyle/>
-          <a:p>
-            <a:r>
-              <a:rPr lang="bg-BG" smtClean="0"/>
-              <a:t>библиотека </a:t>
-            </a:r>
-            <a:r>
-              <a:rPr lang="en-US" smtClean="0"/>
-              <a:t>sumy</a:t>
-            </a:r>
-            <a:endParaRPr lang="bg-BG" smtClean="0"/>
-          </a:p>
-          <a:p>
-            <a:r>
-              <a:rPr lang="en-US" smtClean="0"/>
-              <a:t>Stemmer</a:t>
-            </a:r>
-            <a:r>
-              <a:rPr lang="bg-BG" smtClean="0"/>
-              <a:t> обект</a:t>
-            </a:r>
-          </a:p>
-          <a:p>
-            <a:r>
-              <a:rPr lang="en-US" smtClean="0"/>
-              <a:t>Summarizer</a:t>
-            </a:r>
-            <a:r>
-              <a:rPr lang="bg-BG" smtClean="0"/>
-              <a:t> обект, който изпозлва </a:t>
-            </a:r>
-            <a:r>
-              <a:rPr lang="en-US" smtClean="0"/>
-              <a:t>Stemmer</a:t>
-            </a:r>
-            <a:r>
-              <a:rPr lang="bg-BG" smtClean="0"/>
-              <a:t>-а</a:t>
-            </a:r>
-          </a:p>
-          <a:p>
-            <a:pPr lvl="1"/>
-            <a:r>
-              <a:rPr lang="bg-BG" smtClean="0"/>
-              <a:t>за всеки текст – </a:t>
-            </a:r>
-            <a:r>
-              <a:rPr lang="en-US" smtClean="0"/>
-              <a:t>PlaintextParser</a:t>
-            </a:r>
-            <a:endParaRPr lang="bg-BG" smtClean="0"/>
-          </a:p>
-          <a:p>
-            <a:pPr lvl="1"/>
-            <a:r>
-              <a:rPr lang="bg-BG" smtClean="0"/>
-              <a:t>връща парснат </a:t>
-            </a:r>
-            <a:r>
-              <a:rPr lang="en-US" smtClean="0"/>
-              <a:t>Document</a:t>
-            </a:r>
-            <a:endParaRPr lang="bg-BG" smtClean="0"/>
-          </a:p>
-          <a:p>
-            <a:pPr lvl="1"/>
-            <a:r>
-              <a:rPr lang="bg-BG" smtClean="0"/>
-              <a:t>към него се прилага </a:t>
-            </a:r>
-            <a:r>
-              <a:rPr lang="en-US" smtClean="0"/>
-              <a:t>Summarizer</a:t>
-            </a:r>
-            <a:endParaRPr lang="bg-BG" smtClean="0"/>
-          </a:p>
-          <a:p>
-            <a:pPr lvl="2"/>
-            <a:r>
-              <a:rPr lang="bg-BG" smtClean="0"/>
-              <a:t>извличаме първите</a:t>
-            </a:r>
-            <a:r>
-              <a:rPr lang="en-US" smtClean="0"/>
-              <a:t> n</a:t>
-            </a:r>
-            <a:r>
-              <a:rPr lang="bg-BG" smtClean="0"/>
-              <a:t> най-важни изречения</a:t>
-            </a:r>
-          </a:p>
-          <a:p>
-            <a:pPr lvl="2"/>
-            <a:r>
-              <a:rPr lang="bg-BG" smtClean="0"/>
-              <a:t>допълнително форматиране и конкатенация =&gt; резюме</a:t>
-            </a:r>
-          </a:p>
-        </p:txBody>
-      </p:sp>
-    </p:spTree>
-    <p:extLst>
-      <p:ext uri="{BB962C8B-B14F-4D97-AF65-F5344CB8AC3E}">
-        <p14:creationId xmlns:p14="http://schemas.microsoft.com/office/powerpoint/2010/main" val="2381150781"/>
-      </p:ext>
-    </p:extLst>
-  </p:cSld>
-  <p:clrMapOvr>
-    <a:masterClrMapping/>
-  </p:clrMapOvr>
-</p:sld>
-</file>
-
-<file path=ppt/slides/slide16.xml><?xml version="1.0" encoding="utf-8"?>
-<p:sld xmlns:a="http://schemas.openxmlformats.org/drawingml/2006/main" xmlns:r="http://schemas.openxmlformats.org/officeDocument/2006/relationships" xmlns:p="http://schemas.openxmlformats.org/presentationml/2006/main">
-  <p:cSld>
-    <p:spTree>
-      <p:nvGrpSpPr>
-        <p:cNvPr id="1" name=""/>
-        <p:cNvGrpSpPr/>
-        <p:nvPr/>
-      </p:nvGrpSpPr>
-      <p:grpSpPr>
-        <a:xfrm>
-          <a:off x="0" y="0"/>
-          <a:ext cx="0" cy="0"/>
-          <a:chOff x="0" y="0"/>
-          <a:chExt cx="0" cy="0"/>
-        </a:xfrm>
-      </p:grpSpPr>
-      <p:sp>
-        <p:nvSpPr>
-          <p:cNvPr id="2" name="Заглавие 1"/>
-          <p:cNvSpPr>
-            <a:spLocks noGrp="1"/>
-          </p:cNvSpPr>
-          <p:nvPr>
-            <p:ph type="title"/>
-          </p:nvPr>
-        </p:nvSpPr>
-        <p:spPr/>
-        <p:txBody>
-          <a:bodyPr/>
-          <a:lstStyle/>
-          <a:p>
-            <a:r>
-              <a:rPr lang="bg-BG" smtClean="0"/>
-              <a:t>Реализация - </a:t>
-            </a:r>
-            <a:r>
-              <a:rPr lang="en-US" smtClean="0"/>
-              <a:t>ROUGE</a:t>
-            </a:r>
-            <a:endParaRPr lang="bg-BG"/>
-          </a:p>
-        </p:txBody>
-      </p:sp>
-      <p:sp>
-        <p:nvSpPr>
-          <p:cNvPr id="3" name="Контейнер за съдържание 2"/>
-          <p:cNvSpPr>
-            <a:spLocks noGrp="1"/>
-          </p:cNvSpPr>
-          <p:nvPr>
-            <p:ph sz="quarter" idx="1"/>
-          </p:nvPr>
-        </p:nvSpPr>
-        <p:spPr/>
-        <p:txBody>
-          <a:bodyPr/>
-          <a:lstStyle/>
-          <a:p>
-            <a:r>
-              <a:rPr lang="bg-BG" smtClean="0"/>
-              <a:t>библиотека</a:t>
-            </a:r>
-            <a:r>
-              <a:rPr lang="en-US" smtClean="0"/>
-              <a:t> </a:t>
-            </a:r>
-            <a:r>
-              <a:rPr lang="en-US"/>
-              <a:t>Rouge</a:t>
-            </a:r>
-            <a:endParaRPr lang="bg-BG"/>
-          </a:p>
-          <a:p>
-            <a:r>
-              <a:rPr lang="bg-BG"/>
-              <a:t>обект от класа </a:t>
-            </a:r>
-            <a:r>
-              <a:rPr lang="en-US"/>
-              <a:t>Rouge</a:t>
-            </a:r>
-            <a:endParaRPr lang="bg-BG"/>
-          </a:p>
-          <a:p>
-            <a:pPr lvl="1"/>
-            <a:r>
-              <a:rPr lang="bg-BG"/>
-              <a:t>с функция, която получава два списъка</a:t>
-            </a:r>
-          </a:p>
-          <a:p>
-            <a:pPr lvl="2"/>
-            <a:r>
-              <a:rPr lang="bg-BG"/>
-              <a:t>резюмета за </a:t>
-            </a:r>
-            <a:r>
-              <a:rPr lang="bg-BG" smtClean="0"/>
-              <a:t>тестване и </a:t>
-            </a:r>
-            <a:r>
-              <a:rPr lang="en-US" smtClean="0"/>
-              <a:t>reference</a:t>
-            </a:r>
-            <a:r>
-              <a:rPr lang="bg-BG" smtClean="0"/>
-              <a:t> </a:t>
-            </a:r>
-            <a:r>
-              <a:rPr lang="bg-BG"/>
-              <a:t>резюмета</a:t>
-            </a:r>
-          </a:p>
-          <a:p>
-            <a:pPr lvl="2"/>
-            <a:r>
-              <a:rPr lang="bg-BG" smtClean="0"/>
-              <a:t>с еднаква </a:t>
-            </a:r>
-            <a:r>
-              <a:rPr lang="bg-BG"/>
-              <a:t>дължина</a:t>
-            </a:r>
-          </a:p>
-          <a:p>
-            <a:pPr lvl="1"/>
-            <a:r>
-              <a:rPr lang="bg-BG" smtClean="0"/>
-              <a:t>изчислява</a:t>
-            </a:r>
-          </a:p>
-          <a:p>
-            <a:pPr lvl="2"/>
-            <a:r>
-              <a:rPr lang="en-US" smtClean="0"/>
-              <a:t>ROUGE-1</a:t>
-            </a:r>
-            <a:r>
-              <a:rPr lang="bg-BG" smtClean="0"/>
-              <a:t> – съвпадение на думи</a:t>
-            </a:r>
-          </a:p>
-          <a:p>
-            <a:pPr lvl="2"/>
-            <a:r>
-              <a:rPr lang="en-US" smtClean="0"/>
-              <a:t>ROUGE-2</a:t>
-            </a:r>
-            <a:r>
-              <a:rPr lang="bg-BG" smtClean="0"/>
-              <a:t> – съвпадение на биграми</a:t>
-            </a:r>
-          </a:p>
-          <a:p>
-            <a:pPr lvl="2"/>
-            <a:r>
-              <a:rPr lang="en-US" smtClean="0"/>
-              <a:t>ROUGE-L</a:t>
-            </a:r>
-            <a:r>
-              <a:rPr lang="bg-BG" smtClean="0"/>
-              <a:t> – </a:t>
-            </a:r>
-            <a:r>
-              <a:rPr lang="en-US" smtClean="0"/>
-              <a:t>longest common subsequence</a:t>
-            </a:r>
-          </a:p>
-          <a:p>
-            <a:pPr lvl="2"/>
-            <a:r>
-              <a:rPr lang="bg-BG" smtClean="0"/>
-              <a:t>за всяко има </a:t>
-            </a:r>
-            <a:r>
-              <a:rPr lang="en-US" smtClean="0"/>
-              <a:t>recall, precision </a:t>
-            </a:r>
-            <a:r>
-              <a:rPr lang="bg-BG" smtClean="0"/>
-              <a:t>и </a:t>
-            </a:r>
-            <a:r>
-              <a:rPr lang="en-US" smtClean="0"/>
-              <a:t>F1 score (</a:t>
-            </a:r>
-            <a:r>
-              <a:rPr lang="bg-BG" smtClean="0"/>
-              <a:t>изчислено чрез</a:t>
-            </a:r>
-            <a:r>
-              <a:rPr lang="en-US" smtClean="0"/>
-              <a:t> recall</a:t>
-            </a:r>
-            <a:r>
-              <a:rPr lang="bg-BG" smtClean="0"/>
-              <a:t>-а и</a:t>
-            </a:r>
-            <a:r>
-              <a:rPr lang="en-US"/>
-              <a:t> </a:t>
-            </a:r>
-            <a:r>
-              <a:rPr lang="en-US" smtClean="0"/>
-              <a:t>precision</a:t>
-            </a:r>
-            <a:r>
-              <a:rPr lang="bg-BG" smtClean="0"/>
-              <a:t>-а)</a:t>
-            </a:r>
-          </a:p>
-          <a:p>
-            <a:pPr lvl="1"/>
-            <a:r>
-              <a:rPr lang="bg-BG" smtClean="0"/>
-              <a:t>индивидуално за всяка двойка резюмета</a:t>
-            </a:r>
-          </a:p>
-          <a:p>
-            <a:pPr lvl="1"/>
-            <a:r>
-              <a:rPr lang="bg-BG" smtClean="0"/>
-              <a:t>или осреднено по всички</a:t>
-            </a:r>
-            <a:endParaRPr lang="bg-BG"/>
-          </a:p>
-        </p:txBody>
-      </p:sp>
-    </p:spTree>
-    <p:extLst>
-      <p:ext uri="{BB962C8B-B14F-4D97-AF65-F5344CB8AC3E}">
-        <p14:creationId xmlns:p14="http://schemas.microsoft.com/office/powerpoint/2010/main" val="3340463976"/>
-      </p:ext>
-    </p:extLst>
-  </p:cSld>
-  <p:clrMapOvr>
-    <a:masterClrMapping/>
-  </p:clrMapOvr>
-</p:sld>
-</file>
-
-<file path=ppt/slides/slide17.xml><?xml version="1.0" encoding="utf-8"?>
-<p:sld xmlns:a="http://schemas.openxmlformats.org/drawingml/2006/main" xmlns:r="http://schemas.openxmlformats.org/officeDocument/2006/relationships" xmlns:p="http://schemas.openxmlformats.org/presentationml/2006/main">
-  <p:cSld>
-    <p:spTree>
-      <p:nvGrpSpPr>
-        <p:cNvPr id="1" name=""/>
-        <p:cNvGrpSpPr/>
-        <p:nvPr/>
-      </p:nvGrpSpPr>
-      <p:grpSpPr>
-        <a:xfrm>
-          <a:off x="0" y="0"/>
-          <a:ext cx="0" cy="0"/>
-          <a:chOff x="0" y="0"/>
-          <a:chExt cx="0" cy="0"/>
-        </a:xfrm>
-      </p:grpSpPr>
-      <p:sp>
-        <p:nvSpPr>
-          <p:cNvPr id="2" name="Заглавие 1"/>
-          <p:cNvSpPr>
-            <a:spLocks noGrp="1"/>
-          </p:cNvSpPr>
-          <p:nvPr>
-            <p:ph type="title"/>
-          </p:nvPr>
-        </p:nvSpPr>
-        <p:spPr/>
-        <p:txBody>
-          <a:bodyPr/>
-          <a:lstStyle/>
-          <a:p>
-            <a:r>
-              <a:rPr lang="bg-BG" smtClean="0"/>
-              <a:t>Реализация – данни</a:t>
-            </a:r>
-            <a:endParaRPr lang="bg-BG"/>
-          </a:p>
-        </p:txBody>
-      </p:sp>
-      <p:sp>
-        <p:nvSpPr>
-          <p:cNvPr id="3" name="Контейнер за съдържание 2"/>
-          <p:cNvSpPr>
-            <a:spLocks noGrp="1"/>
-          </p:cNvSpPr>
-          <p:nvPr>
-            <p:ph sz="quarter" idx="1"/>
-          </p:nvPr>
-        </p:nvSpPr>
-        <p:spPr/>
-        <p:txBody>
-          <a:bodyPr>
-            <a:normAutofit/>
-          </a:bodyPr>
-          <a:lstStyle/>
-          <a:p>
-            <a:r>
-              <a:rPr lang="bg-BG" smtClean="0"/>
-              <a:t>за всеки корпус искаме</a:t>
-            </a:r>
-          </a:p>
-          <a:p>
-            <a:pPr lvl="1"/>
-            <a:r>
-              <a:rPr lang="bg-BG" smtClean="0"/>
-              <a:t>папка</a:t>
-            </a:r>
-          </a:p>
-          <a:p>
-            <a:pPr lvl="2"/>
-            <a:r>
-              <a:rPr lang="bg-BG" smtClean="0"/>
-              <a:t>всичките документи като текстови файлове</a:t>
-            </a:r>
-          </a:p>
-          <a:p>
-            <a:pPr lvl="2"/>
-            <a:r>
-              <a:rPr lang="bg-BG" smtClean="0"/>
-              <a:t>под-папка </a:t>
-            </a:r>
-            <a:r>
-              <a:rPr lang="en-US" smtClean="0"/>
-              <a:t>summaries</a:t>
-            </a:r>
-            <a:endParaRPr lang="bg-BG" smtClean="0"/>
-          </a:p>
-          <a:p>
-            <a:pPr lvl="3"/>
-            <a:r>
-              <a:rPr lang="bg-BG" smtClean="0"/>
-              <a:t>всичките резюмета като текстови файлове</a:t>
-            </a:r>
-          </a:p>
-          <a:p>
-            <a:pPr lvl="3"/>
-            <a:r>
-              <a:rPr lang="bg-BG" smtClean="0"/>
-              <a:t>еднакъв брой с документите</a:t>
-            </a:r>
-          </a:p>
-          <a:p>
-            <a:r>
-              <a:rPr lang="en-US" smtClean="0"/>
-              <a:t>DUC 2004 </a:t>
-            </a:r>
-            <a:endParaRPr lang="bg-BG" smtClean="0"/>
-          </a:p>
-          <a:p>
-            <a:pPr lvl="1"/>
-            <a:r>
-              <a:rPr lang="bg-BG" smtClean="0"/>
-              <a:t>50 клъстера от (около) 10 документа, по 4 резюмета на клъстер</a:t>
-            </a:r>
-          </a:p>
-          <a:p>
-            <a:pPr lvl="1"/>
-            <a:r>
-              <a:rPr lang="bg-BG" smtClean="0"/>
-              <a:t>избрани са само първи документ и резюме за всеки клъстер</a:t>
-            </a:r>
-          </a:p>
-          <a:p>
-            <a:pPr lvl="1"/>
-            <a:r>
-              <a:rPr lang="bg-BG" smtClean="0"/>
-              <a:t>вече са форматирани като текстови файлове, не се налага допълнителна обработка освен подбирането</a:t>
-            </a:r>
-          </a:p>
-        </p:txBody>
-      </p:sp>
-    </p:spTree>
-    <p:extLst>
-      <p:ext uri="{BB962C8B-B14F-4D97-AF65-F5344CB8AC3E}">
-        <p14:creationId xmlns:p14="http://schemas.microsoft.com/office/powerpoint/2010/main" val="2650696342"/>
-      </p:ext>
-    </p:extLst>
-  </p:cSld>
-  <p:clrMapOvr>
-    <a:masterClrMapping/>
-  </p:clrMapOvr>
-</p:sld>
-</file>
-
-<file path=ppt/slides/slide18.xml><?xml version="1.0" encoding="utf-8"?>
-<p:sld xmlns:a="http://schemas.openxmlformats.org/drawingml/2006/main" xmlns:r="http://schemas.openxmlformats.org/officeDocument/2006/relationships" xmlns:p="http://schemas.openxmlformats.org/presentationml/2006/main">
-  <p:cSld>
-    <p:spTree>
-      <p:nvGrpSpPr>
-        <p:cNvPr id="1" name=""/>
-        <p:cNvGrpSpPr/>
-        <p:nvPr/>
-      </p:nvGrpSpPr>
-      <p:grpSpPr>
-        <a:xfrm>
-          <a:off x="0" y="0"/>
-          <a:ext cx="0" cy="0"/>
-          <a:chOff x="0" y="0"/>
-          <a:chExt cx="0" cy="0"/>
-        </a:xfrm>
-      </p:grpSpPr>
-      <p:sp>
-        <p:nvSpPr>
-          <p:cNvPr id="2" name="Заглавие 1"/>
-          <p:cNvSpPr>
-            <a:spLocks noGrp="1"/>
-          </p:cNvSpPr>
-          <p:nvPr>
-            <p:ph type="title"/>
-          </p:nvPr>
-        </p:nvSpPr>
-        <p:spPr/>
-        <p:txBody>
-          <a:bodyPr/>
-          <a:lstStyle/>
-          <a:p>
-            <a:r>
-              <a:rPr lang="bg-BG"/>
-              <a:t>Реализация – данни</a:t>
-            </a:r>
-          </a:p>
-        </p:txBody>
-      </p:sp>
-      <p:sp>
-        <p:nvSpPr>
-          <p:cNvPr id="3" name="Контейнер за съдържание 2"/>
-          <p:cNvSpPr>
-            <a:spLocks noGrp="1"/>
-          </p:cNvSpPr>
-          <p:nvPr>
-            <p:ph sz="quarter" idx="1"/>
-          </p:nvPr>
-        </p:nvSpPr>
-        <p:spPr/>
-        <p:txBody>
-          <a:bodyPr/>
-          <a:lstStyle/>
-          <a:p>
-            <a:r>
-              <a:rPr lang="en-US"/>
-              <a:t>WikiHow</a:t>
-            </a:r>
-            <a:endParaRPr lang="bg-BG"/>
-          </a:p>
-          <a:p>
-            <a:pPr lvl="1"/>
-            <a:r>
-              <a:rPr lang="bg-BG"/>
-              <a:t>над 230 000</a:t>
-            </a:r>
-          </a:p>
-          <a:p>
-            <a:pPr lvl="1"/>
-            <a:r>
-              <a:rPr lang="bg-BG"/>
-              <a:t>избрани са само 364</a:t>
-            </a:r>
-          </a:p>
-          <a:p>
-            <a:pPr lvl="1"/>
-            <a:r>
-              <a:rPr lang="bg-BG"/>
-              <a:t>в </a:t>
-            </a:r>
-            <a:r>
-              <a:rPr lang="en-US"/>
-              <a:t>.csv</a:t>
-            </a:r>
-            <a:r>
-              <a:rPr lang="bg-BG"/>
-              <a:t> формат, трябва допълнителна </a:t>
-            </a:r>
-            <a:r>
-              <a:rPr lang="bg-BG" smtClean="0"/>
-              <a:t>обработка</a:t>
-            </a:r>
-          </a:p>
-          <a:p>
-            <a:pPr lvl="2"/>
-            <a:r>
-              <a:rPr lang="bg-BG" smtClean="0"/>
-              <a:t>прочитат се с </a:t>
-            </a:r>
-            <a:r>
-              <a:rPr lang="en-US" smtClean="0"/>
-              <a:t>pandas</a:t>
-            </a:r>
-          </a:p>
-          <a:p>
-            <a:pPr lvl="2"/>
-            <a:r>
-              <a:rPr lang="bg-BG" smtClean="0"/>
-              <a:t>всяка 500на</a:t>
-            </a:r>
-          </a:p>
-          <a:p>
-            <a:pPr lvl="2"/>
-            <a:r>
-              <a:rPr lang="bg-BG" smtClean="0"/>
-              <a:t>част от статиите се изпускат поради </a:t>
-            </a:r>
-            <a:r>
-              <a:rPr lang="en-US" smtClean="0"/>
-              <a:t>encoding</a:t>
-            </a:r>
-            <a:r>
-              <a:rPr lang="bg-BG" smtClean="0"/>
-              <a:t> грешки</a:t>
-            </a:r>
-          </a:p>
-          <a:p>
-            <a:pPr lvl="1"/>
-            <a:r>
-              <a:rPr lang="bg-BG" smtClean="0"/>
-              <a:t>всяка се записва в отделен текстов файл</a:t>
-            </a:r>
-          </a:p>
-          <a:p>
-            <a:pPr lvl="1"/>
-            <a:r>
-              <a:rPr lang="bg-BG" smtClean="0"/>
-              <a:t>всяко резюме също</a:t>
-            </a:r>
-            <a:endParaRPr lang="bg-BG"/>
-          </a:p>
-        </p:txBody>
-      </p:sp>
-    </p:spTree>
-    <p:extLst>
-      <p:ext uri="{BB962C8B-B14F-4D97-AF65-F5344CB8AC3E}">
-        <p14:creationId xmlns:p14="http://schemas.microsoft.com/office/powerpoint/2010/main" val="385795263"/>
-      </p:ext>
-    </p:extLst>
-  </p:cSld>
-  <p:clrMapOvr>
-    <a:masterClrMapping/>
-  </p:clrMapOvr>
-</p:sld>
-</file>
-
-<file path=ppt/slides/slide19.xml><?xml version="1.0" encoding="utf-8"?>
-<p:sld xmlns:a="http://schemas.openxmlformats.org/drawingml/2006/main" xmlns:r="http://schemas.openxmlformats.org/officeDocument/2006/relationships" xmlns:p="http://schemas.openxmlformats.org/presentationml/2006/main">
-  <p:cSld>
-    <p:spTree>
-      <p:nvGrpSpPr>
-        <p:cNvPr id="1" name=""/>
-        <p:cNvGrpSpPr/>
-        <p:nvPr/>
-      </p:nvGrpSpPr>
-      <p:grpSpPr>
-        <a:xfrm>
-          <a:off x="0" y="0"/>
-          <a:ext cx="0" cy="0"/>
-          <a:chOff x="0" y="0"/>
-          <a:chExt cx="0" cy="0"/>
-        </a:xfrm>
-      </p:grpSpPr>
-      <p:sp>
-        <p:nvSpPr>
-          <p:cNvPr id="2" name="Заглавие 1"/>
-          <p:cNvSpPr>
-            <a:spLocks noGrp="1"/>
-          </p:cNvSpPr>
-          <p:nvPr>
-            <p:ph type="title"/>
-          </p:nvPr>
-        </p:nvSpPr>
-        <p:spPr/>
-        <p:txBody>
-          <a:bodyPr/>
-          <a:lstStyle/>
-          <a:p>
-            <a:r>
-              <a:rPr lang="bg-BG"/>
-              <a:t>Реализация – данни</a:t>
-            </a:r>
-          </a:p>
-        </p:txBody>
-      </p:sp>
-      <p:sp>
-        <p:nvSpPr>
-          <p:cNvPr id="3" name="Контейнер за съдържание 2"/>
-          <p:cNvSpPr>
-            <a:spLocks noGrp="1"/>
-          </p:cNvSpPr>
-          <p:nvPr>
-            <p:ph sz="quarter" idx="1"/>
-          </p:nvPr>
-        </p:nvSpPr>
-        <p:spPr/>
-        <p:txBody>
-          <a:bodyPr/>
-          <a:lstStyle/>
-          <a:p>
-            <a:r>
-              <a:rPr lang="en-US" smtClean="0"/>
-              <a:t>Multi-News</a:t>
-            </a:r>
-          </a:p>
-          <a:p>
-            <a:pPr lvl="1"/>
-            <a:r>
-              <a:rPr lang="bg-BG" smtClean="0"/>
-              <a:t>над 250 000</a:t>
-            </a:r>
-          </a:p>
-          <a:p>
-            <a:pPr lvl="1"/>
-            <a:r>
-              <a:rPr lang="bg-BG" smtClean="0"/>
-              <a:t>избрани са само първите 300</a:t>
-            </a:r>
-          </a:p>
-          <a:p>
-            <a:pPr lvl="1"/>
-            <a:r>
-              <a:rPr lang="bg-BG" smtClean="0"/>
-              <a:t>във формат</a:t>
-            </a:r>
-          </a:p>
-          <a:p>
-            <a:pPr lvl="2"/>
-            <a:r>
-              <a:rPr lang="bg-BG" smtClean="0"/>
-              <a:t>два текстови файла – статии и резюмета</a:t>
-            </a:r>
-          </a:p>
-          <a:p>
-            <a:pPr lvl="2"/>
-            <a:r>
-              <a:rPr lang="bg-BG" smtClean="0"/>
-              <a:t>по една статия/резюме на ред</a:t>
-            </a:r>
-          </a:p>
-          <a:p>
-            <a:pPr lvl="2"/>
-            <a:r>
-              <a:rPr lang="bg-BG" smtClean="0"/>
-              <a:t>прочитат се ред по ред, допълнително се форматират </a:t>
-            </a:r>
-          </a:p>
-          <a:p>
-            <a:pPr lvl="2"/>
-            <a:r>
-              <a:rPr lang="bg-BG" smtClean="0"/>
-              <a:t>записват се в отделни файлове</a:t>
-            </a:r>
-          </a:p>
-          <a:p>
-            <a:pPr lvl="3"/>
-            <a:endParaRPr lang="bg-BG"/>
-          </a:p>
-        </p:txBody>
-      </p:sp>
-    </p:spTree>
-    <p:extLst>
-      <p:ext uri="{BB962C8B-B14F-4D97-AF65-F5344CB8AC3E}">
-        <p14:creationId xmlns:p14="http://schemas.microsoft.com/office/powerpoint/2010/main" val="866281335"/>
-      </p:ext>
-    </p:extLst>
-  </p:cSld>
-  <p:clrMapOvr>
-    <a:masterClrMapping/>
-  </p:clrMapOvr>
-</p:sld>
-</file>
-
-<file path=ppt/slides/slide2.xml><?xml version="1.0" encoding="utf-8"?>
-<p:sld xmlns:a="http://schemas.openxmlformats.org/drawingml/2006/main" xmlns:r="http://schemas.openxmlformats.org/officeDocument/2006/relationships" xmlns:p="http://schemas.openxmlformats.org/presentationml/2006/main">
-  <p:cSld>
-    <p:spTree>
-      <p:nvGrpSpPr>
-        <p:cNvPr id="1" name=""/>
-        <p:cNvGrpSpPr/>
-        <p:nvPr/>
-      </p:nvGrpSpPr>
-      <p:grpSpPr>
-        <a:xfrm>
-          <a:off x="0" y="0"/>
-          <a:ext cx="0" cy="0"/>
-          <a:chOff x="0" y="0"/>
-          <a:chExt cx="0" cy="0"/>
-        </a:xfrm>
-      </p:grpSpPr>
-      <p:sp>
-        <p:nvSpPr>
-          <p:cNvPr id="2" name="Заглавие 1"/>
-          <p:cNvSpPr>
-            <a:spLocks noGrp="1"/>
-          </p:cNvSpPr>
-          <p:nvPr>
-            <p:ph type="title"/>
-          </p:nvPr>
-        </p:nvSpPr>
-        <p:spPr/>
-        <p:txBody>
-          <a:bodyPr/>
-          <a:lstStyle/>
-          <a:p>
-            <a:r>
-              <a:rPr lang="bg-BG" smtClean="0"/>
-              <a:t>Задача</a:t>
-            </a:r>
-            <a:endParaRPr lang="bg-BG"/>
-          </a:p>
-        </p:txBody>
-      </p:sp>
-      <p:sp>
-        <p:nvSpPr>
-          <p:cNvPr id="3" name="Контейнер за съдържание 2"/>
-          <p:cNvSpPr>
-            <a:spLocks noGrp="1"/>
-          </p:cNvSpPr>
-          <p:nvPr>
-            <p:ph sz="quarter" idx="1"/>
-          </p:nvPr>
-        </p:nvSpPr>
-        <p:spPr/>
-        <p:txBody>
-          <a:bodyPr/>
-          <a:lstStyle/>
-          <a:p>
-            <a:r>
-              <a:rPr lang="bg-BG"/>
-              <a:t>Резюме - </a:t>
-            </a:r>
-            <a:r>
-              <a:rPr lang="ru-RU"/>
-              <a:t>кратко изложение, в </a:t>
-            </a:r>
-            <a:r>
-              <a:rPr lang="bg-BG"/>
-              <a:t>което са изведени основните</a:t>
-            </a:r>
-            <a:r>
-              <a:rPr lang="ru-RU"/>
-              <a:t> положения на книга, </a:t>
-            </a:r>
-            <a:r>
-              <a:rPr lang="bg-BG"/>
-              <a:t>статия</a:t>
-            </a:r>
-            <a:r>
-              <a:rPr lang="ru-RU"/>
-              <a:t>, доклад и др</a:t>
-            </a:r>
-            <a:r>
-              <a:rPr lang="ru-RU" smtClean="0"/>
-              <a:t>.</a:t>
-            </a:r>
-          </a:p>
-          <a:p>
-            <a:r>
-              <a:rPr lang="ru-RU" err="1" smtClean="0"/>
-              <a:t>Може</a:t>
-            </a:r>
-            <a:r>
-              <a:rPr lang="ru-RU" smtClean="0"/>
-              <a:t> да се </a:t>
-            </a:r>
-            <a:r>
-              <a:rPr lang="ru-RU" err="1" smtClean="0"/>
-              <a:t>резюмират</a:t>
-            </a:r>
-            <a:r>
-              <a:rPr lang="ru-RU" smtClean="0"/>
-              <a:t> </a:t>
-            </a:r>
-            <a:r>
-              <a:rPr lang="ru-RU" err="1" smtClean="0"/>
-              <a:t>най-различни</a:t>
-            </a:r>
-            <a:r>
-              <a:rPr lang="ru-RU" smtClean="0"/>
-              <a:t> </a:t>
-            </a:r>
-            <a:r>
-              <a:rPr lang="ru-RU" err="1" smtClean="0"/>
-              <a:t>текстове</a:t>
-            </a:r>
-            <a:r>
-              <a:rPr lang="ru-RU" smtClean="0"/>
-              <a:t> – статии (научни, новинарски), художествени текстове, ревюта и други потребителски мнения, коментари, и т.н.</a:t>
-            </a:r>
-          </a:p>
-          <a:p>
-            <a:endParaRPr lang="ru-RU" smtClean="0"/>
-          </a:p>
-          <a:p>
-            <a:r>
-              <a:rPr lang="bg-BG" smtClean="0"/>
-              <a:t>Автоматизиране</a:t>
-            </a:r>
-            <a:r>
-              <a:rPr lang="ru-RU" smtClean="0"/>
-              <a:t> на </a:t>
-            </a:r>
-            <a:r>
-              <a:rPr lang="bg-BG" smtClean="0"/>
-              <a:t>процеса – по-бързо и ефективно получаване на резултат</a:t>
-            </a:r>
-            <a:endParaRPr lang="ru-RU"/>
-          </a:p>
-          <a:p>
-            <a:endParaRPr lang="bg-BG"/>
-          </a:p>
-        </p:txBody>
-      </p:sp>
-    </p:spTree>
-    <p:extLst>
-      <p:ext uri="{BB962C8B-B14F-4D97-AF65-F5344CB8AC3E}">
-        <p14:creationId xmlns:p14="http://schemas.microsoft.com/office/powerpoint/2010/main" val="3383435642"/>
-      </p:ext>
-    </p:extLst>
-  </p:cSld>
-  <p:clrMapOvr>
-    <a:masterClrMapping/>
-  </p:clrMapOvr>
-  <p:timing>
-    <p:tnLst>
-      <p:par>
-        <p:cTn id="1" dur="indefinite" restart="never" nodeType="tmRoot"/>
-      </p:par>
-    </p:tnLst>
-  </p:timing>
-</p:sld>
-</file>
-
-<file path=ppt/slides/slide20.xml><?xml version="1.0" encoding="utf-8"?>
-<p:sld xmlns:a="http://schemas.openxmlformats.org/drawingml/2006/main" xmlns:r="http://schemas.openxmlformats.org/officeDocument/2006/relationships" xmlns:p="http://schemas.openxmlformats.org/presentationml/2006/main">
-  <p:cSld>
-    <p:spTree>
-      <p:nvGrpSpPr>
-        <p:cNvPr id="1" name=""/>
-        <p:cNvGrpSpPr/>
-        <p:nvPr/>
-      </p:nvGrpSpPr>
-      <p:grpSpPr>
-        <a:xfrm>
-          <a:off x="0" y="0"/>
-          <a:ext cx="0" cy="0"/>
-          <a:chOff x="0" y="0"/>
-          <a:chExt cx="0" cy="0"/>
-        </a:xfrm>
-      </p:grpSpPr>
-      <p:sp>
-        <p:nvSpPr>
-          <p:cNvPr id="2" name="Заглавие 1"/>
-          <p:cNvSpPr>
-            <a:spLocks noGrp="1"/>
-          </p:cNvSpPr>
-          <p:nvPr>
-            <p:ph type="title"/>
-          </p:nvPr>
-        </p:nvSpPr>
-        <p:spPr/>
-        <p:txBody>
-          <a:bodyPr/>
-          <a:lstStyle/>
-          <a:p>
-            <a:r>
-              <a:rPr lang="bg-BG" smtClean="0"/>
-              <a:t>Реализация - класове</a:t>
-            </a:r>
-            <a:endParaRPr lang="bg-BG"/>
-          </a:p>
-        </p:txBody>
-      </p:sp>
-      <p:sp>
-        <p:nvSpPr>
-          <p:cNvPr id="3" name="Контейнер за съдържание 2"/>
-          <p:cNvSpPr>
-            <a:spLocks noGrp="1"/>
-          </p:cNvSpPr>
-          <p:nvPr>
-            <p:ph sz="quarter" idx="1"/>
-          </p:nvPr>
-        </p:nvSpPr>
-        <p:spPr/>
-        <p:txBody>
-          <a:bodyPr>
-            <a:normAutofit/>
-          </a:bodyPr>
-          <a:lstStyle/>
-          <a:p>
-            <a:r>
-              <a:rPr lang="en-US" smtClean="0"/>
-              <a:t>Corpus</a:t>
-            </a:r>
-            <a:endParaRPr lang="bg-BG" smtClean="0"/>
-          </a:p>
-          <a:p>
-            <a:pPr lvl="1"/>
-            <a:r>
-              <a:rPr lang="bg-BG" smtClean="0"/>
-              <a:t>прочита документи и резюмета</a:t>
-            </a:r>
-          </a:p>
-          <a:p>
-            <a:pPr lvl="1"/>
-            <a:r>
-              <a:rPr lang="bg-BG" smtClean="0"/>
-              <a:t>запазва ги</a:t>
-            </a:r>
-          </a:p>
-          <a:p>
-            <a:pPr lvl="1"/>
-            <a:r>
-              <a:rPr lang="bg-BG" smtClean="0"/>
-              <a:t>дава </a:t>
-            </a:r>
-            <a:r>
-              <a:rPr lang="en-US" smtClean="0"/>
-              <a:t>ROUGE</a:t>
-            </a:r>
-            <a:r>
-              <a:rPr lang="bg-BG" smtClean="0"/>
-              <a:t> оценки</a:t>
-            </a:r>
-          </a:p>
-          <a:p>
-            <a:pPr lvl="1"/>
-            <a:r>
-              <a:rPr lang="bg-BG" smtClean="0"/>
-              <a:t>записва резултати на диска (или ги </a:t>
-            </a:r>
-            <a:r>
-              <a:rPr lang="en-US" smtClean="0"/>
-              <a:t>print</a:t>
-            </a:r>
-            <a:r>
-              <a:rPr lang="bg-BG" smtClean="0"/>
-              <a:t>-ва на конзолата)</a:t>
-            </a:r>
-            <a:endParaRPr lang="en-US" smtClean="0"/>
-          </a:p>
-          <a:p>
-            <a:r>
-              <a:rPr lang="en-US" smtClean="0"/>
-              <a:t>TextrankSummarizer </a:t>
-            </a:r>
-            <a:r>
-              <a:rPr lang="bg-BG" smtClean="0"/>
-              <a:t>– ползва </a:t>
-            </a:r>
-            <a:r>
-              <a:rPr lang="en-US" smtClean="0"/>
-              <a:t>PyTextRank</a:t>
-            </a:r>
-            <a:endParaRPr lang="bg-BG" smtClean="0"/>
-          </a:p>
-          <a:p>
-            <a:r>
-              <a:rPr lang="en-US" smtClean="0"/>
-              <a:t>LSASummarizer</a:t>
-            </a:r>
-            <a:r>
-              <a:rPr lang="bg-BG" smtClean="0"/>
-              <a:t> – ползва </a:t>
-            </a:r>
-            <a:r>
-              <a:rPr lang="en-US" smtClean="0"/>
-              <a:t>LSA </a:t>
-            </a:r>
-            <a:r>
-              <a:rPr lang="bg-BG" smtClean="0"/>
-              <a:t>от </a:t>
-            </a:r>
-            <a:r>
-              <a:rPr lang="en-US" smtClean="0"/>
-              <a:t>sumy</a:t>
-            </a:r>
-            <a:endParaRPr lang="bg-BG" smtClean="0"/>
-          </a:p>
-          <a:p>
-            <a:pPr lvl="1"/>
-            <a:r>
-              <a:rPr lang="bg-BG" smtClean="0"/>
-              <a:t>могат да обработят единствен текст (само резюмиране)</a:t>
-            </a:r>
-          </a:p>
-          <a:p>
-            <a:pPr lvl="1"/>
-            <a:r>
-              <a:rPr lang="bg-BG" smtClean="0"/>
-              <a:t>или цял корпус (резюмиране + </a:t>
-            </a:r>
-            <a:r>
-              <a:rPr lang="en-US" smtClean="0"/>
-              <a:t>ROUGE</a:t>
-            </a:r>
-            <a:r>
-              <a:rPr lang="bg-BG" smtClean="0"/>
-              <a:t> метрики + резултати =&gt; на конзолата или на диска)</a:t>
-            </a:r>
-          </a:p>
-        </p:txBody>
-      </p:sp>
-    </p:spTree>
-    <p:extLst>
-      <p:ext uri="{BB962C8B-B14F-4D97-AF65-F5344CB8AC3E}">
-        <p14:creationId xmlns:p14="http://schemas.microsoft.com/office/powerpoint/2010/main" val="2375841082"/>
-      </p:ext>
-    </p:extLst>
-  </p:cSld>
-  <p:clrMapOvr>
-    <a:masterClrMapping/>
-  </p:clrMapOvr>
-</p:sld>
-</file>
-
-<file path=ppt/slides/slide21.xml><?xml version="1.0" encoding="utf-8"?>
-<p:sld xmlns:a="http://schemas.openxmlformats.org/drawingml/2006/main" xmlns:r="http://schemas.openxmlformats.org/officeDocument/2006/relationships" xmlns:p="http://schemas.openxmlformats.org/presentationml/2006/main">
-  <p:cSld>
-    <p:spTree>
-      <p:nvGrpSpPr>
-        <p:cNvPr id="1" name=""/>
-        <p:cNvGrpSpPr/>
-        <p:nvPr/>
-      </p:nvGrpSpPr>
-      <p:grpSpPr>
-        <a:xfrm>
-          <a:off x="0" y="0"/>
-          <a:ext cx="0" cy="0"/>
-          <a:chOff x="0" y="0"/>
-          <a:chExt cx="0" cy="0"/>
-        </a:xfrm>
-      </p:grpSpPr>
-      <p:sp>
-        <p:nvSpPr>
-          <p:cNvPr id="2" name="Заглавие 1"/>
-          <p:cNvSpPr>
-            <a:spLocks noGrp="1"/>
-          </p:cNvSpPr>
-          <p:nvPr>
-            <p:ph type="title"/>
-          </p:nvPr>
-        </p:nvSpPr>
-        <p:spPr/>
-        <p:txBody>
-          <a:bodyPr/>
-          <a:lstStyle/>
-          <a:p>
-            <a:r>
-              <a:rPr lang="bg-BG" smtClean="0"/>
-              <a:t>Реализация – </a:t>
-            </a:r>
-            <a:r>
-              <a:rPr lang="en-US" smtClean="0"/>
-              <a:t>CLI</a:t>
-            </a:r>
-            <a:endParaRPr lang="bg-BG"/>
-          </a:p>
-        </p:txBody>
-      </p:sp>
-      <p:sp>
-        <p:nvSpPr>
-          <p:cNvPr id="3" name="Контейнер за съдържание 2"/>
-          <p:cNvSpPr>
-            <a:spLocks noGrp="1"/>
-          </p:cNvSpPr>
-          <p:nvPr>
-            <p:ph sz="quarter" idx="1"/>
-          </p:nvPr>
-        </p:nvSpPr>
-        <p:spPr/>
-        <p:txBody>
-          <a:bodyPr/>
-          <a:lstStyle/>
-          <a:p>
-            <a:r>
-              <a:rPr lang="bg-BG" smtClean="0"/>
-              <a:t>интерфейс чрез командед ред</a:t>
-            </a:r>
-          </a:p>
-          <a:p>
-            <a:pPr lvl="1"/>
-            <a:r>
-              <a:rPr lang="bg-BG" smtClean="0"/>
-              <a:t>чрез библиотека</a:t>
-            </a:r>
-            <a:r>
-              <a:rPr lang="en-US" smtClean="0"/>
-              <a:t> argparse</a:t>
-            </a:r>
-          </a:p>
-          <a:p>
-            <a:r>
-              <a:rPr lang="bg-BG" smtClean="0"/>
-              <a:t>опции за:</a:t>
-            </a:r>
-          </a:p>
-          <a:p>
-            <a:pPr lvl="1"/>
-            <a:r>
-              <a:rPr lang="bg-BG" smtClean="0"/>
-              <a:t>избор на корпус</a:t>
-            </a:r>
-          </a:p>
-          <a:p>
-            <a:pPr lvl="1"/>
-            <a:r>
-              <a:rPr lang="bg-BG" smtClean="0"/>
-              <a:t>избор на под-диапазон на корпуса (пълната обработка отнема време, в зависимост от алгоритъма)</a:t>
-            </a:r>
-          </a:p>
-          <a:p>
-            <a:pPr lvl="1"/>
-            <a:r>
-              <a:rPr lang="bg-BG" smtClean="0"/>
-              <a:t>избор на алгоритъм</a:t>
-            </a:r>
-          </a:p>
-          <a:p>
-            <a:pPr lvl="1"/>
-            <a:r>
-              <a:rPr lang="bg-BG" smtClean="0"/>
-              <a:t>размер на резюметата (в брой изречения)</a:t>
-            </a:r>
-          </a:p>
-          <a:p>
-            <a:pPr lvl="1"/>
-            <a:r>
-              <a:rPr lang="bg-BG" smtClean="0"/>
-              <a:t>дали резултатите да се запишат на диска, или само да се </a:t>
-            </a:r>
-            <a:r>
-              <a:rPr lang="en-US" smtClean="0"/>
-              <a:t>print</a:t>
-            </a:r>
-            <a:r>
-              <a:rPr lang="bg-BG" smtClean="0"/>
-              <a:t>-нат на конзолата</a:t>
-            </a:r>
-          </a:p>
-          <a:p>
-            <a:pPr lvl="1"/>
-            <a:endParaRPr lang="bg-BG" smtClean="0"/>
-          </a:p>
-        </p:txBody>
-      </p:sp>
-    </p:spTree>
-    <p:extLst>
-      <p:ext uri="{BB962C8B-B14F-4D97-AF65-F5344CB8AC3E}">
-        <p14:creationId xmlns:p14="http://schemas.microsoft.com/office/powerpoint/2010/main" val="1089455311"/>
-      </p:ext>
-    </p:extLst>
-  </p:cSld>
-  <p:clrMapOvr>
-    <a:masterClrMapping/>
-  </p:clrMapOvr>
-</p:sld>
-</file>
-
-<file path=ppt/slides/slide22.xml><?xml version="1.0" encoding="utf-8"?>
-<p:sld xmlns:a="http://schemas.openxmlformats.org/drawingml/2006/main" xmlns:r="http://schemas.openxmlformats.org/officeDocument/2006/relationships" xmlns:p="http://schemas.openxmlformats.org/presentationml/2006/main">
-  <p:cSld>
-    <p:spTree>
-      <p:nvGrpSpPr>
-        <p:cNvPr id="1" name=""/>
-        <p:cNvGrpSpPr/>
-        <p:nvPr/>
-      </p:nvGrpSpPr>
-      <p:grpSpPr>
-        <a:xfrm>
-          <a:off x="0" y="0"/>
-          <a:ext cx="0" cy="0"/>
-          <a:chOff x="0" y="0"/>
-          <a:chExt cx="0" cy="0"/>
-        </a:xfrm>
-      </p:grpSpPr>
-      <p:sp>
-        <p:nvSpPr>
-          <p:cNvPr id="2" name="Заглавие 1"/>
-          <p:cNvSpPr>
-            <a:spLocks noGrp="1"/>
-          </p:cNvSpPr>
-          <p:nvPr>
-            <p:ph type="title"/>
-          </p:nvPr>
-        </p:nvSpPr>
-        <p:spPr/>
-        <p:txBody>
-          <a:bodyPr/>
-          <a:lstStyle/>
-          <a:p>
-            <a:r>
-              <a:rPr lang="bg-BG" smtClean="0"/>
-              <a:t>Примерен текст (</a:t>
-            </a:r>
-            <a:r>
-              <a:rPr lang="en-US" smtClean="0"/>
-              <a:t>ot DUC</a:t>
-            </a:r>
-            <a:r>
-              <a:rPr lang="bg-BG" smtClean="0"/>
-              <a:t> корпуса)</a:t>
-            </a:r>
-            <a:endParaRPr lang="bg-BG"/>
-          </a:p>
-        </p:txBody>
-      </p:sp>
-      <p:sp>
-        <p:nvSpPr>
-          <p:cNvPr id="3" name="Контейнер за съдържание 2"/>
-          <p:cNvSpPr>
-            <a:spLocks noGrp="1"/>
-          </p:cNvSpPr>
-          <p:nvPr>
-            <p:ph sz="quarter" idx="1"/>
-          </p:nvPr>
-        </p:nvSpPr>
-        <p:spPr/>
-        <p:txBody>
-          <a:bodyPr>
-            <a:normAutofit fontScale="47500" lnSpcReduction="20000"/>
-          </a:bodyPr>
-          <a:lstStyle/>
+          <a:lstStyle>
+            <a:lvl1pPr marL="274320" indent="-274320" algn="l" rtl="0" eaLnBrk="1" latinLnBrk="0" hangingPunct="1">
+              <a:spcBef>
+                <a:spcPts val="600"/>
+              </a:spcBef>
+              <a:buClr>
+                <a:schemeClr val="accent1"/>
+              </a:buClr>
+              <a:buSzPct val="70000"/>
+              <a:buFont typeface="Wingdings"/>
+              <a:buChar char=""/>
+              <a:defRPr kumimoji="0" sz="2400" kern="1200">
+                <a:solidFill>
+                  <a:schemeClr val="tx1"/>
+                </a:solidFill>
+                <a:latin typeface="+mn-lt"/>
+                <a:ea typeface="+mn-ea"/>
+                <a:cs typeface="+mn-cs"/>
+              </a:defRPr>
+            </a:lvl1pPr>
+            <a:lvl2pPr marL="640080" indent="-274320" algn="l" rtl="0" eaLnBrk="1" latinLnBrk="0" hangingPunct="1">
+              <a:spcBef>
+                <a:spcPct val="20000"/>
+              </a:spcBef>
+              <a:buClr>
+                <a:schemeClr val="accent1"/>
+              </a:buClr>
+              <a:buSzPct val="80000"/>
+              <a:buFont typeface="Wingdings 2"/>
+              <a:buChar char=""/>
+              <a:defRPr kumimoji="0" sz="2100" kern="1200">
+                <a:solidFill>
+                  <a:schemeClr val="tx1"/>
+                </a:solidFill>
+                <a:latin typeface="+mn-lt"/>
+                <a:ea typeface="+mn-ea"/>
+                <a:cs typeface="+mn-cs"/>
+              </a:defRPr>
+            </a:lvl2pPr>
+            <a:lvl3pPr marL="914400" indent="-182880" algn="l" rtl="0" eaLnBrk="1" latinLnBrk="0" hangingPunct="1">
+              <a:spcBef>
+                <a:spcPct val="20000"/>
+              </a:spcBef>
+              <a:buClr>
+                <a:schemeClr val="accent1">
+                  <a:shade val="75000"/>
+                </a:schemeClr>
+              </a:buClr>
+              <a:buSzPct val="60000"/>
+              <a:buFont typeface="Wingdings"/>
+              <a:buChar char=""/>
+              <a:defRPr kumimoji="0" sz="1800" kern="1200">
+                <a:solidFill>
+                  <a:schemeClr val="tx1"/>
+                </a:solidFill>
+                <a:latin typeface="+mn-lt"/>
+                <a:ea typeface="+mn-ea"/>
+                <a:cs typeface="+mn-cs"/>
+              </a:defRPr>
+            </a:lvl3pPr>
+            <a:lvl4pPr marL="1188720" indent="-182880" algn="l" rtl="0" eaLnBrk="1" latinLnBrk="0" hangingPunct="1">
+              <a:spcBef>
+                <a:spcPct val="20000"/>
+              </a:spcBef>
+              <a:buClr>
+                <a:schemeClr val="accent1">
+                  <a:tint val="60000"/>
+                </a:schemeClr>
+              </a:buClr>
+              <a:buSzPct val="60000"/>
+              <a:buFont typeface="Wingdings"/>
+              <a:buChar char=""/>
+              <a:defRPr kumimoji="0" sz="1800" kern="1200">
+                <a:solidFill>
+                  <a:schemeClr val="tx1"/>
+                </a:solidFill>
+                <a:latin typeface="+mn-lt"/>
+                <a:ea typeface="+mn-ea"/>
+                <a:cs typeface="+mn-cs"/>
+              </a:defRPr>
+            </a:lvl4pPr>
+            <a:lvl5pPr marL="1463040" indent="-182880" algn="l" rtl="0" eaLnBrk="1" latinLnBrk="0" hangingPunct="1">
+              <a:spcBef>
+                <a:spcPct val="20000"/>
+              </a:spcBef>
+              <a:buClr>
+                <a:schemeClr val="accent2">
+                  <a:tint val="60000"/>
+                </a:schemeClr>
+              </a:buClr>
+              <a:buSzPct val="68000"/>
+              <a:buFont typeface="Wingdings 2"/>
+              <a:buChar char=""/>
+              <a:defRPr kumimoji="0" sz="1600" kern="1200">
+                <a:solidFill>
+                  <a:schemeClr val="tx1"/>
+                </a:solidFill>
+                <a:latin typeface="+mn-lt"/>
+                <a:ea typeface="+mn-ea"/>
+                <a:cs typeface="+mn-cs"/>
+              </a:defRPr>
+            </a:lvl5pPr>
+            <a:lvl6pPr marL="1737360" indent="-182880" algn="l" rtl="0" eaLnBrk="1" latinLnBrk="0" hangingPunct="1">
+              <a:spcBef>
+                <a:spcPct val="20000"/>
+              </a:spcBef>
+              <a:buClr>
+                <a:schemeClr val="accent1"/>
+              </a:buClr>
+              <a:buChar char="•"/>
+              <a:defRPr kumimoji="0" sz="1600" kern="1200">
+                <a:solidFill>
+                  <a:schemeClr val="tx2"/>
+                </a:solidFill>
+                <a:latin typeface="+mn-lt"/>
+                <a:ea typeface="+mn-ea"/>
+                <a:cs typeface="+mn-cs"/>
+              </a:defRPr>
+            </a:lvl6pPr>
+            <a:lvl7pPr marL="2011680" indent="-182880" algn="l" rtl="0" eaLnBrk="1" latinLnBrk="0" hangingPunct="1">
+              <a:spcBef>
+                <a:spcPct val="20000"/>
+              </a:spcBef>
+              <a:buClr>
+                <a:schemeClr val="accent1">
+                  <a:tint val="60000"/>
+                </a:schemeClr>
+              </a:buClr>
+              <a:buSzPct val="60000"/>
+              <a:buFont typeface="Wingdings"/>
+              <a:buChar char=""/>
+              <a:defRPr kumimoji="0" sz="1400" kern="1200" baseline="0">
+                <a:solidFill>
+                  <a:schemeClr val="tx2"/>
+                </a:solidFill>
+                <a:latin typeface="+mn-lt"/>
+                <a:ea typeface="+mn-ea"/>
+                <a:cs typeface="+mn-cs"/>
+              </a:defRPr>
+            </a:lvl7pPr>
+            <a:lvl8pPr marL="2286000" indent="-182880" algn="l" rtl="0" eaLnBrk="1" latinLnBrk="0" hangingPunct="1">
+              <a:spcBef>
+                <a:spcPct val="20000"/>
+              </a:spcBef>
+              <a:buClr>
+                <a:schemeClr val="accent2"/>
+              </a:buClr>
+              <a:buChar char="•"/>
+              <a:defRPr kumimoji="0" sz="1400" kern="1200" cap="small" baseline="0">
+                <a:solidFill>
+                  <a:schemeClr val="tx2"/>
+                </a:solidFill>
+                <a:latin typeface="+mn-lt"/>
+                <a:ea typeface="+mn-ea"/>
+                <a:cs typeface="+mn-cs"/>
+              </a:defRPr>
+            </a:lvl8pPr>
+            <a:lvl9pPr marL="2560320" indent="-182880" algn="l" rtl="0" eaLnBrk="1" latinLnBrk="0" hangingPunct="1">
+              <a:spcBef>
+                <a:spcPct val="20000"/>
+              </a:spcBef>
+              <a:buClr>
+                <a:schemeClr val="accent1">
+                  <a:shade val="75000"/>
+                </a:schemeClr>
+              </a:buClr>
+              <a:buChar char="•"/>
+              <a:defRPr kumimoji="0" sz="1400" kern="1200" baseline="0">
+                <a:solidFill>
+                  <a:schemeClr val="tx2"/>
+                </a:solidFill>
+                <a:latin typeface="+mn-lt"/>
+                <a:ea typeface="+mn-ea"/>
+                <a:cs typeface="+mn-cs"/>
+              </a:defRPr>
+            </a:lvl9pPr>
+          </a:lstStyle>
           <a:p>
             <a:pPr marL="0" indent="0">
               <a:buNone/>
             </a:pPr>
             <a:r>
               <a:rPr lang="en-US"/>
-              <a:t>MUNICH, Germany (AP) _ U.S. prosecutors have asked for a 20-day extension </a:t>
-            </a:r>
-          </a:p>
-          <a:p>
-            <a:pPr marL="0" indent="0">
-              <a:buNone/>
-            </a:pPr>
+              <a:t>MUNICH, Germany (AP) _ </a:t>
+            </a:r>
+            <a:r>
+              <a:rPr lang="en-US">
+                <a:solidFill>
+                  <a:srgbClr val="C00000"/>
+                </a:solidFill>
+              </a:rPr>
+              <a:t>U.S. prosecutors have asked for a 20-day extension to provide Germany with paperwork necessary to extradite a top lieutenant of Saudi terrorist suspect Osama bin Laden, officials said Saturday</a:t>
+            </a:r>
             <a:r>
               <a:rPr lang="en-US"/>
-              <a:t>to provide Germany with paperwork necessary to extradite a top lieutenant </a:t>
-            </a:r>
-          </a:p>
-          <a:p>
-            <a:pPr marL="0" indent="0">
-              <a:buNone/>
-            </a:pPr>
+              <a:t>. Mamdouh Mahmud Salim, 40, of Sudan, has been jailed since his arrest near Munich on Sept. 16 by Bavarian authorities acting on a U.S. warrant. </a:t>
+            </a:r>
+            <a:r>
+              <a:rPr lang="en-US">
+                <a:solidFill>
+                  <a:srgbClr val="C00000"/>
+                </a:solidFill>
+              </a:rPr>
+              <a:t>Under German law, U.S. officials have 40 days after the arrest to turn over supporting evidence so a German court can rule on their extradition request</a:t>
+            </a:r>
             <a:r>
               <a:rPr lang="en-US"/>
-              <a:t>of Saudi terrorist suspect Osama bin Laden, officials said Saturday. </a:t>
-            </a:r>
-          </a:p>
-          <a:p>
-            <a:pPr marL="0" indent="0">
-              <a:buNone/>
-            </a:pPr>
+              <a:t>. A Bavarian Justice Ministry spokesman, Gerhard Zierl, said U.S. authorities a few days ago asked the court hearing the case for an extra 20 days to provide the necessary material. </a:t>
+            </a:r>
+            <a:r>
+              <a:rPr lang="en-US">
+                <a:solidFill>
+                  <a:srgbClr val="00B050"/>
+                </a:solidFill>
+              </a:rPr>
+              <a:t>Quoting unidentified Bavarian law enforcement sources, Focus newsmagazine reported Saturday that the evidence turned over so far was not very strong</a:t>
+            </a:r>
             <a:r>
               <a:rPr lang="en-US"/>
-              <a:t>Mamdouh Mahmud Salim, 40, of Sudan, has been jailed since his arrest </a:t>
-            </a:r>
-          </a:p>
-          <a:p>
-            <a:pPr marL="0" indent="0">
-              <a:buNone/>
-            </a:pPr>
+              <a:t>. </a:t>
+            </a:r>
+            <a:r>
+              <a:rPr lang="en-US">
+                <a:solidFill>
+                  <a:srgbClr val="00B050"/>
+                </a:solidFill>
+              </a:rPr>
+              <a:t>The magazine said much of it was based on the testimony of an FBI informant, a former bin Laden associate, who made only vague connections between Salim and terrorist activities</a:t>
+            </a:r>
             <a:r>
               <a:rPr lang="en-US"/>
-              <a:t>near Munich on Sept. 16 by Bavarian authorities acting on a U.S. warrant. </a:t>
-            </a:r>
-          </a:p>
-          <a:p>
-            <a:pPr marL="0" indent="0">
-              <a:buNone/>
-            </a:pPr>
+              <a:t>. Zierl declined to comment on the report, but said U.S. authorities probably asked for more time just a precautionary measure. </a:t>
+            </a:r>
+            <a:r>
+              <a:rPr lang="en-US">
+                <a:solidFill>
+                  <a:srgbClr val="C19B0F"/>
+                </a:solidFill>
+              </a:rPr>
+              <a:t>U.S. authorities charge Salim helped finance, train and arm members of a terrorist organization, including the alleged bombers of the U.S. embassies in Kenya and Tanzania</a:t>
+            </a:r>
             <a:r>
               <a:rPr lang="en-US"/>
-              <a:t>Under German law, U.S. officials have 40 days after the arrest to </a:t>
-            </a:r>
-          </a:p>
-          <a:p>
-            <a:pPr marL="0" indent="0">
-              <a:buNone/>
-            </a:pPr>
+              <a:t>. A criminal complaint unsealed Sept. 25 in U.S. District Court in New York charges him with murder conspiracy and use of weapons of mass </a:t>
+            </a:r>
             <a:r>
               <a:rPr lang="en-US"/>
-              <a:t>turn over supporting evidence so a German court can rule on their </a:t>
-            </a:r>
-          </a:p>
-          <a:p>
-            <a:pPr marL="0" indent="0">
-              <a:buNone/>
-            </a:pPr>
+              <a:t>destruction</a:t>
+            </a:r>
+            <a:r>
+              <a:rPr lang="en-US" smtClean="0"/>
+              <a:t>.</a:t>
+            </a:r>
+            <a:endParaRPr lang="bg-BG"/>
+          </a:p>
+        </p:txBody>
+      </p:sp>
+      <p:sp>
+        <p:nvSpPr>
+          <p:cNvPr id="7" name="Контейнер за съдържание 2"/>
+          <p:cNvSpPr txBox="1">
+            <a:spLocks/>
+          </p:cNvSpPr>
+          <p:nvPr/>
+        </p:nvSpPr>
+        <p:spPr>
+          <a:xfrm>
+            <a:off x="6390928" y="764704"/>
+            <a:ext cx="2026568" cy="5904656"/>
+          </a:xfrm>
+          <a:prstGeom prst="rect">
+            <a:avLst/>
+          </a:prstGeom>
+        </p:spPr>
+        <p:txBody>
+          <a:bodyPr vert="horz">
+            <a:normAutofit fontScale="55000" lnSpcReduction="20000"/>
+          </a:bodyPr>
+          <a:lstStyle>
+            <a:lvl1pPr marL="274320" indent="-274320" algn="l" rtl="0" eaLnBrk="1" latinLnBrk="0" hangingPunct="1">
+              <a:spcBef>
+                <a:spcPts val="600"/>
+              </a:spcBef>
+              <a:buClr>
+                <a:schemeClr val="accent1"/>
+              </a:buClr>
+              <a:buSzPct val="70000"/>
+              <a:buFont typeface="Wingdings"/>
+              <a:buChar char=""/>
+              <a:defRPr kumimoji="0" sz="2400" kern="1200">
+                <a:solidFill>
+                  <a:schemeClr val="tx1"/>
+                </a:solidFill>
+                <a:latin typeface="+mn-lt"/>
+                <a:ea typeface="+mn-ea"/>
+                <a:cs typeface="+mn-cs"/>
+              </a:defRPr>
+            </a:lvl1pPr>
+            <a:lvl2pPr marL="640080" indent="-274320" algn="l" rtl="0" eaLnBrk="1" latinLnBrk="0" hangingPunct="1">
+              <a:spcBef>
+                <a:spcPct val="20000"/>
+              </a:spcBef>
+              <a:buClr>
+                <a:schemeClr val="accent1"/>
+              </a:buClr>
+              <a:buSzPct val="80000"/>
+              <a:buFont typeface="Wingdings 2"/>
+              <a:buChar char=""/>
+              <a:defRPr kumimoji="0" sz="2100" kern="1200">
+                <a:solidFill>
+                  <a:schemeClr val="tx1"/>
+                </a:solidFill>
+                <a:latin typeface="+mn-lt"/>
+                <a:ea typeface="+mn-ea"/>
+                <a:cs typeface="+mn-cs"/>
+              </a:defRPr>
+            </a:lvl2pPr>
+            <a:lvl3pPr marL="914400" indent="-182880" algn="l" rtl="0" eaLnBrk="1" latinLnBrk="0" hangingPunct="1">
+              <a:spcBef>
+                <a:spcPct val="20000"/>
+              </a:spcBef>
+              <a:buClr>
+                <a:schemeClr val="accent1">
+                  <a:shade val="75000"/>
+                </a:schemeClr>
+              </a:buClr>
+              <a:buSzPct val="60000"/>
+              <a:buFont typeface="Wingdings"/>
+              <a:buChar char=""/>
+              <a:defRPr kumimoji="0" sz="1800" kern="1200">
+                <a:solidFill>
+                  <a:schemeClr val="tx1"/>
+                </a:solidFill>
+                <a:latin typeface="+mn-lt"/>
+                <a:ea typeface="+mn-ea"/>
+                <a:cs typeface="+mn-cs"/>
+              </a:defRPr>
+            </a:lvl3pPr>
+            <a:lvl4pPr marL="1188720" indent="-182880" algn="l" rtl="0" eaLnBrk="1" latinLnBrk="0" hangingPunct="1">
+              <a:spcBef>
+                <a:spcPct val="20000"/>
+              </a:spcBef>
+              <a:buClr>
+                <a:schemeClr val="accent1">
+                  <a:tint val="60000"/>
+                </a:schemeClr>
+              </a:buClr>
+              <a:buSzPct val="60000"/>
+              <a:buFont typeface="Wingdings"/>
+              <a:buChar char=""/>
+              <a:defRPr kumimoji="0" sz="1800" kern="1200">
+                <a:solidFill>
+                  <a:schemeClr val="tx1"/>
+                </a:solidFill>
+                <a:latin typeface="+mn-lt"/>
+                <a:ea typeface="+mn-ea"/>
+                <a:cs typeface="+mn-cs"/>
+              </a:defRPr>
+            </a:lvl4pPr>
+            <a:lvl5pPr marL="1463040" indent="-182880" algn="l" rtl="0" eaLnBrk="1" latinLnBrk="0" hangingPunct="1">
+              <a:spcBef>
+                <a:spcPct val="20000"/>
+              </a:spcBef>
+              <a:buClr>
+                <a:schemeClr val="accent2">
+                  <a:tint val="60000"/>
+                </a:schemeClr>
+              </a:buClr>
+              <a:buSzPct val="68000"/>
+              <a:buFont typeface="Wingdings 2"/>
+              <a:buChar char=""/>
+              <a:defRPr kumimoji="0" sz="1600" kern="1200">
+                <a:solidFill>
+                  <a:schemeClr val="tx1"/>
+                </a:solidFill>
+                <a:latin typeface="+mn-lt"/>
+                <a:ea typeface="+mn-ea"/>
+                <a:cs typeface="+mn-cs"/>
+              </a:defRPr>
+            </a:lvl5pPr>
+            <a:lvl6pPr marL="1737360" indent="-182880" algn="l" rtl="0" eaLnBrk="1" latinLnBrk="0" hangingPunct="1">
+              <a:spcBef>
+                <a:spcPct val="20000"/>
+              </a:spcBef>
+              <a:buClr>
+                <a:schemeClr val="accent1"/>
+              </a:buClr>
+              <a:buChar char="•"/>
+              <a:defRPr kumimoji="0" sz="1600" kern="1200">
+                <a:solidFill>
+                  <a:schemeClr val="tx2"/>
+                </a:solidFill>
+                <a:latin typeface="+mn-lt"/>
+                <a:ea typeface="+mn-ea"/>
+                <a:cs typeface="+mn-cs"/>
+              </a:defRPr>
+            </a:lvl6pPr>
+            <a:lvl7pPr marL="2011680" indent="-182880" algn="l" rtl="0" eaLnBrk="1" latinLnBrk="0" hangingPunct="1">
+              <a:spcBef>
+                <a:spcPct val="20000"/>
+              </a:spcBef>
+              <a:buClr>
+                <a:schemeClr val="accent1">
+                  <a:tint val="60000"/>
+                </a:schemeClr>
+              </a:buClr>
+              <a:buSzPct val="60000"/>
+              <a:buFont typeface="Wingdings"/>
+              <a:buChar char=""/>
+              <a:defRPr kumimoji="0" sz="1400" kern="1200" baseline="0">
+                <a:solidFill>
+                  <a:schemeClr val="tx2"/>
+                </a:solidFill>
+                <a:latin typeface="+mn-lt"/>
+                <a:ea typeface="+mn-ea"/>
+                <a:cs typeface="+mn-cs"/>
+              </a:defRPr>
+            </a:lvl7pPr>
+            <a:lvl8pPr marL="2286000" indent="-182880" algn="l" rtl="0" eaLnBrk="1" latinLnBrk="0" hangingPunct="1">
+              <a:spcBef>
+                <a:spcPct val="20000"/>
+              </a:spcBef>
+              <a:buClr>
+                <a:schemeClr val="accent2"/>
+              </a:buClr>
+              <a:buChar char="•"/>
+              <a:defRPr kumimoji="0" sz="1400" kern="1200" cap="small" baseline="0">
+                <a:solidFill>
+                  <a:schemeClr val="tx2"/>
+                </a:solidFill>
+                <a:latin typeface="+mn-lt"/>
+                <a:ea typeface="+mn-ea"/>
+                <a:cs typeface="+mn-cs"/>
+              </a:defRPr>
+            </a:lvl8pPr>
+            <a:lvl9pPr marL="2560320" indent="-182880" algn="l" rtl="0" eaLnBrk="1" latinLnBrk="0" hangingPunct="1">
+              <a:spcBef>
+                <a:spcPct val="20000"/>
+              </a:spcBef>
+              <a:buClr>
+                <a:schemeClr val="accent1">
+                  <a:shade val="75000"/>
+                </a:schemeClr>
+              </a:buClr>
+              <a:buChar char="•"/>
+              <a:defRPr kumimoji="0" sz="1400" kern="1200" baseline="0">
+                <a:solidFill>
+                  <a:schemeClr val="tx2"/>
+                </a:solidFill>
+                <a:latin typeface="+mn-lt"/>
+                <a:ea typeface="+mn-ea"/>
+                <a:cs typeface="+mn-cs"/>
+              </a:defRPr>
+            </a:lvl9pPr>
+          </a:lstStyle>
+          <a:p>
+            <a:pPr lvl="1"/>
+            <a:r>
+              <a:rPr lang="en-US" smtClean="0">
+                <a:solidFill>
+                  <a:srgbClr val="00B050"/>
+                </a:solidFill>
+              </a:rPr>
+              <a:t>LSA</a:t>
+            </a:r>
+          </a:p>
+          <a:p>
             <a:r>
               <a:rPr lang="en-US"/>
-              <a:t>extradition request. A Bavarian Justice Ministry spokesman, Gerhard </a:t>
-            </a:r>
-          </a:p>
-          <a:p>
-            <a:pPr marL="0" indent="0">
-              <a:buNone/>
-            </a:pPr>
+              <a:t>Quoting unidentified Bavarian law enforcement sources, Focus newsmagazine reported Saturday that the evidence turned over so far was not very strong.</a:t>
+            </a:r>
+          </a:p>
+          <a:p>
             <a:r>
               <a:rPr lang="en-US"/>
-              <a:t>Zierl, said U.S. authorities a few days ago asked the court hearing </a:t>
-            </a:r>
-          </a:p>
-          <a:p>
-            <a:pPr marL="0" indent="0">
-              <a:buNone/>
-            </a:pPr>
+              <a:t>The magazine said much of it was based on the testimony of an FBI informant, a former bin Laden associate, who made only vague connections between Salim and terrorist activities.</a:t>
+            </a:r>
+          </a:p>
+          <a:p>
             <a:r>
               <a:rPr lang="en-US"/>
-              <a:t>the case for an extra 20 days to provide the necessary material. Quoting </a:t>
-            </a:r>
-          </a:p>
-          <a:p>
-            <a:pPr marL="0" indent="0">
-              <a:buNone/>
-            </a:pPr>
-            <a:r>
-              <a:rPr lang="en-US"/>
-              <a:t>unidentified Bavarian law enforcement sources, Focus newsmagazine </a:t>
-            </a:r>
-          </a:p>
-          <a:p>
-            <a:pPr marL="0" indent="0">
-              <a:buNone/>
-            </a:pPr>
-            <a:r>
-              <a:rPr lang="en-US"/>
-              <a:t>reported Saturday that the evidence turned over so far was not very </a:t>
-            </a:r>
-          </a:p>
-          <a:p>
-            <a:pPr marL="0" indent="0">
-              <a:buNone/>
-            </a:pPr>
-            <a:r>
-              <a:rPr lang="en-US"/>
-              <a:t>strong. The magazine said much of it was based on the testimony of </a:t>
-            </a:r>
-          </a:p>
-          <a:p>
-            <a:pPr marL="0" indent="0">
-              <a:buNone/>
-            </a:pPr>
-            <a:r>
-              <a:rPr lang="en-US"/>
-              <a:t>an FBI informant, a former bin Laden associate, who made only vague </a:t>
-            </a:r>
-          </a:p>
-          <a:p>
-            <a:pPr marL="0" indent="0">
-              <a:buNone/>
-            </a:pPr>
-            <a:r>
-              <a:rPr lang="en-US"/>
-              <a:t>connections between Salim and terrorist activities. Zierl declined </a:t>
-            </a:r>
-          </a:p>
-          <a:p>
-            <a:pPr marL="0" indent="0">
-              <a:buNone/>
-            </a:pPr>
-            <a:r>
-              <a:rPr lang="en-US"/>
-              <a:t>to comment on the report, but said U.S. authorities probably asked </a:t>
-            </a:r>
-          </a:p>
-          <a:p>
-            <a:pPr marL="0" indent="0">
-              <a:buNone/>
-            </a:pPr>
-            <a:r>
-              <a:rPr lang="en-US"/>
-              <a:t>for more time just a precautionary measure. U.S. authorities charge </a:t>
-            </a:r>
-          </a:p>
-          <a:p>
-            <a:pPr marL="0" indent="0">
-              <a:buNone/>
-            </a:pPr>
-            <a:r>
-              <a:rPr lang="en-US"/>
-              <a:t>Salim helped finance, train and arm members of a terrorist organization, </a:t>
-            </a:r>
-          </a:p>
-          <a:p>
-            <a:pPr marL="0" indent="0">
-              <a:buNone/>
-            </a:pPr>
-            <a:r>
-              <a:rPr lang="en-US"/>
-              <a:t>including the alleged bombers of the U.S. embassies in Kenya and Tanzania. </a:t>
-            </a:r>
-          </a:p>
-          <a:p>
-            <a:pPr marL="0" indent="0">
-              <a:buNone/>
-            </a:pPr>
-            <a:r>
-              <a:rPr lang="en-US"/>
-              <a:t>A criminal complaint unsealed Sept. 25 in U.S. District Court in New </a:t>
-            </a:r>
-          </a:p>
-          <a:p>
-            <a:pPr marL="0" indent="0">
-              <a:buNone/>
-            </a:pPr>
-            <a:r>
-              <a:rPr lang="en-US"/>
-              <a:t>York charges him with murder conspiracy and use of weapons of mass </a:t>
-            </a:r>
-          </a:p>
-          <a:p>
-            <a:pPr marL="0" indent="0">
-              <a:buNone/>
-            </a:pPr>
-            <a:r>
-              <a:rPr lang="en-US"/>
-              <a:t>destruction.</a:t>
+              <a:t>U.S. authorities charge Salim helped finance, train and arm members of a terrorist organization, including the alleged bombers of the U.S. embassies in Kenya and Tanzania.</a:t>
             </a:r>
             <a:endParaRPr lang="bg-BG"/>
+          </a:p>
+          <a:p>
+            <a:endParaRPr lang="en-US" smtClean="0"/>
           </a:p>
         </p:txBody>
       </p:sp>
@@ -8810,556 +7108,7 @@
 </p:sld>
 </file>
 
-<file path=ppt/slides/slide23.xml><?xml version="1.0" encoding="utf-8"?>
-<p:sld xmlns:a="http://schemas.openxmlformats.org/drawingml/2006/main" xmlns:r="http://schemas.openxmlformats.org/officeDocument/2006/relationships" xmlns:p="http://schemas.openxmlformats.org/presentationml/2006/main">
-  <p:cSld>
-    <p:spTree>
-      <p:nvGrpSpPr>
-        <p:cNvPr id="1" name=""/>
-        <p:cNvGrpSpPr/>
-        <p:nvPr/>
-      </p:nvGrpSpPr>
-      <p:grpSpPr>
-        <a:xfrm>
-          <a:off x="0" y="0"/>
-          <a:ext cx="0" cy="0"/>
-          <a:chOff x="0" y="0"/>
-          <a:chExt cx="0" cy="0"/>
-        </a:xfrm>
-      </p:grpSpPr>
-      <p:sp>
-        <p:nvSpPr>
-          <p:cNvPr id="2" name="Заглавие 1"/>
-          <p:cNvSpPr>
-            <a:spLocks noGrp="1"/>
-          </p:cNvSpPr>
-          <p:nvPr>
-            <p:ph type="title"/>
-          </p:nvPr>
-        </p:nvSpPr>
-        <p:spPr/>
-        <p:txBody>
-          <a:bodyPr/>
-          <a:lstStyle/>
-          <a:p>
-            <a:r>
-              <a:rPr lang="en-US" smtClean="0"/>
-              <a:t>TextRank</a:t>
-            </a:r>
-            <a:r>
-              <a:rPr lang="bg-BG" smtClean="0"/>
-              <a:t> резюме с 3 изречения</a:t>
-            </a:r>
-            <a:endParaRPr lang="bg-BG"/>
-          </a:p>
-        </p:txBody>
-      </p:sp>
-      <p:sp>
-        <p:nvSpPr>
-          <p:cNvPr id="3" name="Контейнер за съдържание 2"/>
-          <p:cNvSpPr>
-            <a:spLocks noGrp="1"/>
-          </p:cNvSpPr>
-          <p:nvPr>
-            <p:ph sz="quarter" idx="1"/>
-          </p:nvPr>
-        </p:nvSpPr>
-        <p:spPr/>
-        <p:txBody>
-          <a:bodyPr>
-            <a:normAutofit lnSpcReduction="10000"/>
-          </a:bodyPr>
-          <a:lstStyle/>
-          <a:p>
-            <a:r>
-              <a:rPr lang="en-US"/>
-              <a:t>U.S. prosecutors have asked for a 20-day </a:t>
-            </a:r>
-            <a:r>
-              <a:rPr lang="en-US"/>
-              <a:t>extension </a:t>
-            </a:r>
-            <a:r>
-              <a:rPr lang="en-US" smtClean="0"/>
-              <a:t>to </a:t>
-            </a:r>
-            <a:r>
-              <a:rPr lang="en-US"/>
-              <a:t>provide Germany with paperwork necessary to extradite a top </a:t>
-            </a:r>
-            <a:r>
-              <a:rPr lang="en-US"/>
-              <a:t>lieutenant </a:t>
-            </a:r>
-            <a:r>
-              <a:rPr lang="en-US" smtClean="0"/>
-              <a:t>of </a:t>
-            </a:r>
-            <a:r>
-              <a:rPr lang="en-US"/>
-              <a:t>Saudi terrorist suspect Osama bin Laden, officials said Saturday.</a:t>
-            </a:r>
-          </a:p>
-          <a:p>
-            <a:r>
-              <a:rPr lang="en-US" smtClean="0"/>
-              <a:t>Under </a:t>
-            </a:r>
-            <a:r>
-              <a:rPr lang="en-US"/>
-              <a:t>German law, U.S. officials have 40 days after the arrest </a:t>
-            </a:r>
-            <a:r>
-              <a:rPr lang="en-US"/>
-              <a:t>to </a:t>
-            </a:r>
-            <a:r>
-              <a:rPr lang="en-US" smtClean="0"/>
-              <a:t>turn </a:t>
-            </a:r>
-            <a:r>
-              <a:rPr lang="en-US"/>
-              <a:t>over supporting evidence so a German court can rule on </a:t>
-            </a:r>
-            <a:r>
-              <a:rPr lang="en-US"/>
-              <a:t>their </a:t>
-            </a:r>
-            <a:r>
-              <a:rPr lang="en-US" smtClean="0"/>
-              <a:t>extradition request</a:t>
-            </a:r>
-            <a:r>
-              <a:rPr lang="bg-BG" smtClean="0"/>
-              <a:t>.</a:t>
-            </a:r>
-          </a:p>
-          <a:p>
-            <a:r>
-              <a:rPr lang="en-US" smtClean="0"/>
-              <a:t>U.S</a:t>
-            </a:r>
-            <a:r>
-              <a:rPr lang="en-US"/>
-              <a:t>. authorities </a:t>
-            </a:r>
-            <a:r>
-              <a:rPr lang="en-US"/>
-              <a:t>charge </a:t>
-            </a:r>
-            <a:r>
-              <a:rPr lang="en-US" smtClean="0"/>
-              <a:t>Salim </a:t>
-            </a:r>
-            <a:r>
-              <a:rPr lang="en-US"/>
-              <a:t>helped finance, train and arm members of a terrorist </a:t>
-            </a:r>
-            <a:r>
-              <a:rPr lang="en-US"/>
-              <a:t>organization</a:t>
-            </a:r>
-            <a:r>
-              <a:rPr lang="en-US" smtClean="0"/>
-              <a:t>,</a:t>
-            </a:r>
-            <a:r>
-              <a:rPr lang="bg-BG" smtClean="0"/>
-              <a:t> </a:t>
-            </a:r>
-            <a:r>
-              <a:rPr lang="en-US" smtClean="0"/>
-              <a:t> including </a:t>
-            </a:r>
-            <a:r>
-              <a:rPr lang="en-US"/>
-              <a:t>the alleged bombers of the U.S. embassies in Kenya and Tanzania.</a:t>
-            </a:r>
-            <a:endParaRPr lang="bg-BG"/>
-          </a:p>
-        </p:txBody>
-      </p:sp>
-    </p:spTree>
-    <p:extLst>
-      <p:ext uri="{BB962C8B-B14F-4D97-AF65-F5344CB8AC3E}">
-        <p14:creationId xmlns:p14="http://schemas.microsoft.com/office/powerpoint/2010/main" val="1101932206"/>
-      </p:ext>
-    </p:extLst>
-  </p:cSld>
-  <p:clrMapOvr>
-    <a:masterClrMapping/>
-  </p:clrMapOvr>
-</p:sld>
-</file>
-
-<file path=ppt/slides/slide24.xml><?xml version="1.0" encoding="utf-8"?>
-<p:sld xmlns:a="http://schemas.openxmlformats.org/drawingml/2006/main" xmlns:r="http://schemas.openxmlformats.org/officeDocument/2006/relationships" xmlns:p="http://schemas.openxmlformats.org/presentationml/2006/main">
-  <p:cSld>
-    <p:spTree>
-      <p:nvGrpSpPr>
-        <p:cNvPr id="1" name=""/>
-        <p:cNvGrpSpPr/>
-        <p:nvPr/>
-      </p:nvGrpSpPr>
-      <p:grpSpPr>
-        <a:xfrm>
-          <a:off x="0" y="0"/>
-          <a:ext cx="0" cy="0"/>
-          <a:chOff x="0" y="0"/>
-          <a:chExt cx="0" cy="0"/>
-        </a:xfrm>
-      </p:grpSpPr>
-      <p:sp>
-        <p:nvSpPr>
-          <p:cNvPr id="2" name="Заглавие 1"/>
-          <p:cNvSpPr>
-            <a:spLocks noGrp="1"/>
-          </p:cNvSpPr>
-          <p:nvPr>
-            <p:ph type="title"/>
-          </p:nvPr>
-        </p:nvSpPr>
-        <p:spPr/>
-        <p:txBody>
-          <a:bodyPr/>
-          <a:lstStyle/>
-          <a:p>
-            <a:r>
-              <a:rPr lang="en-US"/>
-              <a:t>TextRank</a:t>
-            </a:r>
-            <a:r>
-              <a:rPr lang="bg-BG"/>
-              <a:t> резюме </a:t>
-            </a:r>
-            <a:r>
-              <a:rPr lang="bg-BG"/>
-              <a:t>с </a:t>
-            </a:r>
-            <a:r>
-              <a:rPr lang="bg-BG" smtClean="0"/>
-              <a:t>5 </a:t>
-            </a:r>
-            <a:r>
-              <a:rPr lang="bg-BG"/>
-              <a:t>изречения</a:t>
-            </a:r>
-          </a:p>
-        </p:txBody>
-      </p:sp>
-      <p:sp>
-        <p:nvSpPr>
-          <p:cNvPr id="3" name="Контейнер за съдържание 2"/>
-          <p:cNvSpPr>
-            <a:spLocks noGrp="1"/>
-          </p:cNvSpPr>
-          <p:nvPr>
-            <p:ph sz="quarter" idx="1"/>
-          </p:nvPr>
-        </p:nvSpPr>
-        <p:spPr/>
-        <p:txBody>
-          <a:bodyPr>
-            <a:normAutofit fontScale="85000" lnSpcReduction="20000"/>
-          </a:bodyPr>
-          <a:lstStyle/>
-          <a:p>
-            <a:r>
-              <a:rPr lang="en-US"/>
-              <a:t>U.S. prosecutors have asked for a 20-day </a:t>
-            </a:r>
-            <a:r>
-              <a:rPr lang="en-US"/>
-              <a:t>extension </a:t>
-            </a:r>
-            <a:r>
-              <a:rPr lang="en-US" smtClean="0"/>
-              <a:t>to </a:t>
-            </a:r>
-            <a:r>
-              <a:rPr lang="en-US"/>
-              <a:t>provide Germany with paperwork necessary to extradite a top </a:t>
-            </a:r>
-            <a:r>
-              <a:rPr lang="en-US"/>
-              <a:t>lieutenant </a:t>
-            </a:r>
-            <a:r>
-              <a:rPr lang="en-US" smtClean="0"/>
-              <a:t>of </a:t>
-            </a:r>
-            <a:r>
-              <a:rPr lang="en-US"/>
-              <a:t>Saudi terrorist suspect Osama bin Laden, officials said Saturday.</a:t>
-            </a:r>
-          </a:p>
-          <a:p>
-            <a:r>
-              <a:rPr lang="en-US"/>
-              <a:t>Under German law, U.S. officials have 40 days after the arrest </a:t>
-            </a:r>
-            <a:r>
-              <a:rPr lang="en-US"/>
-              <a:t>to </a:t>
-            </a:r>
-            <a:r>
-              <a:rPr lang="en-US" smtClean="0"/>
-              <a:t>turn </a:t>
-            </a:r>
-            <a:r>
-              <a:rPr lang="en-US"/>
-              <a:t>over supporting evidence so a German court can rule on </a:t>
-            </a:r>
-            <a:r>
-              <a:rPr lang="en-US"/>
-              <a:t>their </a:t>
-            </a:r>
-            <a:r>
-              <a:rPr lang="en-US" smtClean="0"/>
-              <a:t>extradition request</a:t>
-            </a:r>
-            <a:r>
-              <a:rPr lang="bg-BG" smtClean="0"/>
-              <a:t>.</a:t>
-            </a:r>
-          </a:p>
-          <a:p>
-            <a:r>
-              <a:rPr lang="en-US" smtClean="0"/>
-              <a:t>U.S</a:t>
-            </a:r>
-            <a:r>
-              <a:rPr lang="en-US"/>
-              <a:t>. authorities </a:t>
-            </a:r>
-            <a:r>
-              <a:rPr lang="en-US"/>
-              <a:t>charge </a:t>
-            </a:r>
-            <a:r>
-              <a:rPr lang="en-US" smtClean="0"/>
-              <a:t>Salim </a:t>
-            </a:r>
-            <a:r>
-              <a:rPr lang="en-US"/>
-              <a:t>helped finance, train and arm members of a terrorist organization</a:t>
-            </a:r>
-            <a:r>
-              <a:rPr lang="en-US"/>
-              <a:t>, </a:t>
-            </a:r>
-            <a:r>
-              <a:rPr lang="en-US" smtClean="0"/>
-              <a:t>including </a:t>
-            </a:r>
-            <a:r>
-              <a:rPr lang="en-US"/>
-              <a:t>the alleged bombers of the U.S. embassies in Kenya and </a:t>
-            </a:r>
-            <a:r>
-              <a:rPr lang="en-US"/>
-              <a:t>Tanzania</a:t>
-            </a:r>
-            <a:r>
-              <a:rPr lang="en-US" smtClean="0"/>
-              <a:t>.</a:t>
-            </a:r>
-            <a:endParaRPr lang="bg-BG" smtClean="0"/>
-          </a:p>
-          <a:p>
-            <a:r>
-              <a:rPr lang="en-US" smtClean="0"/>
-              <a:t>A </a:t>
-            </a:r>
-            <a:r>
-              <a:rPr lang="en-US"/>
-              <a:t>Bavarian Justice Ministry spokesman</a:t>
-            </a:r>
-            <a:r>
-              <a:rPr lang="en-US"/>
-              <a:t>, </a:t>
-            </a:r>
-            <a:r>
-              <a:rPr lang="en-US" smtClean="0"/>
-              <a:t>Gerhard</a:t>
-            </a:r>
-            <a:r>
-              <a:rPr lang="bg-BG" smtClean="0"/>
-              <a:t> </a:t>
-            </a:r>
-            <a:r>
-              <a:rPr lang="en-US" smtClean="0"/>
-              <a:t>Zierl</a:t>
-            </a:r>
-            <a:r>
-              <a:rPr lang="en-US"/>
-              <a:t>, said U.S. authorities a few days ago asked the court </a:t>
-            </a:r>
-            <a:r>
-              <a:rPr lang="en-US"/>
-              <a:t>hearing </a:t>
-            </a:r>
-            <a:r>
-              <a:rPr lang="en-US" smtClean="0"/>
-              <a:t>the </a:t>
-            </a:r>
-            <a:r>
-              <a:rPr lang="en-US"/>
-              <a:t>case for an extra 20 days to provide the necessary </a:t>
-            </a:r>
-            <a:r>
-              <a:rPr lang="en-US"/>
-              <a:t>material</a:t>
-            </a:r>
-            <a:r>
-              <a:rPr lang="en-US" smtClean="0"/>
-              <a:t>.</a:t>
-            </a:r>
-            <a:endParaRPr lang="bg-BG" smtClean="0"/>
-          </a:p>
-          <a:p>
-            <a:r>
-              <a:rPr lang="en-US" smtClean="0"/>
-              <a:t>Zierl </a:t>
-            </a:r>
-            <a:r>
-              <a:rPr lang="en-US"/>
-              <a:t>declined </a:t>
-            </a:r>
-            <a:r>
-              <a:rPr lang="en-US" smtClean="0"/>
-              <a:t>to </a:t>
-            </a:r>
-            <a:r>
-              <a:rPr lang="en-US"/>
-              <a:t>comment on the report, but said U.S. authorities probably </a:t>
-            </a:r>
-            <a:r>
-              <a:rPr lang="en-US"/>
-              <a:t>asked </a:t>
-            </a:r>
-            <a:r>
-              <a:rPr lang="en-US" smtClean="0"/>
-              <a:t>for </a:t>
-            </a:r>
-            <a:r>
-              <a:rPr lang="en-US"/>
-              <a:t>more time just a precautionary measure.</a:t>
-            </a:r>
-            <a:endParaRPr lang="bg-BG"/>
-          </a:p>
-        </p:txBody>
-      </p:sp>
-    </p:spTree>
-    <p:extLst>
-      <p:ext uri="{BB962C8B-B14F-4D97-AF65-F5344CB8AC3E}">
-        <p14:creationId xmlns:p14="http://schemas.microsoft.com/office/powerpoint/2010/main" val="3026885347"/>
-      </p:ext>
-    </p:extLst>
-  </p:cSld>
-  <p:clrMapOvr>
-    <a:masterClrMapping/>
-  </p:clrMapOvr>
-</p:sld>
-</file>
-
-<file path=ppt/slides/slide25.xml><?xml version="1.0" encoding="utf-8"?>
-<p:sld xmlns:a="http://schemas.openxmlformats.org/drawingml/2006/main" xmlns:r="http://schemas.openxmlformats.org/officeDocument/2006/relationships" xmlns:p="http://schemas.openxmlformats.org/presentationml/2006/main">
-  <p:cSld>
-    <p:spTree>
-      <p:nvGrpSpPr>
-        <p:cNvPr id="1" name=""/>
-        <p:cNvGrpSpPr/>
-        <p:nvPr/>
-      </p:nvGrpSpPr>
-      <p:grpSpPr>
-        <a:xfrm>
-          <a:off x="0" y="0"/>
-          <a:ext cx="0" cy="0"/>
-          <a:chOff x="0" y="0"/>
-          <a:chExt cx="0" cy="0"/>
-        </a:xfrm>
-      </p:grpSpPr>
-      <p:sp>
-        <p:nvSpPr>
-          <p:cNvPr id="2" name="Заглавие 1"/>
-          <p:cNvSpPr>
-            <a:spLocks noGrp="1"/>
-          </p:cNvSpPr>
-          <p:nvPr>
-            <p:ph type="title"/>
-          </p:nvPr>
-        </p:nvSpPr>
-        <p:spPr/>
-        <p:txBody>
-          <a:bodyPr/>
-          <a:lstStyle/>
-          <a:p>
-            <a:r>
-              <a:rPr lang="en-US" smtClean="0"/>
-              <a:t>LSA</a:t>
-            </a:r>
-            <a:r>
-              <a:rPr lang="bg-BG" smtClean="0"/>
-              <a:t> резюме с 3 изречения</a:t>
-            </a:r>
-            <a:endParaRPr lang="bg-BG"/>
-          </a:p>
-        </p:txBody>
-      </p:sp>
-      <p:sp>
-        <p:nvSpPr>
-          <p:cNvPr id="3" name="Контейнер за съдържание 2"/>
-          <p:cNvSpPr>
-            <a:spLocks noGrp="1"/>
-          </p:cNvSpPr>
-          <p:nvPr>
-            <p:ph sz="quarter" idx="1"/>
-          </p:nvPr>
-        </p:nvSpPr>
-        <p:spPr/>
-        <p:txBody>
-          <a:bodyPr>
-            <a:normAutofit lnSpcReduction="10000"/>
-          </a:bodyPr>
-          <a:lstStyle/>
-          <a:p>
-            <a:r>
-              <a:rPr lang="en-US"/>
-              <a:t>Quoting unidentified Bavarian law enforcement sources, Focus newsmagazine reported Saturday that the evidence turned over so far was not very strong.</a:t>
-            </a:r>
-          </a:p>
-          <a:p>
-            <a:r>
-              <a:rPr lang="en-US"/>
-              <a:t>The magazine said much of it was based on the testimony of an FBI informant, a former bin Laden associate, who made only vague connections between Salim and terrorist activities.</a:t>
-            </a:r>
-          </a:p>
-          <a:p>
-            <a:r>
-              <a:rPr lang="en-US"/>
-              <a:t>U.S. authorities charge Salim helped finance, train and arm members of a terrorist organization, including the alleged bombers of the U.S. embassies in Kenya and Tanzania.</a:t>
-            </a:r>
-          </a:p>
-          <a:p>
-            <a:endParaRPr lang="bg-BG"/>
-          </a:p>
-        </p:txBody>
-      </p:sp>
-    </p:spTree>
-    <p:extLst>
-      <p:ext uri="{BB962C8B-B14F-4D97-AF65-F5344CB8AC3E}">
-        <p14:creationId xmlns:p14="http://schemas.microsoft.com/office/powerpoint/2010/main" val="4224062553"/>
-      </p:ext>
-    </p:extLst>
-  </p:cSld>
-  <p:clrMapOvr>
-    <a:masterClrMapping/>
-  </p:clrMapOvr>
-</p:sld>
-</file>
-
-<file path=ppt/slides/slide26.xml><?xml version="1.0" encoding="utf-8"?>
+<file path=ppt/slides/slide12.xml><?xml version="1.0" encoding="utf-8"?>
 <p:sld xmlns:a="http://schemas.openxmlformats.org/drawingml/2006/main" xmlns:r="http://schemas.openxmlformats.org/officeDocument/2006/relationships" xmlns:p="http://schemas.openxmlformats.org/presentationml/2006/main">
   <p:cSld>
     <p:spTree>
@@ -9441,7 +7190,7 @@
 </p:sld>
 </file>
 
-<file path=ppt/slides/slide27.xml><?xml version="1.0" encoding="utf-8"?>
+<file path=ppt/slides/slide2.xml><?xml version="1.0" encoding="utf-8"?>
 <p:sld xmlns:a="http://schemas.openxmlformats.org/drawingml/2006/main" xmlns:r="http://schemas.openxmlformats.org/officeDocument/2006/relationships" xmlns:p="http://schemas.openxmlformats.org/presentationml/2006/main">
   <p:cSld>
     <p:spTree>
@@ -9475,7 +7224,7 @@
           <a:p>
             <a:r>
               <a:rPr lang="bg-BG" smtClean="0"/>
-              <a:t>Бъдещо развитие</a:t>
+              <a:t>Задача</a:t>
             </a:r>
             <a:endParaRPr lang="bg-BG"/>
           </a:p>
@@ -9491,47 +7240,198 @@
             <p:ph sz="quarter" idx="1"/>
           </p:nvPr>
         </p:nvSpPr>
-        <p:spPr/>
-        <p:txBody>
-          <a:bodyPr/>
-          <a:lstStyle/>
-          <a:p>
-            <a:r>
-              <a:rPr lang="bg-BG" smtClean="0"/>
-              <a:t>други алгоритми</a:t>
-            </a:r>
-          </a:p>
-          <a:p>
-            <a:r>
-              <a:rPr lang="bg-BG" smtClean="0"/>
-              <a:t>подобряване на </a:t>
-            </a:r>
-            <a:r>
-              <a:rPr lang="bg-BG" smtClean="0"/>
-              <a:t>текущите</a:t>
+        <p:spPr>
+          <a:xfrm>
+            <a:off x="457200" y="1600200"/>
+            <a:ext cx="7467600" cy="5141168"/>
+          </a:xfrm>
+        </p:spPr>
+        <p:txBody>
+          <a:bodyPr>
+            <a:normAutofit/>
+          </a:bodyPr>
+          <a:lstStyle/>
+          <a:p>
+            <a:r>
+              <a:rPr lang="bg-BG"/>
+              <a:t>Резюме - </a:t>
+            </a:r>
+            <a:r>
+              <a:rPr lang="ru-RU"/>
+              <a:t>кратко изложение, в </a:t>
+            </a:r>
+            <a:r>
+              <a:rPr lang="bg-BG"/>
+              <a:t>което са изведени основните</a:t>
+            </a:r>
+            <a:r>
+              <a:rPr lang="ru-RU"/>
+              <a:t> положения на </a:t>
+            </a:r>
+            <a:r>
+              <a:rPr lang="bg-BG" smtClean="0"/>
+              <a:t>текст</a:t>
+            </a:r>
+            <a:endParaRPr lang="ru-RU" smtClean="0"/>
+          </a:p>
+          <a:p>
+            <a:r>
+              <a:rPr lang="bg-BG" smtClean="0"/>
+              <a:t>Автоматизиране</a:t>
+            </a:r>
+            <a:r>
+              <a:rPr lang="ru-RU" smtClean="0"/>
+              <a:t> на </a:t>
+            </a:r>
+            <a:r>
+              <a:rPr lang="bg-BG" smtClean="0"/>
+              <a:t>процеса – по-бързо и ефективно получаване на резултат</a:t>
+            </a:r>
+            <a:endParaRPr lang="ru-RU" smtClean="0"/>
+          </a:p>
+          <a:p>
+            <a:r>
+              <a:rPr lang="bg-BG"/>
+              <a:t>Два </a:t>
+            </a:r>
+            <a:r>
+              <a:rPr lang="bg-BG"/>
+              <a:t>общи </a:t>
+            </a:r>
+            <a:r>
+              <a:rPr lang="bg-BG" smtClean="0"/>
+              <a:t>подхода:</a:t>
             </a:r>
           </a:p>
           <a:p>
             <a:pPr lvl="1"/>
             <a:r>
-              <a:rPr lang="bg-BG" smtClean="0"/>
-              <a:t>различен </a:t>
-            </a:r>
-            <a:r>
               <a:rPr lang="en-US" smtClean="0"/>
-              <a:t>pre-processing</a:t>
-            </a:r>
-            <a:r>
-              <a:rPr lang="bg-BG" smtClean="0"/>
-              <a:t> на данните?</a:t>
+              <a:t>extraction-based </a:t>
+            </a:r>
+            <a:r>
+              <a:rPr lang="bg-BG" smtClean="0"/>
+              <a:t>и</a:t>
+            </a:r>
+            <a:r>
+              <a:rPr lang="en-US" smtClean="0"/>
+              <a:t> abstraction-based</a:t>
             </a:r>
             <a:endParaRPr lang="bg-BG" smtClean="0"/>
           </a:p>
           <a:p>
-            <a:r>
-              <a:rPr lang="bg-BG" smtClean="0"/>
-              <a:t>динамично определяне на размера на резюмето (като % от размера на текста)</a:t>
-            </a:r>
+            <a:endParaRPr lang="bg-BG" smtClean="0"/>
+          </a:p>
+          <a:p>
+            <a:r>
+              <a:rPr lang="bg-BG" smtClean="0"/>
+              <a:t>избрани са два екстрактивни </a:t>
+            </a:r>
+            <a:r>
+              <a:rPr lang="bg-BG"/>
+              <a:t>- </a:t>
+            </a:r>
+            <a:r>
+              <a:rPr lang="en-US"/>
+              <a:t>TextRank </a:t>
+            </a:r>
+            <a:r>
+              <a:rPr lang="bg-BG"/>
+              <a:t>и </a:t>
+            </a:r>
+            <a:r>
+              <a:rPr lang="en-US"/>
+              <a:t>LSA</a:t>
+            </a:r>
+            <a:endParaRPr lang="bg-BG"/>
+          </a:p>
+          <a:p>
+            <a:r>
+              <a:rPr lang="bg-BG" smtClean="0"/>
+              <a:t>реализация</a:t>
+            </a:r>
+          </a:p>
+          <a:p>
+            <a:pPr lvl="1"/>
+            <a:r>
+              <a:rPr lang="bg-BG" smtClean="0"/>
+              <a:t>на </a:t>
+            </a:r>
+            <a:r>
+              <a:rPr lang="en-US" smtClean="0"/>
+              <a:t>Python</a:t>
+            </a:r>
+            <a:endParaRPr lang="bg-BG"/>
+          </a:p>
+          <a:p>
+            <a:pPr lvl="1"/>
+            <a:r>
+              <a:rPr lang="bg-BG" smtClean="0"/>
+              <a:t>чрез </a:t>
+            </a:r>
+            <a:r>
+              <a:rPr lang="bg-BG"/>
+              <a:t>библиотеките </a:t>
+            </a:r>
+            <a:r>
+              <a:rPr lang="en-US" smtClean="0"/>
+              <a:t>PyTextRank</a:t>
+            </a:r>
+            <a:r>
+              <a:rPr lang="bg-BG" smtClean="0"/>
+              <a:t> и</a:t>
+            </a:r>
+            <a:r>
+              <a:rPr lang="en-US" smtClean="0"/>
+              <a:t> </a:t>
+            </a:r>
+            <a:r>
+              <a:rPr lang="en-US"/>
+              <a:t>sumy (</a:t>
+            </a:r>
+            <a:r>
+              <a:rPr lang="bg-BG"/>
+              <a:t>за </a:t>
+            </a:r>
+            <a:r>
+              <a:rPr lang="en-US"/>
+              <a:t>LSA</a:t>
+            </a:r>
+            <a:r>
+              <a:rPr lang="en-US" smtClean="0"/>
+              <a:t>)</a:t>
+            </a:r>
+            <a:endParaRPr lang="bg-BG"/>
+          </a:p>
+          <a:p>
+            <a:pPr lvl="1"/>
+            <a:r>
+              <a:rPr lang="bg-BG" smtClean="0"/>
+              <a:t>оценка </a:t>
+            </a:r>
+            <a:r>
+              <a:rPr lang="bg-BG"/>
+              <a:t>чрез </a:t>
+            </a:r>
+            <a:r>
+              <a:rPr lang="en-US"/>
+              <a:t>ROUGE</a:t>
+            </a:r>
+            <a:r>
+              <a:rPr lang="bg-BG"/>
+              <a:t> </a:t>
+            </a:r>
+            <a:r>
+              <a:rPr lang="bg-BG" smtClean="0"/>
+              <a:t>метрики (библиотека </a:t>
+            </a:r>
+            <a:r>
+              <a:rPr lang="en-US" smtClean="0"/>
+              <a:t>Rouge)</a:t>
+            </a:r>
+            <a:endParaRPr lang="en-US"/>
+          </a:p>
+          <a:p>
             <a:endParaRPr lang="bg-BG"/>
           </a:p>
         </p:txBody>
@@ -9539,60 +7439,7 @@
     </p:spTree>
     <p:extLst>
       <p:ext uri="{BB962C8B-B14F-4D97-AF65-F5344CB8AC3E}">
-        <p14:creationId xmlns:p14="http://schemas.microsoft.com/office/powerpoint/2010/main" val="1444893717"/>
-      </p:ext>
-    </p:extLst>
-  </p:cSld>
-  <p:clrMapOvr>
-    <a:masterClrMapping/>
-  </p:clrMapOvr>
-</p:sld>
-</file>
-
-<file path=ppt/slides/slide28.xml><?xml version="1.0" encoding="utf-8"?>
-<p:sld xmlns:a="http://schemas.openxmlformats.org/drawingml/2006/main" xmlns:r="http://schemas.openxmlformats.org/officeDocument/2006/relationships" xmlns:p="http://schemas.openxmlformats.org/presentationml/2006/main">
-  <p:cSld>
-    <p:spTree>
-      <p:nvGrpSpPr>
-        <p:cNvPr id="1" name=""/>
-        <p:cNvGrpSpPr/>
-        <p:nvPr/>
-      </p:nvGrpSpPr>
-      <p:grpSpPr>
-        <a:xfrm>
-          <a:off x="0" y="0"/>
-          <a:ext cx="0" cy="0"/>
-          <a:chOff x="0" y="0"/>
-          <a:chExt cx="0" cy="0"/>
-        </a:xfrm>
-      </p:grpSpPr>
-      <p:sp>
-        <p:nvSpPr>
-          <p:cNvPr id="2" name="Заглавие 1"/>
-          <p:cNvSpPr>
-            <a:spLocks noGrp="1"/>
-          </p:cNvSpPr>
-          <p:nvPr>
-            <p:ph type="title"/>
-          </p:nvPr>
-        </p:nvSpPr>
-        <p:spPr/>
-        <p:txBody>
-          <a:bodyPr/>
-          <a:lstStyle/>
-          <a:p>
-            <a:r>
-              <a:rPr lang="bg-BG" smtClean="0"/>
-              <a:t>Въпроси?</a:t>
-            </a:r>
-            <a:endParaRPr lang="bg-BG"/>
-          </a:p>
-        </p:txBody>
-      </p:sp>
-    </p:spTree>
-    <p:extLst>
-      <p:ext uri="{BB962C8B-B14F-4D97-AF65-F5344CB8AC3E}">
-        <p14:creationId xmlns:p14="http://schemas.microsoft.com/office/powerpoint/2010/main" val="2197661424"/>
+        <p14:creationId xmlns:p14="http://schemas.microsoft.com/office/powerpoint/2010/main" val="3383435642"/>
       </p:ext>
     </p:extLst>
   </p:cSld>
@@ -9642,8 +7489,12 @@
           <a:lstStyle/>
           <a:p>
             <a:r>
-              <a:rPr lang="ru-RU" smtClean="0"/>
-              <a:t>Мотивация</a:t>
+              <a:rPr lang="bg-BG" smtClean="0"/>
+              <a:t>Обяснение на </a:t>
+            </a:r>
+            <a:r>
+              <a:rPr lang="en-US" smtClean="0"/>
+              <a:t>TextRank</a:t>
             </a:r>
             <a:endParaRPr lang="bg-BG"/>
           </a:p>
@@ -9659,83 +7510,149 @@
             <p:ph sz="quarter" idx="1"/>
           </p:nvPr>
         </p:nvSpPr>
-        <p:spPr/>
-        <p:txBody>
-          <a:bodyPr/>
-          <a:lstStyle/>
-          <a:p>
-            <a:r>
-              <a:rPr lang="bg-BG" smtClean="0"/>
-              <a:t>Представяне само на най-важните части от текста</a:t>
-            </a:r>
-          </a:p>
-          <a:p>
+        <p:spPr>
+          <a:xfrm>
+            <a:off x="457200" y="1600200"/>
+            <a:ext cx="7467600" cy="5257800"/>
+          </a:xfrm>
+        </p:spPr>
+        <p:txBody>
+          <a:bodyPr>
+            <a:normAutofit/>
+          </a:bodyPr>
+          <a:lstStyle/>
+          <a:p>
+            <a:r>
+              <a:rPr lang="bg-BG" smtClean="0"/>
+              <a:t>базиран на </a:t>
+            </a:r>
+            <a:r>
+              <a:rPr lang="en-US" smtClean="0"/>
+              <a:t>PageRank</a:t>
+            </a:r>
+            <a:r>
+              <a:rPr lang="bg-BG" smtClean="0"/>
+              <a:t> – алгоритъм за ранкиране на уебстраници</a:t>
+            </a:r>
+          </a:p>
+          <a:p>
+            <a:pPr lvl="1"/>
+            <a:r>
+              <a:rPr lang="bg-BG" smtClean="0"/>
+              <a:t>моделира ги като ориентиран граф</a:t>
+            </a:r>
+          </a:p>
+          <a:p>
+            <a:pPr lvl="2"/>
+            <a:r>
+              <a:rPr lang="bg-BG" smtClean="0"/>
+              <a:t>възли – страници</a:t>
+            </a:r>
+          </a:p>
+          <a:p>
+            <a:pPr lvl="2"/>
+            <a:r>
+              <a:rPr lang="bg-BG" smtClean="0"/>
+              <a:t>ребра – линкове</a:t>
+            </a:r>
+          </a:p>
+          <a:p>
+            <a:pPr lvl="1"/>
+            <a:r>
+              <a:rPr lang="bg-BG" smtClean="0"/>
+              <a:t>ранкиране според брой линкове към страница</a:t>
+            </a:r>
+          </a:p>
+          <a:p>
+            <a:pPr lvl="2"/>
+            <a:r>
+              <a:rPr lang="bg-BG" smtClean="0"/>
+              <a:t>по-важна страница има повече линкове към нея</a:t>
+            </a:r>
+          </a:p>
+          <a:p>
+            <a:r>
+              <a:rPr lang="en-US" smtClean="0"/>
+              <a:t>TextRank </a:t>
+            </a:r>
+            <a:r>
+              <a:rPr lang="bg-BG" smtClean="0"/>
+              <a:t>адаптира идеята за текстове</a:t>
+            </a:r>
+          </a:p>
+          <a:p>
+            <a:pPr lvl="1"/>
+            <a:r>
+              <a:rPr lang="bg-BG" smtClean="0"/>
+              <a:t>две различни графови моделирания</a:t>
+            </a:r>
+          </a:p>
+          <a:p>
+            <a:pPr lvl="2"/>
+            <a:r>
+              <a:rPr lang="bg-BG" smtClean="0"/>
+              <a:t>важното за нас е това за </a:t>
+            </a:r>
+            <a:r>
+              <a:rPr lang="bg-BG" i="1" smtClean="0"/>
+              <a:t>извличане на изречения</a:t>
+            </a:r>
+          </a:p>
+          <a:p>
+            <a:pPr lvl="3"/>
+            <a:r>
+              <a:rPr lang="bg-BG" smtClean="0"/>
+              <a:t>възли – изречения</a:t>
+            </a:r>
+          </a:p>
+          <a:p>
+            <a:pPr lvl="3"/>
+            <a:r>
+              <a:rPr lang="bg-BG" smtClean="0"/>
+              <a:t>ребра – претеглени, сходство на съседни изречения чрез брой общ токени</a:t>
+            </a:r>
+          </a:p>
+          <a:p>
+            <a:pPr lvl="2"/>
+            <a:r>
+              <a:rPr lang="bg-BG" smtClean="0"/>
+              <a:t>ранкираме изреченията и взимаме първите</a:t>
+            </a:r>
+            <a:r>
+              <a:rPr lang="en-US" smtClean="0"/>
+              <a:t> </a:t>
+            </a:r>
+            <a:r>
+              <a:rPr lang="en-US" i="1" smtClean="0"/>
+              <a:t>n</a:t>
+            </a:r>
+            <a:r>
+              <a:rPr lang="bg-BG" smtClean="0"/>
+              <a:t> най-важни</a:t>
+            </a:r>
+          </a:p>
+          <a:p>
+            <a:pPr lvl="3"/>
             <a:endParaRPr lang="bg-BG" smtClean="0"/>
           </a:p>
           <a:p>
-            <a:r>
-              <a:rPr lang="bg-BG" smtClean="0"/>
-              <a:t>Представяне </a:t>
-            </a:r>
-            <a:r>
-              <a:rPr lang="bg-BG"/>
-              <a:t>на сложна информация в кратък, стегнат </a:t>
-            </a:r>
-            <a:r>
-              <a:rPr lang="bg-BG" smtClean="0"/>
-              <a:t>формат</a:t>
-            </a:r>
-          </a:p>
-          <a:p>
-            <a:r>
-              <a:rPr lang="bg-BG" smtClean="0"/>
-              <a:t>Бързо определяне на тематиката на текста</a:t>
-            </a:r>
-          </a:p>
-          <a:p>
-            <a:pPr marL="0" indent="0">
+            <a:pPr marL="731520" lvl="2" indent="0">
               <a:buNone/>
             </a:pPr>
-            <a:r>
-              <a:rPr lang="bg-BG"/>
-              <a:t>	</a:t>
-            </a:r>
-            <a:r>
-              <a:rPr lang="bg-BG" smtClean="0"/>
-              <a:t>(особено полезни при научни статии)</a:t>
-            </a:r>
-          </a:p>
-          <a:p>
             <a:endParaRPr lang="bg-BG"/>
-          </a:p>
-          <a:p>
-            <a:r>
-              <a:rPr lang="bg-BG" smtClean="0"/>
-              <a:t>Ефективна комуникация на важна информация (например при новини) </a:t>
-            </a:r>
-          </a:p>
-          <a:p>
-            <a:endParaRPr lang="bg-BG" smtClean="0"/>
           </a:p>
         </p:txBody>
       </p:sp>
     </p:spTree>
     <p:extLst>
       <p:ext uri="{BB962C8B-B14F-4D97-AF65-F5344CB8AC3E}">
-        <p14:creationId xmlns:p14="http://schemas.microsoft.com/office/powerpoint/2010/main" val="4140220759"/>
+        <p14:creationId xmlns:p14="http://schemas.microsoft.com/office/powerpoint/2010/main" val="4143433192"/>
       </p:ext>
     </p:extLst>
   </p:cSld>
   <p:clrMapOvr>
     <a:masterClrMapping/>
   </p:clrMapOvr>
-  <p:timing>
-    <p:tnLst>
-      <p:par>
-        <p:cTn id="1" dur="indefinite" restart="never" nodeType="tmRoot"/>
-      </p:par>
-    </p:tnLst>
-  </p:timing>
 </p:sld>
 </file>
 
@@ -9772,8 +7689,12 @@
           <a:lstStyle/>
           <a:p>
             <a:r>
-              <a:rPr lang="ru-RU"/>
-              <a:t>Мотивация</a:t>
+              <a:rPr lang="bg-BG"/>
+              <a:t>Обяснение на </a:t>
+            </a:r>
+            <a:r>
+              <a:rPr lang="en-US" smtClean="0"/>
+              <a:t>LSA</a:t>
             </a:r>
             <a:endParaRPr lang="bg-BG"/>
           </a:p>
@@ -9789,66 +7710,139 @@
             <p:ph sz="quarter" idx="1"/>
           </p:nvPr>
         </p:nvSpPr>
-        <p:spPr/>
-        <p:txBody>
-          <a:bodyPr/>
-          <a:lstStyle/>
-          <a:p>
-            <a:r>
-              <a:rPr lang="bg-BG" smtClean="0"/>
-              <a:t>Общ преглед върху сюжета, представящ основните моменти</a:t>
-            </a:r>
-          </a:p>
-          <a:p>
-            <a:r>
-              <a:rPr lang="bg-BG" smtClean="0"/>
-              <a:t>Да заинтересува нов читател да прочете творбата</a:t>
-            </a:r>
-          </a:p>
-          <a:p>
-            <a:r>
-              <a:rPr lang="bg-BG" smtClean="0"/>
-              <a:t>Да освежи паметта за вече прочетен текст</a:t>
-            </a:r>
-          </a:p>
-          <a:p>
-            <a:pPr marL="0" indent="0">
-              <a:buNone/>
-            </a:pPr>
-            <a:r>
-              <a:rPr lang="bg-BG"/>
-              <a:t>	</a:t>
-            </a:r>
-            <a:r>
-              <a:rPr lang="bg-BG" smtClean="0"/>
-              <a:t>(при художествени текстове)</a:t>
-            </a:r>
-          </a:p>
-          <a:p>
-            <a:pPr marL="0" indent="0">
-              <a:buNone/>
-            </a:pPr>
+        <p:spPr>
+          <a:xfrm>
+            <a:off x="457200" y="1600200"/>
+            <a:ext cx="7467600" cy="5257800"/>
+          </a:xfrm>
+        </p:spPr>
+        <p:txBody>
+          <a:bodyPr>
+            <a:normAutofit/>
+          </a:bodyPr>
+          <a:lstStyle/>
+          <a:p>
+            <a:r>
+              <a:rPr lang="en-US" smtClean="0"/>
+              <a:t>Latent Semantic Analysis/Indexing</a:t>
+            </a:r>
+          </a:p>
+          <a:p>
+            <a:r>
+              <a:rPr lang="bg-BG" smtClean="0"/>
+              <a:t>техника за анализиране на връзките между множество документи и термините в тях</a:t>
+            </a:r>
+          </a:p>
+          <a:p>
+            <a:pPr lvl="1"/>
+            <a:r>
+              <a:rPr lang="bg-BG" smtClean="0"/>
+              <a:t>създава се множество от понятия/теми</a:t>
+            </a:r>
+          </a:p>
+          <a:p>
+            <a:pPr lvl="1"/>
+            <a:r>
+              <a:rPr lang="bg-BG" smtClean="0"/>
+              <a:t>как?</a:t>
+            </a:r>
+          </a:p>
+          <a:p>
+            <a:pPr lvl="2"/>
+            <a:r>
+              <a:rPr lang="bg-BG" smtClean="0"/>
+              <a:t>с алгебра и матрици</a:t>
+            </a:r>
+          </a:p>
+          <a:p>
+            <a:pPr lvl="3"/>
+            <a:r>
+              <a:rPr lang="bg-BG" smtClean="0"/>
+              <a:t>М – матрица с брой срещания на всяка дума за всеки документ</a:t>
+            </a:r>
+          </a:p>
+          <a:p>
+            <a:pPr lvl="3"/>
+            <a:r>
+              <a:rPr lang="en-US" i="1" smtClean="0"/>
+              <a:t>singular value decomposition</a:t>
+            </a:r>
+            <a:r>
+              <a:rPr lang="bg-BG" i="1" smtClean="0"/>
+              <a:t> </a:t>
+            </a:r>
+            <a:r>
+              <a:rPr lang="bg-BG" smtClean="0"/>
+              <a:t>– </a:t>
+            </a:r>
+            <a:r>
+              <a:rPr lang="en-US"/>
+              <a:t>M = U</a:t>
+            </a:r>
+            <a:r>
+              <a:rPr lang="el-GR"/>
+              <a:t>Σ</a:t>
+            </a:r>
+            <a:r>
+              <a:rPr lang="en-US" smtClean="0"/>
+              <a:t>V</a:t>
+            </a:r>
+            <a:r>
+              <a:rPr lang="en-US" baseline="30000" smtClean="0"/>
+              <a:t>T</a:t>
+            </a:r>
             <a:endParaRPr lang="bg-BG"/>
           </a:p>
           <a:p>
-            <a:r>
-              <a:rPr lang="bg-BG" smtClean="0"/>
-              <a:t>Да помогне за взимане на решение за даден продукт (при потребителски мнения, ревюта, коментари)</a:t>
+            <a:pPr lvl="2"/>
+            <a:r>
+              <a:rPr lang="bg-BG" smtClean="0"/>
+              <a:t>евентуално получаваме </a:t>
+            </a:r>
+            <a:r>
+              <a:rPr lang="en-US" i="1" smtClean="0"/>
+              <a:t>document-topic</a:t>
+            </a:r>
+            <a:r>
+              <a:rPr lang="bg-BG" smtClean="0"/>
+              <a:t> матрица</a:t>
+            </a:r>
+          </a:p>
+          <a:p>
+            <a:pPr lvl="3"/>
+            <a:r>
+              <a:rPr lang="bg-BG" smtClean="0"/>
+              <a:t>за всеки документ доколко принадлежи на всяка тема</a:t>
+            </a:r>
+          </a:p>
+          <a:p>
+            <a:pPr lvl="3"/>
+            <a:r>
+              <a:rPr lang="bg-BG" smtClean="0"/>
+              <a:t>претеглено по относителната важност на темата</a:t>
+            </a:r>
+          </a:p>
+          <a:p>
+            <a:pPr lvl="3"/>
+            <a:r>
+              <a:rPr lang="bg-BG" smtClean="0"/>
+              <a:t>вече не разглеждаме индивидуални думи, а цели теми</a:t>
+            </a:r>
+          </a:p>
+          <a:p>
+            <a:pPr lvl="4"/>
+            <a:r>
+              <a:rPr lang="bg-BG" smtClean="0"/>
+              <a:t>по-компактно представяне</a:t>
             </a:r>
             <a:endParaRPr lang="bg-BG"/>
-          </a:p>
-          <a:p>
-            <a:pPr marL="0" indent="0">
-              <a:buNone/>
-            </a:pPr>
-            <a:endParaRPr lang="bg-BG" smtClean="0"/>
           </a:p>
         </p:txBody>
       </p:sp>
     </p:spTree>
     <p:extLst>
       <p:ext uri="{BB962C8B-B14F-4D97-AF65-F5344CB8AC3E}">
-        <p14:creationId xmlns:p14="http://schemas.microsoft.com/office/powerpoint/2010/main" val="855040216"/>
+        <p14:creationId xmlns:p14="http://schemas.microsoft.com/office/powerpoint/2010/main" val="2209267244"/>
       </p:ext>
     </p:extLst>
   </p:cSld>
@@ -9891,8 +7885,8 @@
           <a:lstStyle/>
           <a:p>
             <a:r>
-              <a:rPr lang="bg-BG" smtClean="0"/>
-              <a:t>Възможни подходи</a:t>
+              <a:rPr lang="bg-BG"/>
+              <a:t>Документи за резюмиране </a:t>
             </a:r>
             <a:endParaRPr lang="bg-BG"/>
           </a:p>
@@ -9917,87 +7911,165 @@
           <a:p>
             <a:r>
               <a:rPr lang="bg-BG" smtClean="0"/>
-              <a:t>Два общи подхода:</a:t>
+              <a:t>от няколко </a:t>
+            </a:r>
+            <a:r>
+              <a:rPr lang="en-US" smtClean="0"/>
+              <a:t>dataset</a:t>
+            </a:r>
+            <a:r>
+              <a:rPr lang="bg-BG" smtClean="0"/>
+              <a:t>-а</a:t>
             </a:r>
           </a:p>
           <a:p>
             <a:pPr lvl="1"/>
             <a:r>
               <a:rPr lang="en-US" smtClean="0"/>
-              <a:t>extraction-based </a:t>
-            </a:r>
-            <a:r>
-              <a:rPr lang="bg-BG" smtClean="0"/>
-              <a:t>и</a:t>
+              <a:t>DUC 2004</a:t>
+            </a:r>
+            <a:r>
+              <a:rPr lang="bg-BG" smtClean="0"/>
+              <a:t>, </a:t>
             </a:r>
             <a:r>
               <a:rPr lang="en-US" smtClean="0"/>
-              <a:t> abstraction-based</a:t>
+              <a:t>tasks 1&amp;2 </a:t>
+            </a:r>
+            <a:r>
+              <a:rPr lang="en-US" smtClean="0"/>
+              <a:t>– </a:t>
+            </a:r>
+            <a:r>
+              <a:rPr lang="bg-BG" smtClean="0"/>
+              <a:t>новини</a:t>
+            </a:r>
+            <a:endParaRPr lang="en-US" smtClean="0"/>
+          </a:p>
+          <a:p>
+            <a:pPr lvl="2"/>
+            <a:r>
+              <a:rPr lang="bg-BG"/>
+              <a:t>50 клъстера от (около) 10 документа, по 4 </a:t>
+            </a:r>
+            <a:r>
+              <a:rPr lang="bg-BG"/>
+              <a:t>резюмета </a:t>
+            </a:r>
+            <a:r>
+              <a:rPr lang="bg-BG" smtClean="0"/>
+              <a:t>(на самите клъстери, не на индивидуални документи)</a:t>
+            </a:r>
+            <a:endParaRPr lang="en-US" smtClean="0"/>
+          </a:p>
+          <a:p>
+            <a:pPr lvl="1"/>
+            <a:r>
+              <a:rPr lang="en-US" smtClean="0"/>
+              <a:t>WikiHow-Dataset</a:t>
+            </a:r>
+            <a:r>
+              <a:rPr lang="bg-BG" smtClean="0"/>
+              <a:t> </a:t>
+            </a:r>
+            <a:r>
+              <a:rPr lang="bg-BG" smtClean="0"/>
+              <a:t>– статии от </a:t>
+            </a:r>
+            <a:r>
+              <a:rPr lang="en-US" smtClean="0"/>
+              <a:t>WikiHow</a:t>
+            </a:r>
+            <a:endParaRPr lang="en-US"/>
+          </a:p>
+          <a:p>
+            <a:pPr lvl="1"/>
+            <a:r>
+              <a:rPr lang="en-US" smtClean="0"/>
+              <a:t>Multi-News dataset</a:t>
+            </a:r>
+            <a:r>
+              <a:rPr lang="bg-BG" smtClean="0"/>
+              <a:t> – новини</a:t>
+            </a:r>
+            <a:endParaRPr lang="bg-BG"/>
+          </a:p>
+          <a:p>
+            <a:r>
+              <a:rPr lang="bg-BG" smtClean="0"/>
+              <a:t>доста </a:t>
+            </a:r>
+            <a:r>
+              <a:rPr lang="bg-BG" smtClean="0"/>
+              <a:t>големи са, така че са подбрани само техни </a:t>
+            </a:r>
+            <a:r>
+              <a:rPr lang="bg-BG" smtClean="0"/>
+              <a:t>подмножества</a:t>
+            </a:r>
+          </a:p>
+          <a:p>
+            <a:pPr lvl="1"/>
+            <a:r>
+              <a:rPr lang="en-US" smtClean="0"/>
+              <a:t>DUC - </a:t>
+            </a:r>
+            <a:r>
+              <a:rPr lang="bg-BG"/>
+              <a:t>първи документ и резюме за </a:t>
+            </a:r>
+            <a:r>
+              <a:rPr lang="bg-BG"/>
+              <a:t>всеки </a:t>
+            </a:r>
+            <a:r>
+              <a:rPr lang="bg-BG" smtClean="0"/>
+              <a:t>клъстер</a:t>
+            </a:r>
+          </a:p>
+          <a:p>
+            <a:pPr lvl="1"/>
+            <a:r>
+              <a:rPr lang="en-US" smtClean="0"/>
+              <a:t>WikiHow - </a:t>
+            </a:r>
+            <a:r>
+              <a:rPr lang="bg-BG"/>
+              <a:t>364 от над 230 000 </a:t>
+            </a:r>
+          </a:p>
+          <a:p>
+            <a:pPr lvl="1"/>
+            <a:r>
+              <a:rPr lang="en-US" smtClean="0"/>
+              <a:t>MultiNews - </a:t>
+            </a:r>
+            <a:r>
+              <a:rPr lang="bg-BG"/>
+              <a:t>първите 300 от над </a:t>
+            </a:r>
+            <a:r>
+              <a:rPr lang="bg-BG"/>
+              <a:t>250 </a:t>
+            </a:r>
+            <a:r>
+              <a:rPr lang="bg-BG" smtClean="0"/>
+              <a:t>000</a:t>
             </a:r>
             <a:endParaRPr lang="bg-BG" smtClean="0"/>
           </a:p>
           <a:p>
-            <a:pPr lvl="1"/>
+            <a:pPr marL="0" indent="0">
+              <a:buNone/>
+            </a:pPr>
             <a:endParaRPr lang="bg-BG"/>
-          </a:p>
-          <a:p>
-            <a:pPr lvl="1"/>
-            <a:r>
-              <a:rPr lang="en-US" b="1"/>
-              <a:t>e</a:t>
-            </a:r>
-            <a:r>
-              <a:rPr lang="en-US" b="1" smtClean="0"/>
-              <a:t>xtraction-based</a:t>
-            </a:r>
-            <a:r>
-              <a:rPr lang="en-US" smtClean="0"/>
-              <a:t>: </a:t>
-            </a:r>
-            <a:r>
-              <a:rPr lang="bg-BG" smtClean="0"/>
-              <a:t>извлича се съдържание, което не се модифицира</a:t>
-            </a:r>
-          </a:p>
-          <a:p>
-            <a:pPr lvl="2"/>
-            <a:r>
-              <a:rPr lang="bg-BG" smtClean="0"/>
-              <a:t>най-важните фрази/редове на текста</a:t>
-            </a:r>
-          </a:p>
-          <a:p>
-            <a:pPr lvl="2"/>
-            <a:r>
-              <a:rPr lang="bg-BG" smtClean="0"/>
-              <a:t>възможност само за директно цитиране на неща които вече се съдържат в оригиналния текст</a:t>
-            </a:r>
-          </a:p>
-          <a:p>
-            <a:pPr lvl="2"/>
-            <a:r>
-              <a:rPr lang="bg-BG" smtClean="0"/>
-              <a:t>така резултатът може да се получи като по-схематичен, вместо да звучи като естествен текст.</a:t>
-            </a:r>
-          </a:p>
-          <a:p>
-            <a:pPr lvl="2"/>
-            <a:endParaRPr lang="bg-BG" smtClean="0"/>
-          </a:p>
-          <a:p>
-            <a:pPr lvl="1"/>
-            <a:endParaRPr lang="bg-BG" smtClean="0"/>
-          </a:p>
-          <a:p>
-            <a:pPr lvl="1"/>
-            <a:endParaRPr lang="bg-BG" smtClean="0"/>
           </a:p>
         </p:txBody>
       </p:sp>
     </p:spTree>
     <p:extLst>
       <p:ext uri="{BB962C8B-B14F-4D97-AF65-F5344CB8AC3E}">
-        <p14:creationId xmlns:p14="http://schemas.microsoft.com/office/powerpoint/2010/main" val="1653338628"/>
+        <p14:creationId xmlns:p14="http://schemas.microsoft.com/office/powerpoint/2010/main" val="1592104820"/>
       </p:ext>
     </p:extLst>
   </p:cSld>
@@ -10040,9 +8112,10 @@
           <a:lstStyle/>
           <a:p>
             <a:r>
-              <a:rPr lang="bg-BG"/>
-              <a:t>Възможни подходи</a:t>
-            </a:r>
+              <a:rPr lang="bg-BG" smtClean="0"/>
+              <a:t>Документи - обработка</a:t>
+            </a:r>
+            <a:endParaRPr lang="bg-BG"/>
           </a:p>
         </p:txBody>
       </p:sp>
@@ -10058,110 +8131,259 @@
         </p:nvSpPr>
         <p:spPr/>
         <p:txBody>
-          <a:bodyPr/>
-          <a:lstStyle/>
+          <a:bodyPr>
+            <a:normAutofit fontScale="92500" lnSpcReduction="10000"/>
+          </a:bodyPr>
+          <a:lstStyle/>
+          <a:p>
+            <a:r>
+              <a:rPr lang="bg-BG"/>
+              <a:t>за всеки корпус формираме</a:t>
+            </a:r>
+          </a:p>
           <a:p>
             <a:pPr lvl="1"/>
             <a:r>
-              <a:rPr lang="en-US" b="1" smtClean="0"/>
-              <a:t>a</a:t>
-            </a:r>
-            <a:r>
-              <a:rPr lang="ru-RU" b="1" smtClean="0"/>
-              <a:t>bstraction-based</a:t>
-            </a:r>
-            <a:r>
-              <a:rPr lang="ru-RU"/>
-              <a:t>: изгражда се вътрешно семантично представяне на съдържанието, чрез което се създава резюме по-близко до това което би направил </a:t>
-            </a:r>
-            <a:r>
-              <a:rPr lang="ru-RU" smtClean="0"/>
-              <a:t>човек.</a:t>
-            </a:r>
-            <a:endParaRPr lang="en-US" smtClean="0"/>
-          </a:p>
-          <a:p>
-            <a:pPr lvl="2"/>
-            <a:r>
-              <a:rPr lang="bg-BG" smtClean="0"/>
-              <a:t>базирано на дълбоко обучение</a:t>
-            </a:r>
-            <a:endParaRPr lang="en-US" smtClean="0"/>
-          </a:p>
-          <a:p>
-            <a:pPr lvl="2"/>
-            <a:r>
-              <a:rPr lang="ru-RU" smtClean="0"/>
-              <a:t>тук </a:t>
-            </a:r>
-            <a:r>
-              <a:rPr lang="ru-RU"/>
-              <a:t>вече има възможност за </a:t>
-            </a:r>
-            <a:r>
-              <a:rPr lang="ru-RU" smtClean="0"/>
-              <a:t>перифразиране и генериране на нови изречения, </a:t>
-            </a:r>
-            <a:r>
-              <a:rPr lang="ru-RU"/>
-              <a:t>а не само директен </a:t>
-            </a:r>
-            <a:r>
-              <a:rPr lang="ru-RU" smtClean="0"/>
-              <a:t>цитат</a:t>
-            </a:r>
-          </a:p>
-          <a:p>
-            <a:pPr lvl="2"/>
-            <a:r>
-              <a:rPr lang="ru-RU" smtClean="0"/>
-              <a:t>обаче:</a:t>
-            </a:r>
-          </a:p>
-          <a:p>
-            <a:pPr lvl="3"/>
-            <a:r>
-              <a:rPr lang="ru-RU" smtClean="0"/>
-              <a:t>много </a:t>
-            </a:r>
-            <a:r>
-              <a:rPr lang="ru-RU"/>
-              <a:t>по-сложно </a:t>
-            </a:r>
-            <a:r>
-              <a:rPr lang="ru-RU" smtClean="0"/>
-              <a:t>изчислително</a:t>
-            </a:r>
-          </a:p>
-          <a:p>
-            <a:pPr lvl="3"/>
-            <a:r>
-              <a:rPr lang="ru-RU" smtClean="0"/>
-              <a:t>трудно приложимо за неща различни от текст</a:t>
-            </a:r>
-          </a:p>
-          <a:p>
-            <a:pPr lvl="2"/>
-            <a:r>
-              <a:rPr lang="ru-RU" smtClean="0"/>
-              <a:t>следователно повечето системи </a:t>
-            </a:r>
-            <a:r>
-              <a:rPr lang="bg-BG" smtClean="0"/>
-              <a:t>са екстрактивни</a:t>
-            </a:r>
-            <a:endParaRPr lang="ru-RU"/>
+              <a:rPr lang="bg-BG"/>
+              <a:t>папка с всичките </a:t>
+            </a:r>
+            <a:r>
+              <a:rPr lang="bg-BG"/>
+              <a:t>документи </a:t>
+            </a:r>
+            <a:r>
+              <a:rPr lang="bg-BG" smtClean="0"/>
+              <a:t>(всеки като отделен текстов файл)</a:t>
+            </a:r>
+            <a:endParaRPr lang="bg-BG"/>
           </a:p>
           <a:p>
             <a:pPr lvl="1"/>
-            <a:endParaRPr lang="ru-RU"/>
+            <a:r>
+              <a:rPr lang="bg-BG"/>
+              <a:t>и под-папка </a:t>
+            </a:r>
+            <a:r>
+              <a:rPr lang="en-US"/>
+              <a:t>summaries</a:t>
+            </a:r>
+            <a:r>
+              <a:rPr lang="bg-BG"/>
+              <a:t> с </a:t>
+            </a:r>
+            <a:r>
+              <a:rPr lang="en-US"/>
+              <a:t>reference </a:t>
+            </a:r>
+            <a:r>
+              <a:rPr lang="bg-BG" smtClean="0"/>
+              <a:t>резюметата</a:t>
+            </a:r>
+          </a:p>
+          <a:p>
+            <a:r>
+              <a:rPr lang="bg-BG" smtClean="0"/>
+              <a:t>за </a:t>
+            </a:r>
+            <a:r>
+              <a:rPr lang="en-US" smtClean="0"/>
+              <a:t>DUC</a:t>
+            </a:r>
+            <a:r>
+              <a:rPr lang="bg-BG" smtClean="0"/>
+              <a:t> вече са в нужния формат</a:t>
+            </a:r>
+          </a:p>
+          <a:p>
+            <a:r>
+              <a:rPr lang="bg-BG" smtClean="0"/>
+              <a:t>за </a:t>
+            </a:r>
+            <a:r>
+              <a:rPr lang="en-US" smtClean="0"/>
+              <a:t>WikiHow</a:t>
+            </a:r>
+            <a:r>
+              <a:rPr lang="bg-BG" smtClean="0"/>
+              <a:t> са в </a:t>
+            </a:r>
+            <a:r>
+              <a:rPr lang="en-US"/>
+              <a:t>.</a:t>
+            </a:r>
+            <a:r>
+              <a:rPr lang="en-US"/>
+              <a:t>csv</a:t>
+            </a:r>
+            <a:r>
+              <a:rPr lang="bg-BG"/>
+              <a:t> </a:t>
+            </a:r>
+            <a:r>
+              <a:rPr lang="bg-BG" smtClean="0"/>
+              <a:t>формат</a:t>
+            </a:r>
+          </a:p>
+          <a:p>
+            <a:pPr lvl="1"/>
+            <a:r>
+              <a:rPr lang="bg-BG" smtClean="0"/>
+              <a:t>прочитат </a:t>
+            </a:r>
+            <a:r>
+              <a:rPr lang="bg-BG"/>
+              <a:t>се </a:t>
+            </a:r>
+            <a:r>
+              <a:rPr lang="bg-BG"/>
+              <a:t>с </a:t>
+            </a:r>
+            <a:r>
+              <a:rPr lang="en-US" smtClean="0"/>
+              <a:t>pandas</a:t>
+            </a:r>
+            <a:r>
+              <a:rPr lang="bg-BG" smtClean="0"/>
+              <a:t>, взима се всяка </a:t>
+            </a:r>
+            <a:r>
+              <a:rPr lang="bg-BG"/>
+              <a:t>500на</a:t>
+            </a:r>
+          </a:p>
+          <a:p>
+            <a:pPr lvl="1"/>
+            <a:r>
+              <a:rPr lang="bg-BG"/>
+              <a:t>част </a:t>
+            </a:r>
+            <a:r>
+              <a:rPr lang="bg-BG" smtClean="0"/>
+              <a:t>се </a:t>
+            </a:r>
+            <a:r>
+              <a:rPr lang="bg-BG"/>
+              <a:t>изпускат поради </a:t>
+            </a:r>
+            <a:r>
+              <a:rPr lang="en-US"/>
+              <a:t>encoding</a:t>
+            </a:r>
+            <a:r>
+              <a:rPr lang="bg-BG"/>
+              <a:t> </a:t>
+            </a:r>
+            <a:r>
+              <a:rPr lang="bg-BG" smtClean="0"/>
+              <a:t>грешки</a:t>
+            </a:r>
+          </a:p>
+          <a:p>
+            <a:pPr lvl="1"/>
+            <a:r>
+              <a:rPr lang="bg-BG"/>
+              <a:t>записват се в </a:t>
+            </a:r>
+            <a:r>
+              <a:rPr lang="bg-BG"/>
+              <a:t>отделни </a:t>
+            </a:r>
+            <a:r>
+              <a:rPr lang="bg-BG" smtClean="0"/>
+              <a:t>файлове</a:t>
+            </a:r>
+          </a:p>
+          <a:p>
+            <a:r>
+              <a:rPr lang="bg-BG" smtClean="0"/>
+              <a:t>за </a:t>
+            </a:r>
+            <a:r>
+              <a:rPr lang="en-US" smtClean="0"/>
+              <a:t>Multi-News</a:t>
+            </a:r>
+            <a:r>
+              <a:rPr lang="bg-BG" smtClean="0"/>
+              <a:t> са два </a:t>
+            </a:r>
+            <a:r>
+              <a:rPr lang="bg-BG"/>
+              <a:t>текстови </a:t>
+            </a:r>
+            <a:r>
+              <a:rPr lang="bg-BG" smtClean="0"/>
+              <a:t>файла</a:t>
+            </a:r>
+          </a:p>
+          <a:p>
+            <a:pPr lvl="1"/>
+            <a:r>
+              <a:rPr lang="bg-BG" smtClean="0"/>
+              <a:t>статии </a:t>
+            </a:r>
+            <a:r>
+              <a:rPr lang="bg-BG"/>
+              <a:t>и резюмета, </a:t>
+            </a:r>
+            <a:r>
+              <a:rPr lang="bg-BG"/>
+              <a:t>по </a:t>
+            </a:r>
+            <a:r>
+              <a:rPr lang="bg-BG" smtClean="0"/>
+              <a:t>една</a:t>
+            </a:r>
+            <a:r>
+              <a:rPr lang="en-US" smtClean="0"/>
+              <a:t>/</a:t>
+            </a:r>
+            <a:r>
+              <a:rPr lang="bg-BG" smtClean="0"/>
+              <a:t>едно </a:t>
+            </a:r>
+            <a:r>
+              <a:rPr lang="bg-BG"/>
+              <a:t>на ред</a:t>
+            </a:r>
+          </a:p>
+          <a:p>
+            <a:pPr lvl="1"/>
+            <a:r>
+              <a:rPr lang="bg-BG"/>
+              <a:t>прочитат се ред по ред, леко </a:t>
+            </a:r>
+            <a:r>
+              <a:rPr lang="bg-BG"/>
+              <a:t>допълнително </a:t>
+            </a:r>
+            <a:r>
+              <a:rPr lang="bg-BG" smtClean="0"/>
+              <a:t>форматиране (разделяне на редове за четимост)</a:t>
+            </a:r>
+            <a:endParaRPr lang="bg-BG"/>
+          </a:p>
+          <a:p>
+            <a:pPr lvl="1"/>
+            <a:r>
+              <a:rPr lang="bg-BG"/>
+              <a:t>записват се в </a:t>
+            </a:r>
+            <a:r>
+              <a:rPr lang="bg-BG"/>
+              <a:t>отделни </a:t>
+            </a:r>
+            <a:r>
+              <a:rPr lang="bg-BG" smtClean="0"/>
+              <a:t>файлове</a:t>
+            </a:r>
+            <a:endParaRPr lang="bg-BG"/>
           </a:p>
         </p:txBody>
       </p:sp>
     </p:spTree>
     <p:extLst>
       <p:ext uri="{BB962C8B-B14F-4D97-AF65-F5344CB8AC3E}">
-        <p14:creationId xmlns:p14="http://schemas.microsoft.com/office/powerpoint/2010/main" val="1452581784"/>
+        <p14:creationId xmlns:p14="http://schemas.microsoft.com/office/powerpoint/2010/main" val="2650696342"/>
       </p:ext>
     </p:extLst>
   </p:cSld>
@@ -10204,9 +8426,14 @@
           <a:lstStyle/>
           <a:p>
             <a:r>
-              <a:rPr lang="bg-BG"/>
-              <a:t>Възможни подходи</a:t>
-            </a:r>
+              <a:rPr lang="bg-BG" smtClean="0"/>
+              <a:t>Реализация – </a:t>
+            </a:r>
+            <a:r>
+              <a:rPr lang="en-US" smtClean="0"/>
+              <a:t>CLI</a:t>
+            </a:r>
+            <a:endParaRPr lang="bg-BG"/>
           </a:p>
         </p:txBody>
       </p:sp>
@@ -10225,95 +8452,85 @@
           <a:bodyPr/>
           <a:lstStyle/>
           <a:p>
+            <a:r>
+              <a:rPr lang="bg-BG" smtClean="0"/>
+              <a:t>интерфейс чрез командед ред</a:t>
+            </a:r>
+          </a:p>
+          <a:p>
             <a:pPr lvl="1"/>
             <a:r>
               <a:rPr lang="bg-BG" smtClean="0"/>
-              <a:t>за </a:t>
-            </a:r>
-            <a:r>
-              <a:rPr lang="bg-BG"/>
-              <a:t>най-високо качество се комбинира софтуер </a:t>
-            </a:r>
-            <a:r>
-              <a:rPr lang="bg-BG" smtClean="0"/>
-              <a:t>и</a:t>
+              <a:t>библиотека</a:t>
             </a:r>
             <a:r>
               <a:rPr lang="en-US" smtClean="0"/>
               <a:t> </a:t>
             </a:r>
             <a:r>
-              <a:rPr lang="bg-BG" smtClean="0"/>
-              <a:t>човешко усилие:</a:t>
-            </a:r>
-          </a:p>
-          <a:p>
-            <a:pPr lvl="2"/>
-            <a:r>
               <a:rPr lang="en-US" smtClean="0"/>
-              <a:t>Machine </a:t>
-            </a:r>
-            <a:r>
-              <a:rPr lang="en-US"/>
-              <a:t>Aided Human </a:t>
+              <a:t>argparse</a:t>
+            </a:r>
+          </a:p>
+          <a:p>
+            <a:r>
+              <a:rPr lang="bg-BG" smtClean="0"/>
+              <a:t>опции за:</a:t>
+            </a:r>
+          </a:p>
+          <a:p>
+            <a:pPr lvl="1"/>
+            <a:r>
+              <a:rPr lang="bg-BG" smtClean="0"/>
+              <a:t>избор на корпус</a:t>
+            </a:r>
+          </a:p>
+          <a:p>
+            <a:pPr lvl="1"/>
+            <a:r>
+              <a:rPr lang="bg-BG" smtClean="0"/>
+              <a:t>избор на под-диапазон на корпуса (пълната обработка отнема време, в зависимост от алгоритъма)</a:t>
+            </a:r>
+          </a:p>
+          <a:p>
+            <a:pPr lvl="1"/>
+            <a:r>
+              <a:rPr lang="bg-BG" smtClean="0"/>
+              <a:t>избор на алгоритъм</a:t>
+            </a:r>
+          </a:p>
+          <a:p>
+            <a:pPr lvl="1"/>
+            <a:r>
+              <a:rPr lang="bg-BG" smtClean="0"/>
+              <a:t>размер на резюметата (в брой изречения)</a:t>
+            </a:r>
+          </a:p>
+          <a:p>
+            <a:pPr lvl="1"/>
+            <a:r>
+              <a:rPr lang="bg-BG" smtClean="0"/>
+              <a:t>дали резултатите да се запишат на диска, или само да се </a:t>
             </a:r>
             <a:r>
               <a:rPr lang="en-US" smtClean="0"/>
-              <a:t>Summarization</a:t>
-            </a:r>
+              <a:t>print</a:t>
+            </a:r>
+            <a:r>
+              <a:rPr lang="bg-BG" smtClean="0"/>
+              <a:t>-нат на конзолата</a:t>
+            </a:r>
+          </a:p>
+          <a:p>
+            <a:pPr lvl="1"/>
             <a:endParaRPr lang="bg-BG" smtClean="0"/>
-          </a:p>
-          <a:p>
-            <a:pPr lvl="3"/>
-            <a:r>
-              <a:rPr lang="bg-BG" smtClean="0"/>
-              <a:t>екстрактивна система дава кандидати за извличане</a:t>
-            </a:r>
-          </a:p>
-          <a:p>
-            <a:pPr lvl="3"/>
-            <a:r>
-              <a:rPr lang="bg-BG" smtClean="0"/>
-              <a:t>човекът ги анализира и решава кои да избере (като може и да ги редактира допълнително, като добавя или премахва текст)</a:t>
-            </a:r>
-          </a:p>
-          <a:p>
-            <a:pPr lvl="2"/>
-            <a:r>
-              <a:rPr lang="en-US"/>
-              <a:t>Human Aided Machine </a:t>
-            </a:r>
-            <a:r>
-              <a:rPr lang="en-US" smtClean="0"/>
-              <a:t>Summarization</a:t>
-            </a:r>
-            <a:endParaRPr lang="bg-BG" smtClean="0"/>
-          </a:p>
-          <a:p>
-            <a:pPr lvl="3"/>
-            <a:r>
-              <a:rPr lang="bg-BG" smtClean="0"/>
-              <a:t>системата дава изход</a:t>
-            </a:r>
-          </a:p>
-          <a:p>
-            <a:pPr lvl="3"/>
-            <a:r>
-              <a:rPr lang="bg-BG" smtClean="0"/>
-              <a:t>човек го обработва допълнително и редактира</a:t>
-            </a:r>
-            <a:endParaRPr lang="bg-BG"/>
-          </a:p>
-          <a:p>
-            <a:pPr lvl="1"/>
-            <a:endParaRPr lang="bg-BG"/>
           </a:p>
         </p:txBody>
       </p:sp>
     </p:spTree>
     <p:extLst>
       <p:ext uri="{BB962C8B-B14F-4D97-AF65-F5344CB8AC3E}">
-        <p14:creationId xmlns:p14="http://schemas.microsoft.com/office/powerpoint/2010/main" val="1967656766"/>
+        <p14:creationId xmlns:p14="http://schemas.microsoft.com/office/powerpoint/2010/main" val="1089455311"/>
       </p:ext>
     </p:extLst>
   </p:cSld>
@@ -10357,7 +8574,7 @@
           <a:p>
             <a:r>
               <a:rPr lang="bg-BG" smtClean="0"/>
-              <a:t>Конкретни алгоритми и системи</a:t>
+              <a:t>Реализация - класове</a:t>
             </a:r>
             <a:endParaRPr lang="bg-BG"/>
           </a:p>
@@ -10376,153 +8593,209 @@
         <p:spPr/>
         <p:txBody>
           <a:bodyPr>
-            <a:normAutofit lnSpcReduction="10000"/>
+            <a:normAutofit fontScale="92500" lnSpcReduction="10000"/>
           </a:bodyPr>
           <a:lstStyle/>
           <a:p>
             <a:r>
-              <a:rPr lang="bg-BG" smtClean="0"/>
-              <a:t>екстрактивни методи:</a:t>
-            </a:r>
+              <a:rPr lang="en-US" smtClean="0"/>
+              <a:t>Corpus</a:t>
+            </a:r>
+            <a:endParaRPr lang="bg-BG" smtClean="0"/>
           </a:p>
           <a:p>
             <a:pPr lvl="1"/>
             <a:r>
+              <a:rPr lang="bg-BG" smtClean="0"/>
+              <a:t>прочита документи и </a:t>
+            </a:r>
+            <a:r>
+              <a:rPr lang="bg-BG" smtClean="0"/>
+              <a:t>резюмета</a:t>
+            </a:r>
+            <a:r>
+              <a:rPr lang="en-US" smtClean="0"/>
+              <a:t> </a:t>
+            </a:r>
+            <a:r>
+              <a:rPr lang="bg-BG" smtClean="0"/>
+              <a:t>от конкретен корпус</a:t>
+            </a:r>
+            <a:endParaRPr lang="bg-BG" smtClean="0"/>
+          </a:p>
+          <a:p>
+            <a:pPr lvl="1"/>
+            <a:r>
+              <a:rPr lang="bg-BG" smtClean="0"/>
+              <a:t>запазва ги</a:t>
+            </a:r>
+          </a:p>
+          <a:p>
+            <a:pPr lvl="1"/>
+            <a:r>
+              <a:rPr lang="bg-BG" smtClean="0"/>
+              <a:t>дава </a:t>
+            </a:r>
+            <a:r>
+              <a:rPr lang="en-US" smtClean="0"/>
+              <a:t>ROUGE</a:t>
+            </a:r>
+            <a:r>
+              <a:rPr lang="bg-BG" smtClean="0"/>
+              <a:t> </a:t>
+            </a:r>
+            <a:r>
+              <a:rPr lang="bg-BG" smtClean="0"/>
+              <a:t>оценки (чрез обект от </a:t>
+            </a:r>
+            <a:r>
+              <a:rPr lang="en-US" smtClean="0"/>
+              <a:t>Rouge</a:t>
+            </a:r>
+            <a:r>
               <a:rPr lang="bg-BG"/>
-              <a:t>методи, базирани на машинно </a:t>
-            </a:r>
-            <a:r>
-              <a:rPr lang="bg-BG" smtClean="0"/>
-              <a:t>самообучение – третират проблема като класификационна задача (изреченията се класифицират като участващи или не в резюмето)</a:t>
+              <a:t> </a:t>
+            </a:r>
+            <a:r>
+              <a:rPr lang="bg-BG" smtClean="0"/>
+              <a:t>библиотеката)</a:t>
             </a:r>
           </a:p>
           <a:p>
             <a:pPr lvl="2"/>
             <a:r>
+              <a:rPr lang="bg-BG" smtClean="0"/>
+              <a:t>получава два списъка с еднаква дължина</a:t>
+            </a:r>
+          </a:p>
+          <a:p>
+            <a:pPr lvl="3"/>
+            <a:r>
+              <a:rPr lang="bg-BG" smtClean="0"/>
+              <a:t>резюмета за тестване и </a:t>
+            </a:r>
+            <a:r>
               <a:rPr lang="en-US" smtClean="0"/>
-              <a:t>Naïve Bayes</a:t>
-            </a:r>
-            <a:r>
-              <a:rPr lang="bg-BG" smtClean="0"/>
-              <a:t>, класификационни дървета, </a:t>
+              <a:t>reference </a:t>
+            </a:r>
+            <a:r>
+              <a:rPr lang="bg-BG" smtClean="0"/>
+              <a:t>резюмета</a:t>
+            </a:r>
+          </a:p>
+          <a:p>
+            <a:pPr lvl="2"/>
+            <a:r>
+              <a:rPr lang="bg-BG" smtClean="0"/>
+              <a:t>изчислява </a:t>
             </a:r>
             <a:r>
               <a:rPr lang="en-US" smtClean="0"/>
-              <a:t>SVM</a:t>
-            </a:r>
+              <a:t>ROUGE-1, ROUGE-2</a:t>
+            </a:r>
+            <a:r>
+              <a:rPr lang="bg-BG" smtClean="0"/>
+              <a:t> и</a:t>
+            </a:r>
+            <a:r>
+              <a:rPr lang="en-US" smtClean="0"/>
+              <a:t> ROUGE-L</a:t>
+            </a:r>
+          </a:p>
+          <a:p>
+            <a:pPr lvl="3"/>
             <a:r>
               <a:rPr lang="en-US"/>
-              <a:t>s</a:t>
+              <a:t>recall, precision </a:t>
+            </a:r>
+            <a:r>
+              <a:rPr lang="bg-BG"/>
+              <a:t>и </a:t>
+            </a:r>
+            <a:r>
+              <a:rPr lang="en-US" smtClean="0"/>
+              <a:t>F1 scores</a:t>
             </a:r>
             <a:endParaRPr lang="bg-BG" smtClean="0"/>
           </a:p>
           <a:p>
+            <a:pPr lvl="2"/>
+            <a:r>
+              <a:rPr lang="bg-BG" smtClean="0"/>
+              <a:t>индивидуално </a:t>
+            </a:r>
+            <a:r>
+              <a:rPr lang="bg-BG"/>
+              <a:t>за всяка </a:t>
+            </a:r>
+            <a:r>
+              <a:rPr lang="bg-BG"/>
+              <a:t>двойка </a:t>
+            </a:r>
+            <a:r>
+              <a:rPr lang="bg-BG" smtClean="0"/>
+              <a:t>резюмета и осреднено </a:t>
+            </a:r>
+            <a:r>
+              <a:rPr lang="bg-BG"/>
+              <a:t>по </a:t>
+            </a:r>
+            <a:r>
+              <a:rPr lang="bg-BG" smtClean="0"/>
+              <a:t>всички</a:t>
+            </a:r>
+          </a:p>
+          <a:p>
             <a:pPr lvl="1"/>
             <a:r>
               <a:rPr lang="bg-BG" smtClean="0"/>
-              <a:t>методи, базирани на графи – представят документите като графи, с възли изречения</a:t>
+              <a:t>записва/отпечатва резултатите</a:t>
             </a:r>
             <a:endParaRPr lang="en-US" smtClean="0"/>
           </a:p>
           <a:p>
-            <a:pPr lvl="2"/>
-            <a:r>
-              <a:rPr lang="bg-BG" smtClean="0"/>
-              <a:t>прилагане на </a:t>
-            </a:r>
             <a:r>
               <a:rPr lang="en-US" smtClean="0"/>
-              <a:t>PageRank </a:t>
-            </a:r>
-            <a:r>
-              <a:rPr lang="bg-BG" smtClean="0"/>
-              <a:t>за извличане на най-важно ключови думи – </a:t>
+              <a:t>TextrankSummarizer</a:t>
+            </a:r>
+            <a:r>
+              <a:rPr lang="bg-BG" smtClean="0"/>
+              <a:t> и </a:t>
             </a:r>
             <a:r>
               <a:rPr lang="en-US" smtClean="0"/>
-              <a:t>TextRank</a:t>
-            </a:r>
-            <a:r>
-              <a:rPr lang="bg-BG" smtClean="0"/>
-              <a:t> и</a:t>
+              <a:t>LSASummarizer</a:t>
+            </a:r>
+            <a:endParaRPr lang="bg-BG" smtClean="0"/>
+          </a:p>
+          <a:p>
+            <a:pPr lvl="1"/>
+            <a:r>
+              <a:rPr lang="bg-BG" smtClean="0"/>
+              <a:t>могат да обработят единствен текст (само резюмиране)</a:t>
+            </a:r>
+          </a:p>
+          <a:p>
+            <a:pPr lvl="1"/>
+            <a:r>
+              <a:rPr lang="bg-BG" smtClean="0"/>
+              <a:t>или цял корпус (резюмиране + </a:t>
             </a:r>
             <a:r>
               <a:rPr lang="en-US" smtClean="0"/>
-              <a:t> LexRank</a:t>
-            </a:r>
-          </a:p>
-          <a:p>
-            <a:pPr lvl="1"/>
-            <a:r>
-              <a:rPr lang="en-US"/>
-              <a:t>Latent semantic </a:t>
-            </a:r>
-            <a:r>
-              <a:rPr lang="en-US" smtClean="0"/>
-              <a:t>analysis</a:t>
-            </a:r>
-            <a:r>
-              <a:rPr lang="bg-BG" smtClean="0"/>
-              <a:t>/</a:t>
-            </a:r>
-            <a:r>
-              <a:rPr lang="en-US" smtClean="0"/>
-              <a:t>indexing</a:t>
-            </a:r>
-            <a:r>
-              <a:rPr lang="bg-BG" smtClean="0"/>
-              <a:t> (</a:t>
-            </a:r>
-            <a:r>
-              <a:rPr lang="en-US" smtClean="0"/>
-              <a:t>LSA/LSI)</a:t>
-            </a:r>
-            <a:r>
-              <a:rPr lang="bg-BG" smtClean="0"/>
-              <a:t> – базиран на</a:t>
-            </a:r>
-            <a:r>
-              <a:rPr lang="en-US" smtClean="0"/>
-              <a:t> SVD</a:t>
-            </a:r>
-            <a:endParaRPr lang="bg-BG" smtClean="0"/>
-          </a:p>
-          <a:p>
-            <a:pPr lvl="1"/>
-            <a:r>
-              <a:rPr lang="en-US"/>
-              <a:t>Luhn’s Heuristic </a:t>
-            </a:r>
-            <a:r>
-              <a:rPr lang="en-US" smtClean="0"/>
-              <a:t>Method</a:t>
-            </a:r>
-            <a:r>
-              <a:rPr lang="bg-BG" smtClean="0"/>
-              <a:t> – базиран на </a:t>
-            </a:r>
-            <a:r>
-              <a:rPr lang="en-US" smtClean="0"/>
-              <a:t>TF-IDF</a:t>
-            </a:r>
-          </a:p>
-          <a:p>
-            <a:pPr lvl="1"/>
-            <a:r>
-              <a:rPr lang="bg-BG" smtClean="0"/>
-              <a:t>и др.</a:t>
-            </a:r>
-            <a:endParaRPr lang="en-US" smtClean="0"/>
-          </a:p>
-          <a:p>
-            <a:endParaRPr lang="bg-BG"/>
+              <a:t>ROUGE</a:t>
+            </a:r>
+            <a:r>
+              <a:rPr lang="bg-BG" smtClean="0"/>
+              <a:t> метрики + резултати =&gt; на конзолата или на диска)</a:t>
+            </a:r>
           </a:p>
         </p:txBody>
       </p:sp>
     </p:spTree>
     <p:extLst>
       <p:ext uri="{BB962C8B-B14F-4D97-AF65-F5344CB8AC3E}">
-        <p14:creationId xmlns:p14="http://schemas.microsoft.com/office/powerpoint/2010/main" val="2131259386"/>
+        <p14:creationId xmlns:p14="http://schemas.microsoft.com/office/powerpoint/2010/main" val="2375841082"/>
       </p:ext>
     </p:extLst>
   </p:cSld>
@@ -10565,9 +8838,18 @@
           <a:lstStyle/>
           <a:p>
             <a:r>
-              <a:rPr lang="bg-BG"/>
-              <a:t>Конкретни алгоритми и системи</a:t>
-            </a:r>
+              <a:rPr lang="bg-BG" smtClean="0"/>
+              <a:t>Реализация -</a:t>
+            </a:r>
+            <a:r>
+              <a:rPr lang="en-US" smtClean="0"/>
+              <a:t> </a:t>
+            </a:r>
+            <a:r>
+              <a:rPr lang="bg-BG" smtClean="0"/>
+              <a:t>алгоритми</a:t>
+            </a:r>
+            <a:endParaRPr lang="bg-BG"/>
           </a:p>
         </p:txBody>
       </p:sp>
@@ -10583,48 +8865,163 @@
         </p:nvSpPr>
         <p:spPr/>
         <p:txBody>
-          <a:bodyPr/>
-          <a:lstStyle/>
-          <a:p>
-            <a:r>
-              <a:rPr lang="bg-BG" smtClean="0"/>
-              <a:t>абстрактивни методи:</a:t>
-            </a:r>
-            <a:endParaRPr lang="en-US" smtClean="0"/>
+          <a:bodyPr>
+            <a:normAutofit/>
+          </a:bodyPr>
+          <a:lstStyle/>
+          <a:p>
+            <a:r>
+              <a:rPr lang="en-US" smtClean="0"/>
+              <a:t>TextRank</a:t>
+            </a:r>
+            <a:r>
+              <a:rPr lang="bg-BG" smtClean="0"/>
+              <a:t> – библиотека </a:t>
+            </a:r>
+            <a:r>
+              <a:rPr lang="en-US" smtClean="0"/>
+              <a:t>PyTextRank</a:t>
+            </a:r>
+            <a:endParaRPr lang="bg-BG" smtClean="0"/>
           </a:p>
           <a:p>
             <a:pPr lvl="1"/>
             <a:r>
-              <a:rPr lang="bg-BG" smtClean="0"/>
-              <a:t>структурно-базирани:</a:t>
+              <a:rPr lang="en-US" smtClean="0"/>
+              <a:t>PyTextRank</a:t>
+            </a:r>
+            <a:r>
+              <a:rPr lang="bg-BG" smtClean="0"/>
+              <a:t> изисква </a:t>
+            </a:r>
+            <a:r>
+              <a:rPr lang="en-US" smtClean="0"/>
+              <a:t>spaCy </a:t>
+            </a:r>
+            <a:r>
+              <a:rPr lang="en-US" smtClean="0"/>
+              <a:t>– </a:t>
+            </a:r>
+            <a:r>
+              <a:rPr lang="bg-BG" smtClean="0"/>
+              <a:t>библиотека за обработка на естествен език</a:t>
             </a:r>
           </a:p>
           <a:p>
             <a:pPr lvl="2"/>
             <a:r>
               <a:rPr lang="bg-BG" smtClean="0"/>
-              <a:t>базирани на дървета, шаблони, правила, графи, онтологии, и др.</a:t>
+              <a:t>реализира обработка чрез </a:t>
+            </a:r>
+            <a:r>
+              <a:rPr lang="en-US" smtClean="0"/>
+              <a:t>pipeline</a:t>
+            </a:r>
+            <a:r>
+              <a:rPr lang="bg-BG" smtClean="0"/>
+              <a:t> от няколко компоненти </a:t>
+            </a:r>
+            <a:r>
+              <a:rPr lang="en-US" smtClean="0"/>
+              <a:t>(pipes)</a:t>
+            </a:r>
+            <a:endParaRPr lang="bg-BG" smtClean="0"/>
+          </a:p>
+          <a:p>
+            <a:pPr lvl="2"/>
+            <a:r>
+              <a:rPr lang="bg-BG" smtClean="0"/>
+              <a:t>в стандартния модел има:</a:t>
+            </a:r>
+          </a:p>
+          <a:p>
+            <a:pPr lvl="3"/>
+            <a:r>
+              <a:rPr lang="en-US" smtClean="0"/>
+              <a:t>token-to-vector </a:t>
+            </a:r>
+            <a:r>
+              <a:rPr lang="en-US"/>
+              <a:t>model</a:t>
+            </a:r>
+            <a:r>
+              <a:rPr lang="ru-RU" smtClean="0"/>
+              <a:t>, </a:t>
+            </a:r>
+            <a:r>
+              <a:rPr lang="en-US" smtClean="0"/>
+              <a:t>POS</a:t>
+            </a:r>
+            <a:r>
+              <a:rPr lang="ru-RU" smtClean="0"/>
+              <a:t> </a:t>
+            </a:r>
+            <a:r>
+              <a:rPr lang="ru-RU"/>
+              <a:t>tagging, </a:t>
+            </a:r>
+            <a:r>
+              <a:rPr lang="en-US"/>
+              <a:t>syntactic dependency </a:t>
+            </a:r>
+            <a:r>
+              <a:rPr lang="en-US" smtClean="0"/>
+              <a:t>parsing, </a:t>
+            </a:r>
+            <a:r>
+              <a:rPr lang="en-US"/>
+              <a:t>rule-based token attribute </a:t>
+            </a:r>
+            <a:r>
+              <a:rPr lang="en-US" smtClean="0"/>
+              <a:t>assignment</a:t>
+            </a:r>
+            <a:r>
+              <a:rPr lang="ru-RU" smtClean="0"/>
+              <a:t>, </a:t>
+            </a:r>
+            <a:r>
+              <a:rPr lang="en-US"/>
+              <a:t>lemmatization</a:t>
+            </a:r>
+            <a:r>
+              <a:rPr lang="ru-RU" smtClean="0"/>
+              <a:t>, </a:t>
+            </a:r>
+            <a:r>
+              <a:rPr lang="ru-RU"/>
+              <a:t>named entity recognition</a:t>
+            </a:r>
+            <a:endParaRPr lang="bg-BG" smtClean="0"/>
+          </a:p>
+          <a:p>
+            <a:pPr lvl="2"/>
+            <a:r>
+              <a:rPr lang="en-US" smtClean="0"/>
+              <a:t>PyTextRank</a:t>
+            </a:r>
+            <a:r>
+              <a:rPr lang="bg-BG" smtClean="0"/>
+              <a:t> всъщност е реализиран като точно такава компонента</a:t>
+            </a:r>
+            <a:r>
+              <a:rPr lang="en-US" smtClean="0"/>
+              <a:t>, </a:t>
+            </a:r>
+            <a:r>
+              <a:rPr lang="bg-BG" smtClean="0"/>
+              <a:t>и се добавя към горните</a:t>
             </a:r>
           </a:p>
           <a:p>
             <a:pPr lvl="1"/>
             <a:r>
-              <a:rPr lang="bg-BG" smtClean="0"/>
-              <a:t>семантично-базирани:</a:t>
-            </a:r>
-          </a:p>
-          <a:p>
-            <a:pPr lvl="2"/>
-            <a:r>
-              <a:rPr lang="bg-BG" smtClean="0"/>
-              <a:t>мултимодален семантичен модел, модел на семантично представяне на текст, модел на семантични графи, и др.</a:t>
-            </a:r>
-          </a:p>
-          <a:p>
-            <a:pPr lvl="1"/>
-            <a:r>
               <a:rPr lang="bg-BG"/>
-              <a:t>рекурентни невронни мрежи </a:t>
+              <a:t>също включва други алгоритми от фамилията на базираните на </a:t>
+            </a:r>
+            <a:r>
+              <a:rPr lang="bg-BG"/>
+              <a:t>графи </a:t>
             </a:r>
             <a:r>
               <a:rPr lang="bg-BG" smtClean="0"/>
@@ -10632,17 +9029,21 @@
             </a:r>
             <a:r>
               <a:rPr lang="en-US" smtClean="0"/>
-              <a:t>sequence-to-sequence RNNs</a:t>
+              <a:t>PositionRank</a:t>
+            </a:r>
+            <a:r>
+              <a:rPr lang="bg-BG" smtClean="0"/>
+              <a:t> </a:t>
+            </a:r>
+            <a:r>
+              <a:rPr lang="bg-BG" smtClean="0"/>
+              <a:t>и</a:t>
+            </a:r>
+            <a:r>
+              <a:rPr lang="en-US" smtClean="0"/>
+              <a:t> BiasedTextRank </a:t>
             </a:r>
             <a:endParaRPr lang="bg-BG" smtClean="0"/>
-          </a:p>
-          <a:p>
-            <a:pPr lvl="1"/>
-            <a:r>
-              <a:rPr lang="bg-BG" smtClean="0"/>
-              <a:t>и др.</a:t>
-            </a:r>
-            <a:endParaRPr lang="en-US" smtClean="0"/>
           </a:p>
           <a:p>
             <a:pPr lvl="1"/>
@@ -10653,7 +9054,7 @@
     </p:spTree>
     <p:extLst>
       <p:ext uri="{BB962C8B-B14F-4D97-AF65-F5344CB8AC3E}">
-        <p14:creationId xmlns:p14="http://schemas.microsoft.com/office/powerpoint/2010/main" val="1065212774"/>
+        <p14:creationId xmlns:p14="http://schemas.microsoft.com/office/powerpoint/2010/main" val="3706656489"/>
       </p:ext>
     </p:extLst>
   </p:cSld>
